--- a/WRK/presents/01 - types of drives/types of drives.pptx
+++ b/WRK/presents/01 - types of drives/types of drives.pptx
@@ -1974,7 +1974,7 @@
           <a:bodyPr lIns="0" rIns="0" tIns="0" bIns="0"/>
           <a:p>
             <a:pPr algn="r"/>
-            <a:fld id="{E72E6C09-12E7-4408-ABA6-FB58CB372E72}" type="slidenum">
+            <a:fld id="{C685B450-4A8C-45F0-93D1-25ED8D30184F}" type="slidenum">
               <a:rPr lang="de-DE" sz="1400" spc="-1" strike="noStrike">
                 <a:solidFill>
                   <a:srgbClr val="000000"/>
@@ -2065,7 +2065,7 @@
             <a:r>
               <a:rPr i="1" lang="de-DE" sz="3600" spc="-1" strike="noStrike">
                 <a:solidFill>
-                  <a:srgbClr val="1c1c1c"/>
+                  <a:srgbClr val="333333"/>
                 </a:solidFill>
                 <a:uFill>
                   <a:solidFill>
@@ -2078,7 +2078,7 @@
             </a:r>
             <a:endParaRPr i="1" lang="de-DE" sz="3600" spc="-1" strike="noStrike">
               <a:solidFill>
-                <a:srgbClr val="1c1c1c"/>
+                <a:srgbClr val="333333"/>
               </a:solidFill>
               <a:uFill>
                 <a:solidFill>
@@ -2191,14 +2191,14 @@
       </p:grpSpPr>
       <p:sp>
         <p:nvSpPr>
-          <p:cNvPr id="49" name="TextShape 1"/>
+          <p:cNvPr id="57" name="TextShape 1"/>
           <p:cNvSpPr txBox="1"/>
           <p:nvPr/>
         </p:nvSpPr>
         <p:spPr>
           <a:xfrm>
-            <a:off x="504000" y="854280"/>
-            <a:ext cx="9071640" cy="5851800"/>
+            <a:off x="504000" y="301320"/>
+            <a:ext cx="9071640" cy="1262160"/>
           </a:xfrm>
           <a:prstGeom prst="rect">
             <a:avLst/>
@@ -2215,20 +2215,148 @@
             <a:r>
               <a:rPr i="1" lang="de-DE" sz="3600" spc="-1" strike="noStrike">
                 <a:solidFill>
-                  <a:srgbClr val="1c1c1c"/>
-                </a:solidFill>
-                <a:uFill>
-                  <a:solidFill>
-                    <a:srgbClr val="ffffff"/>
-                  </a:solidFill>
-                </a:uFill>
-                <a:latin typeface="Fira Sans"/>
-              </a:rPr>
-              <a:t>FEHLERERKENNUNG S.M.A.R.T.</a:t>
+                  <a:srgbClr val="333333"/>
+                </a:solidFill>
+                <a:uFill>
+                  <a:solidFill>
+                    <a:srgbClr val="ffffff"/>
+                  </a:solidFill>
+                </a:uFill>
+                <a:latin typeface="Fira Sans"/>
+              </a:rPr>
+              <a:t>FAZIT (HDD)</a:t>
             </a:r>
             <a:endParaRPr i="1" lang="de-DE" sz="3600" spc="-1" strike="noStrike">
               <a:solidFill>
-                <a:srgbClr val="1c1c1c"/>
+                <a:srgbClr val="333333"/>
+              </a:solidFill>
+              <a:uFill>
+                <a:solidFill>
+                  <a:srgbClr val="ffffff"/>
+                </a:solidFill>
+              </a:uFill>
+              <a:latin typeface="Ubuntu"/>
+            </a:endParaRPr>
+          </a:p>
+        </p:txBody>
+      </p:sp>
+      <p:sp>
+        <p:nvSpPr>
+          <p:cNvPr id="58" name="TextShape 2"/>
+          <p:cNvSpPr txBox="1"/>
+          <p:nvPr/>
+        </p:nvSpPr>
+        <p:spPr>
+          <a:xfrm>
+            <a:off x="504000" y="1769040"/>
+            <a:ext cx="9071640" cy="4384440"/>
+          </a:xfrm>
+          <a:prstGeom prst="rect">
+            <a:avLst/>
+          </a:prstGeom>
+          <a:noFill/>
+          <a:ln>
+            <a:noFill/>
+          </a:ln>
+        </p:spPr>
+        <p:txBody>
+          <a:bodyPr lIns="0" rIns="0" tIns="0" bIns="0"/>
+          <a:p>
+            <a:pPr marL="432000" indent="-324000">
+              <a:buClr>
+                <a:srgbClr val="333333"/>
+              </a:buClr>
+              <a:buSzPct val="45000"/>
+              <a:buFont typeface="Wingdings" charset="2"/>
+              <a:buChar char=""/>
+            </a:pPr>
+            <a:r>
+              <a:rPr i="1" lang="de-DE" sz="2600" spc="-1" strike="noStrike">
+                <a:solidFill>
+                  <a:srgbClr val="333333"/>
+                </a:solidFill>
+                <a:uFill>
+                  <a:solidFill>
+                    <a:srgbClr val="ffffff"/>
+                  </a:solidFill>
+                </a:uFill>
+                <a:latin typeface="Fira Sans"/>
+              </a:rPr>
+              <a:t>magnetisches Speichermedium</a:t>
+            </a:r>
+            <a:endParaRPr i="1" lang="de-DE" sz="2600" spc="-1" strike="noStrike">
+              <a:solidFill>
+                <a:srgbClr val="333333"/>
+              </a:solidFill>
+              <a:uFill>
+                <a:solidFill>
+                  <a:srgbClr val="ffffff"/>
+                </a:solidFill>
+              </a:uFill>
+              <a:latin typeface="Fira Sans"/>
+            </a:endParaRPr>
+          </a:p>
+          <a:p>
+            <a:pPr marL="432000" indent="-324000">
+              <a:buClr>
+                <a:srgbClr val="000000"/>
+              </a:buClr>
+              <a:buSzPct val="45000"/>
+              <a:buFont typeface="Wingdings" charset="2"/>
+              <a:buChar char=""/>
+            </a:pPr>
+            <a:r>
+              <a:rPr i="1" lang="de-DE" sz="2600" spc="-1" strike="noStrike">
+                <a:solidFill>
+                  <a:srgbClr val="333333"/>
+                </a:solidFill>
+                <a:uFill>
+                  <a:solidFill>
+                    <a:srgbClr val="ffffff"/>
+                  </a:solidFill>
+                </a:uFill>
+                <a:latin typeface="Fira Sans"/>
+              </a:rPr>
+              <a:t>Platte wird magnetisiert um Informationen zu speichern</a:t>
+            </a:r>
+            <a:endParaRPr i="1" lang="de-DE" sz="2600" spc="-1" strike="noStrike">
+              <a:solidFill>
+                <a:srgbClr val="333333"/>
+              </a:solidFill>
+              <a:uFill>
+                <a:solidFill>
+                  <a:srgbClr val="ffffff"/>
+                </a:solidFill>
+              </a:uFill>
+              <a:latin typeface="Fira Sans"/>
+            </a:endParaRPr>
+          </a:p>
+          <a:p>
+            <a:pPr marL="432000" indent="-324000">
+              <a:buClr>
+                <a:srgbClr val="000000"/>
+              </a:buClr>
+              <a:buSzPct val="45000"/>
+              <a:buFont typeface="Wingdings" charset="2"/>
+              <a:buChar char=""/>
+            </a:pPr>
+            <a:r>
+              <a:rPr i="1" lang="de-DE" sz="2600" spc="-1" strike="noStrike">
+                <a:solidFill>
+                  <a:srgbClr val="333333"/>
+                </a:solidFill>
+                <a:uFill>
+                  <a:solidFill>
+                    <a:srgbClr val="ffffff"/>
+                  </a:solidFill>
+                </a:uFill>
+                <a:latin typeface="Fira Sans"/>
+              </a:rPr>
+              <a:t>Lesen der Informationen erfolgt durch Abtasten der Magnetisierung (Remenanz)</a:t>
+            </a:r>
+            <a:endParaRPr i="1" lang="de-DE" sz="2600" spc="-1" strike="noStrike">
+              <a:solidFill>
+                <a:srgbClr val="333333"/>
               </a:solidFill>
               <a:uFill>
                 <a:solidFill>
@@ -2291,7 +2419,7 @@
       </p:grpSpPr>
       <p:sp>
         <p:nvSpPr>
-          <p:cNvPr id="50" name="TextShape 1"/>
+          <p:cNvPr id="59" name="TextShape 1"/>
           <p:cNvSpPr txBox="1"/>
           <p:nvPr/>
         </p:nvSpPr>
@@ -2324,7 +2452,35 @@
                 </a:uFill>
                 <a:latin typeface="Fira Sans"/>
               </a:rPr>
-              <a:t>FAZIT</a:t>
+              <a:t>SOLID-STATE DRIVE</a:t>
+            </a:r>
+            <a:endParaRPr i="1" lang="de-DE" sz="3600" spc="-1" strike="noStrike">
+              <a:solidFill>
+                <a:srgbClr val="1c1c1c"/>
+              </a:solidFill>
+              <a:uFill>
+                <a:solidFill>
+                  <a:srgbClr val="ffffff"/>
+                </a:solidFill>
+              </a:uFill>
+              <a:latin typeface="Fira Sans"/>
+            </a:endParaRPr>
+          </a:p>
+          <a:p>
+            <a:pPr algn="ctr"/>
+            <a:r>
+              <a:rPr i="1" lang="de-DE" sz="3600" spc="-1" strike="noStrike">
+                <a:solidFill>
+                  <a:srgbClr val="1c1c1c"/>
+                </a:solidFill>
+                <a:uFill>
+                  <a:solidFill>
+                    <a:srgbClr val="ffffff"/>
+                  </a:solidFill>
+                </a:uFill>
+                <a:latin typeface="Fira Sans"/>
+              </a:rPr>
+              <a:t>(SSD)</a:t>
             </a:r>
             <a:endParaRPr i="1" lang="de-DE" sz="3600" spc="-1" strike="noStrike">
               <a:solidFill>
@@ -2391,14 +2547,14 @@
       </p:grpSpPr>
       <p:sp>
         <p:nvSpPr>
-          <p:cNvPr id="51" name="TextShape 1"/>
+          <p:cNvPr id="60" name="TextShape 1"/>
           <p:cNvSpPr txBox="1"/>
           <p:nvPr/>
         </p:nvSpPr>
         <p:spPr>
           <a:xfrm>
-            <a:off x="504000" y="854280"/>
-            <a:ext cx="9071640" cy="5851800"/>
+            <a:off x="504000" y="301320"/>
+            <a:ext cx="9071640" cy="1262160"/>
           </a:xfrm>
           <a:prstGeom prst="rect">
             <a:avLst/>
@@ -2415,20 +2571,78 @@
             <a:r>
               <a:rPr i="1" lang="de-DE" sz="3600" spc="-1" strike="noStrike">
                 <a:solidFill>
-                  <a:srgbClr val="1c1c1c"/>
-                </a:solidFill>
-                <a:uFill>
-                  <a:solidFill>
-                    <a:srgbClr val="ffffff"/>
-                  </a:solidFill>
-                </a:uFill>
-                <a:latin typeface="Fira Sans"/>
-              </a:rPr>
-              <a:t>SOLID-STATE DRIVE</a:t>
+                  <a:srgbClr val="333333"/>
+                </a:solidFill>
+                <a:uFill>
+                  <a:solidFill>
+                    <a:srgbClr val="ffffff"/>
+                  </a:solidFill>
+                </a:uFill>
+                <a:latin typeface="Fira Sans"/>
+              </a:rPr>
+              <a:t>ALLGEMEINES</a:t>
             </a:r>
             <a:endParaRPr i="1" lang="de-DE" sz="3600" spc="-1" strike="noStrike">
               <a:solidFill>
-                <a:srgbClr val="1c1c1c"/>
+                <a:srgbClr val="333333"/>
+              </a:solidFill>
+              <a:uFill>
+                <a:solidFill>
+                  <a:srgbClr val="ffffff"/>
+                </a:solidFill>
+              </a:uFill>
+              <a:latin typeface="Ubuntu"/>
+            </a:endParaRPr>
+          </a:p>
+        </p:txBody>
+      </p:sp>
+      <p:sp>
+        <p:nvSpPr>
+          <p:cNvPr id="61" name="TextShape 2"/>
+          <p:cNvSpPr txBox="1"/>
+          <p:nvPr/>
+        </p:nvSpPr>
+        <p:spPr>
+          <a:xfrm>
+            <a:off x="504000" y="1769040"/>
+            <a:ext cx="9071640" cy="4384440"/>
+          </a:xfrm>
+          <a:prstGeom prst="rect">
+            <a:avLst/>
+          </a:prstGeom>
+          <a:noFill/>
+          <a:ln>
+            <a:noFill/>
+          </a:ln>
+        </p:spPr>
+        <p:txBody>
+          <a:bodyPr lIns="0" rIns="0" tIns="0" bIns="0"/>
+          <a:p>
+            <a:pPr marL="432000" indent="-324000">
+              <a:buClr>
+                <a:srgbClr val="333333"/>
+              </a:buClr>
+              <a:buSzPct val="45000"/>
+              <a:buFont typeface="Wingdings" charset="2"/>
+              <a:buChar char=""/>
+            </a:pPr>
+            <a:r>
+              <a:rPr i="1" lang="de-DE" sz="2600" spc="-1" strike="noStrike">
+                <a:solidFill>
+                  <a:srgbClr val="333333"/>
+                </a:solidFill>
+                <a:uFill>
+                  <a:solidFill>
+                    <a:srgbClr val="ffffff"/>
+                  </a:solidFill>
+                </a:uFill>
+                <a:latin typeface="Fira Sans"/>
+              </a:rPr>
+              <a:t>magnetisches Speichermedium</a:t>
+            </a:r>
+            <a:endParaRPr i="1" lang="de-DE" sz="2600" spc="-1" strike="noStrike">
+              <a:solidFill>
+                <a:srgbClr val="333333"/>
               </a:solidFill>
               <a:uFill>
                 <a:solidFill>
@@ -2439,24 +2653,66 @@
             </a:endParaRPr>
           </a:p>
           <a:p>
-            <a:pPr algn="ctr"/>
-            <a:r>
-              <a:rPr i="1" lang="de-DE" sz="3600" spc="-1" strike="noStrike">
-                <a:solidFill>
-                  <a:srgbClr val="1c1c1c"/>
-                </a:solidFill>
-                <a:uFill>
-                  <a:solidFill>
-                    <a:srgbClr val="ffffff"/>
-                  </a:solidFill>
-                </a:uFill>
-                <a:latin typeface="Fira Sans"/>
-              </a:rPr>
-              <a:t>(SSD)</a:t>
-            </a:r>
-            <a:endParaRPr i="1" lang="de-DE" sz="3600" spc="-1" strike="noStrike">
-              <a:solidFill>
-                <a:srgbClr val="1c1c1c"/>
+            <a:pPr marL="432000" indent="-324000">
+              <a:buClr>
+                <a:srgbClr val="000000"/>
+              </a:buClr>
+              <a:buSzPct val="45000"/>
+              <a:buFont typeface="Wingdings" charset="2"/>
+              <a:buChar char=""/>
+            </a:pPr>
+            <a:r>
+              <a:rPr i="1" lang="de-DE" sz="2600" spc="-1" strike="noStrike">
+                <a:solidFill>
+                  <a:srgbClr val="333333"/>
+                </a:solidFill>
+                <a:uFill>
+                  <a:solidFill>
+                    <a:srgbClr val="ffffff"/>
+                  </a:solidFill>
+                </a:uFill>
+                <a:latin typeface="Fira Sans"/>
+              </a:rPr>
+              <a:t>Platte wird magnetisiert um Informationen zu speichern</a:t>
+            </a:r>
+            <a:endParaRPr i="1" lang="de-DE" sz="2600" spc="-1" strike="noStrike">
+              <a:solidFill>
+                <a:srgbClr val="333333"/>
+              </a:solidFill>
+              <a:uFill>
+                <a:solidFill>
+                  <a:srgbClr val="ffffff"/>
+                </a:solidFill>
+              </a:uFill>
+              <a:latin typeface="Fira Sans"/>
+            </a:endParaRPr>
+          </a:p>
+          <a:p>
+            <a:pPr marL="432000" indent="-324000">
+              <a:buClr>
+                <a:srgbClr val="000000"/>
+              </a:buClr>
+              <a:buSzPct val="45000"/>
+              <a:buFont typeface="Wingdings" charset="2"/>
+              <a:buChar char=""/>
+            </a:pPr>
+            <a:r>
+              <a:rPr i="1" lang="de-DE" sz="2600" spc="-1" strike="noStrike">
+                <a:solidFill>
+                  <a:srgbClr val="333333"/>
+                </a:solidFill>
+                <a:uFill>
+                  <a:solidFill>
+                    <a:srgbClr val="ffffff"/>
+                  </a:solidFill>
+                </a:uFill>
+                <a:latin typeface="Fira Sans"/>
+              </a:rPr>
+              <a:t>Lesen der Informationen erfolgt durch Abtasten der Magnetisierung (Remenanz)</a:t>
+            </a:r>
+            <a:endParaRPr i="1" lang="de-DE" sz="2600" spc="-1" strike="noStrike">
+              <a:solidFill>
+                <a:srgbClr val="333333"/>
               </a:solidFill>
               <a:uFill>
                 <a:solidFill>
@@ -2519,14 +2775,14 @@
       </p:grpSpPr>
       <p:sp>
         <p:nvSpPr>
-          <p:cNvPr id="52" name="TextShape 1"/>
+          <p:cNvPr id="62" name="TextShape 1"/>
           <p:cNvSpPr txBox="1"/>
           <p:nvPr/>
         </p:nvSpPr>
         <p:spPr>
           <a:xfrm>
-            <a:off x="504000" y="854280"/>
-            <a:ext cx="9071640" cy="5851800"/>
+            <a:off x="504000" y="301320"/>
+            <a:ext cx="9071640" cy="1262160"/>
           </a:xfrm>
           <a:prstGeom prst="rect">
             <a:avLst/>
@@ -2543,20 +2799,148 @@
             <a:r>
               <a:rPr i="1" lang="de-DE" sz="3600" spc="-1" strike="noStrike">
                 <a:solidFill>
-                  <a:srgbClr val="1c1c1c"/>
-                </a:solidFill>
-                <a:uFill>
-                  <a:solidFill>
-                    <a:srgbClr val="ffffff"/>
-                  </a:solidFill>
-                </a:uFill>
-                <a:latin typeface="Fira Sans"/>
-              </a:rPr>
-              <a:t>ALLGEMEIN</a:t>
+                  <a:srgbClr val="333333"/>
+                </a:solidFill>
+                <a:uFill>
+                  <a:solidFill>
+                    <a:srgbClr val="ffffff"/>
+                  </a:solidFill>
+                </a:uFill>
+                <a:latin typeface="Fira Sans"/>
+              </a:rPr>
+              <a:t>SPEICHERGRÖSSEN</a:t>
             </a:r>
             <a:endParaRPr i="1" lang="de-DE" sz="3600" spc="-1" strike="noStrike">
               <a:solidFill>
-                <a:srgbClr val="1c1c1c"/>
+                <a:srgbClr val="333333"/>
+              </a:solidFill>
+              <a:uFill>
+                <a:solidFill>
+                  <a:srgbClr val="ffffff"/>
+                </a:solidFill>
+              </a:uFill>
+              <a:latin typeface="Ubuntu"/>
+            </a:endParaRPr>
+          </a:p>
+        </p:txBody>
+      </p:sp>
+      <p:sp>
+        <p:nvSpPr>
+          <p:cNvPr id="63" name="TextShape 2"/>
+          <p:cNvSpPr txBox="1"/>
+          <p:nvPr/>
+        </p:nvSpPr>
+        <p:spPr>
+          <a:xfrm>
+            <a:off x="504000" y="1769040"/>
+            <a:ext cx="9071640" cy="4384440"/>
+          </a:xfrm>
+          <a:prstGeom prst="rect">
+            <a:avLst/>
+          </a:prstGeom>
+          <a:noFill/>
+          <a:ln>
+            <a:noFill/>
+          </a:ln>
+        </p:spPr>
+        <p:txBody>
+          <a:bodyPr lIns="0" rIns="0" tIns="0" bIns="0"/>
+          <a:p>
+            <a:pPr marL="432000" indent="-324000">
+              <a:buClr>
+                <a:srgbClr val="333333"/>
+              </a:buClr>
+              <a:buSzPct val="45000"/>
+              <a:buFont typeface="Wingdings" charset="2"/>
+              <a:buChar char=""/>
+            </a:pPr>
+            <a:r>
+              <a:rPr i="1" lang="de-DE" sz="2600" spc="-1" strike="noStrike">
+                <a:solidFill>
+                  <a:srgbClr val="333333"/>
+                </a:solidFill>
+                <a:uFill>
+                  <a:solidFill>
+                    <a:srgbClr val="ffffff"/>
+                  </a:solidFill>
+                </a:uFill>
+                <a:latin typeface="Fira Sans"/>
+              </a:rPr>
+              <a:t>magnetisches Speichermedium</a:t>
+            </a:r>
+            <a:endParaRPr i="1" lang="de-DE" sz="2600" spc="-1" strike="noStrike">
+              <a:solidFill>
+                <a:srgbClr val="333333"/>
+              </a:solidFill>
+              <a:uFill>
+                <a:solidFill>
+                  <a:srgbClr val="ffffff"/>
+                </a:solidFill>
+              </a:uFill>
+              <a:latin typeface="Fira Sans"/>
+            </a:endParaRPr>
+          </a:p>
+          <a:p>
+            <a:pPr marL="432000" indent="-324000">
+              <a:buClr>
+                <a:srgbClr val="000000"/>
+              </a:buClr>
+              <a:buSzPct val="45000"/>
+              <a:buFont typeface="Wingdings" charset="2"/>
+              <a:buChar char=""/>
+            </a:pPr>
+            <a:r>
+              <a:rPr i="1" lang="de-DE" sz="2600" spc="-1" strike="noStrike">
+                <a:solidFill>
+                  <a:srgbClr val="333333"/>
+                </a:solidFill>
+                <a:uFill>
+                  <a:solidFill>
+                    <a:srgbClr val="ffffff"/>
+                  </a:solidFill>
+                </a:uFill>
+                <a:latin typeface="Fira Sans"/>
+              </a:rPr>
+              <a:t>Platte wird magnetisiert um Informationen zu speichern</a:t>
+            </a:r>
+            <a:endParaRPr i="1" lang="de-DE" sz="2600" spc="-1" strike="noStrike">
+              <a:solidFill>
+                <a:srgbClr val="333333"/>
+              </a:solidFill>
+              <a:uFill>
+                <a:solidFill>
+                  <a:srgbClr val="ffffff"/>
+                </a:solidFill>
+              </a:uFill>
+              <a:latin typeface="Fira Sans"/>
+            </a:endParaRPr>
+          </a:p>
+          <a:p>
+            <a:pPr marL="432000" indent="-324000">
+              <a:buClr>
+                <a:srgbClr val="000000"/>
+              </a:buClr>
+              <a:buSzPct val="45000"/>
+              <a:buFont typeface="Wingdings" charset="2"/>
+              <a:buChar char=""/>
+            </a:pPr>
+            <a:r>
+              <a:rPr i="1" lang="de-DE" sz="2600" spc="-1" strike="noStrike">
+                <a:solidFill>
+                  <a:srgbClr val="333333"/>
+                </a:solidFill>
+                <a:uFill>
+                  <a:solidFill>
+                    <a:srgbClr val="ffffff"/>
+                  </a:solidFill>
+                </a:uFill>
+                <a:latin typeface="Fira Sans"/>
+              </a:rPr>
+              <a:t>Lesen der Informationen erfolgt durch Abtasten der Magnetisierung (Remenanz)</a:t>
+            </a:r>
+            <a:endParaRPr i="1" lang="de-DE" sz="2600" spc="-1" strike="noStrike">
+              <a:solidFill>
+                <a:srgbClr val="333333"/>
               </a:solidFill>
               <a:uFill>
                 <a:solidFill>
@@ -2619,14 +3003,14 @@
       </p:grpSpPr>
       <p:sp>
         <p:nvSpPr>
-          <p:cNvPr id="53" name="TextShape 1"/>
+          <p:cNvPr id="64" name="TextShape 1"/>
           <p:cNvSpPr txBox="1"/>
           <p:nvPr/>
         </p:nvSpPr>
         <p:spPr>
           <a:xfrm>
-            <a:off x="504000" y="854280"/>
-            <a:ext cx="9071640" cy="5851800"/>
+            <a:off x="504000" y="301320"/>
+            <a:ext cx="9071640" cy="1262160"/>
           </a:xfrm>
           <a:prstGeom prst="rect">
             <a:avLst/>
@@ -2643,20 +3027,148 @@
             <a:r>
               <a:rPr i="1" lang="de-DE" sz="3600" spc="-1" strike="noStrike">
                 <a:solidFill>
-                  <a:srgbClr val="1c1c1c"/>
-                </a:solidFill>
-                <a:uFill>
-                  <a:solidFill>
-                    <a:srgbClr val="ffffff"/>
-                  </a:solidFill>
-                </a:uFill>
-                <a:latin typeface="Fira Sans"/>
-              </a:rPr>
-              <a:t>SPEICHERGRÖSSEN</a:t>
+                  <a:srgbClr val="333333"/>
+                </a:solidFill>
+                <a:uFill>
+                  <a:solidFill>
+                    <a:srgbClr val="ffffff"/>
+                  </a:solidFill>
+                </a:uFill>
+                <a:latin typeface="Fira Sans"/>
+              </a:rPr>
+              <a:t>SPEICHERARCHITEKTUREN</a:t>
             </a:r>
             <a:endParaRPr i="1" lang="de-DE" sz="3600" spc="-1" strike="noStrike">
               <a:solidFill>
-                <a:srgbClr val="1c1c1c"/>
+                <a:srgbClr val="333333"/>
+              </a:solidFill>
+              <a:uFill>
+                <a:solidFill>
+                  <a:srgbClr val="ffffff"/>
+                </a:solidFill>
+              </a:uFill>
+              <a:latin typeface="Ubuntu"/>
+            </a:endParaRPr>
+          </a:p>
+        </p:txBody>
+      </p:sp>
+      <p:sp>
+        <p:nvSpPr>
+          <p:cNvPr id="65" name="TextShape 2"/>
+          <p:cNvSpPr txBox="1"/>
+          <p:nvPr/>
+        </p:nvSpPr>
+        <p:spPr>
+          <a:xfrm>
+            <a:off x="504000" y="1769040"/>
+            <a:ext cx="9071640" cy="4384440"/>
+          </a:xfrm>
+          <a:prstGeom prst="rect">
+            <a:avLst/>
+          </a:prstGeom>
+          <a:noFill/>
+          <a:ln>
+            <a:noFill/>
+          </a:ln>
+        </p:spPr>
+        <p:txBody>
+          <a:bodyPr lIns="0" rIns="0" tIns="0" bIns="0"/>
+          <a:p>
+            <a:pPr marL="432000" indent="-324000">
+              <a:buClr>
+                <a:srgbClr val="333333"/>
+              </a:buClr>
+              <a:buSzPct val="45000"/>
+              <a:buFont typeface="Wingdings" charset="2"/>
+              <a:buChar char=""/>
+            </a:pPr>
+            <a:r>
+              <a:rPr i="1" lang="de-DE" sz="2600" spc="-1" strike="noStrike">
+                <a:solidFill>
+                  <a:srgbClr val="333333"/>
+                </a:solidFill>
+                <a:uFill>
+                  <a:solidFill>
+                    <a:srgbClr val="ffffff"/>
+                  </a:solidFill>
+                </a:uFill>
+                <a:latin typeface="Fira Sans"/>
+              </a:rPr>
+              <a:t>magnetisches Speichermedium</a:t>
+            </a:r>
+            <a:endParaRPr i="1" lang="de-DE" sz="2600" spc="-1" strike="noStrike">
+              <a:solidFill>
+                <a:srgbClr val="333333"/>
+              </a:solidFill>
+              <a:uFill>
+                <a:solidFill>
+                  <a:srgbClr val="ffffff"/>
+                </a:solidFill>
+              </a:uFill>
+              <a:latin typeface="Fira Sans"/>
+            </a:endParaRPr>
+          </a:p>
+          <a:p>
+            <a:pPr marL="432000" indent="-324000">
+              <a:buClr>
+                <a:srgbClr val="000000"/>
+              </a:buClr>
+              <a:buSzPct val="45000"/>
+              <a:buFont typeface="Wingdings" charset="2"/>
+              <a:buChar char=""/>
+            </a:pPr>
+            <a:r>
+              <a:rPr i="1" lang="de-DE" sz="2600" spc="-1" strike="noStrike">
+                <a:solidFill>
+                  <a:srgbClr val="333333"/>
+                </a:solidFill>
+                <a:uFill>
+                  <a:solidFill>
+                    <a:srgbClr val="ffffff"/>
+                  </a:solidFill>
+                </a:uFill>
+                <a:latin typeface="Fira Sans"/>
+              </a:rPr>
+              <a:t>Platte wird magnetisiert um Informationen zu speichern</a:t>
+            </a:r>
+            <a:endParaRPr i="1" lang="de-DE" sz="2600" spc="-1" strike="noStrike">
+              <a:solidFill>
+                <a:srgbClr val="333333"/>
+              </a:solidFill>
+              <a:uFill>
+                <a:solidFill>
+                  <a:srgbClr val="ffffff"/>
+                </a:solidFill>
+              </a:uFill>
+              <a:latin typeface="Fira Sans"/>
+            </a:endParaRPr>
+          </a:p>
+          <a:p>
+            <a:pPr marL="432000" indent="-324000">
+              <a:buClr>
+                <a:srgbClr val="000000"/>
+              </a:buClr>
+              <a:buSzPct val="45000"/>
+              <a:buFont typeface="Wingdings" charset="2"/>
+              <a:buChar char=""/>
+            </a:pPr>
+            <a:r>
+              <a:rPr i="1" lang="de-DE" sz="2600" spc="-1" strike="noStrike">
+                <a:solidFill>
+                  <a:srgbClr val="333333"/>
+                </a:solidFill>
+                <a:uFill>
+                  <a:solidFill>
+                    <a:srgbClr val="ffffff"/>
+                  </a:solidFill>
+                </a:uFill>
+                <a:latin typeface="Fira Sans"/>
+              </a:rPr>
+              <a:t>Lesen der Informationen erfolgt durch Abtasten der Magnetisierung (Remenanz)</a:t>
+            </a:r>
+            <a:endParaRPr i="1" lang="de-DE" sz="2600" spc="-1" strike="noStrike">
+              <a:solidFill>
+                <a:srgbClr val="333333"/>
               </a:solidFill>
               <a:uFill>
                 <a:solidFill>
@@ -2719,14 +3231,14 @@
       </p:grpSpPr>
       <p:sp>
         <p:nvSpPr>
-          <p:cNvPr id="54" name="TextShape 1"/>
+          <p:cNvPr id="66" name="TextShape 1"/>
           <p:cNvSpPr txBox="1"/>
           <p:nvPr/>
         </p:nvSpPr>
         <p:spPr>
           <a:xfrm>
-            <a:off x="504000" y="854280"/>
-            <a:ext cx="9071640" cy="5851800"/>
+            <a:off x="504000" y="301320"/>
+            <a:ext cx="9071640" cy="1262160"/>
           </a:xfrm>
           <a:prstGeom prst="rect">
             <a:avLst/>
@@ -2743,20 +3255,148 @@
             <a:r>
               <a:rPr i="1" lang="de-DE" sz="3600" spc="-1" strike="noStrike">
                 <a:solidFill>
-                  <a:srgbClr val="1c1c1c"/>
-                </a:solidFill>
-                <a:uFill>
-                  <a:solidFill>
-                    <a:srgbClr val="ffffff"/>
-                  </a:solidFill>
-                </a:uFill>
-                <a:latin typeface="Fira Sans"/>
-              </a:rPr>
-              <a:t>SPEICHERARCHITEKTUREN</a:t>
+                  <a:srgbClr val="333333"/>
+                </a:solidFill>
+                <a:uFill>
+                  <a:solidFill>
+                    <a:srgbClr val="ffffff"/>
+                  </a:solidFill>
+                </a:uFill>
+                <a:latin typeface="Fira Sans"/>
+              </a:rPr>
+              <a:t>SCHREIBZYKLEN</a:t>
             </a:r>
             <a:endParaRPr i="1" lang="de-DE" sz="3600" spc="-1" strike="noStrike">
               <a:solidFill>
-                <a:srgbClr val="1c1c1c"/>
+                <a:srgbClr val="333333"/>
+              </a:solidFill>
+              <a:uFill>
+                <a:solidFill>
+                  <a:srgbClr val="ffffff"/>
+                </a:solidFill>
+              </a:uFill>
+              <a:latin typeface="Ubuntu"/>
+            </a:endParaRPr>
+          </a:p>
+        </p:txBody>
+      </p:sp>
+      <p:sp>
+        <p:nvSpPr>
+          <p:cNvPr id="67" name="TextShape 2"/>
+          <p:cNvSpPr txBox="1"/>
+          <p:nvPr/>
+        </p:nvSpPr>
+        <p:spPr>
+          <a:xfrm>
+            <a:off x="504000" y="1769040"/>
+            <a:ext cx="9071640" cy="4384440"/>
+          </a:xfrm>
+          <a:prstGeom prst="rect">
+            <a:avLst/>
+          </a:prstGeom>
+          <a:noFill/>
+          <a:ln>
+            <a:noFill/>
+          </a:ln>
+        </p:spPr>
+        <p:txBody>
+          <a:bodyPr lIns="0" rIns="0" tIns="0" bIns="0"/>
+          <a:p>
+            <a:pPr marL="432000" indent="-324000">
+              <a:buClr>
+                <a:srgbClr val="333333"/>
+              </a:buClr>
+              <a:buSzPct val="45000"/>
+              <a:buFont typeface="Wingdings" charset="2"/>
+              <a:buChar char=""/>
+            </a:pPr>
+            <a:r>
+              <a:rPr i="1" lang="de-DE" sz="2600" spc="-1" strike="noStrike">
+                <a:solidFill>
+                  <a:srgbClr val="333333"/>
+                </a:solidFill>
+                <a:uFill>
+                  <a:solidFill>
+                    <a:srgbClr val="ffffff"/>
+                  </a:solidFill>
+                </a:uFill>
+                <a:latin typeface="Fira Sans"/>
+              </a:rPr>
+              <a:t>magnetisches Speichermedium</a:t>
+            </a:r>
+            <a:endParaRPr i="1" lang="de-DE" sz="2600" spc="-1" strike="noStrike">
+              <a:solidFill>
+                <a:srgbClr val="333333"/>
+              </a:solidFill>
+              <a:uFill>
+                <a:solidFill>
+                  <a:srgbClr val="ffffff"/>
+                </a:solidFill>
+              </a:uFill>
+              <a:latin typeface="Fira Sans"/>
+            </a:endParaRPr>
+          </a:p>
+          <a:p>
+            <a:pPr marL="432000" indent="-324000">
+              <a:buClr>
+                <a:srgbClr val="000000"/>
+              </a:buClr>
+              <a:buSzPct val="45000"/>
+              <a:buFont typeface="Wingdings" charset="2"/>
+              <a:buChar char=""/>
+            </a:pPr>
+            <a:r>
+              <a:rPr i="1" lang="de-DE" sz="2600" spc="-1" strike="noStrike">
+                <a:solidFill>
+                  <a:srgbClr val="333333"/>
+                </a:solidFill>
+                <a:uFill>
+                  <a:solidFill>
+                    <a:srgbClr val="ffffff"/>
+                  </a:solidFill>
+                </a:uFill>
+                <a:latin typeface="Fira Sans"/>
+              </a:rPr>
+              <a:t>Platte wird magnetisiert um Informationen zu speichern</a:t>
+            </a:r>
+            <a:endParaRPr i="1" lang="de-DE" sz="2600" spc="-1" strike="noStrike">
+              <a:solidFill>
+                <a:srgbClr val="333333"/>
+              </a:solidFill>
+              <a:uFill>
+                <a:solidFill>
+                  <a:srgbClr val="ffffff"/>
+                </a:solidFill>
+              </a:uFill>
+              <a:latin typeface="Fira Sans"/>
+            </a:endParaRPr>
+          </a:p>
+          <a:p>
+            <a:pPr marL="432000" indent="-324000">
+              <a:buClr>
+                <a:srgbClr val="000000"/>
+              </a:buClr>
+              <a:buSzPct val="45000"/>
+              <a:buFont typeface="Wingdings" charset="2"/>
+              <a:buChar char=""/>
+            </a:pPr>
+            <a:r>
+              <a:rPr i="1" lang="de-DE" sz="2600" spc="-1" strike="noStrike">
+                <a:solidFill>
+                  <a:srgbClr val="333333"/>
+                </a:solidFill>
+                <a:uFill>
+                  <a:solidFill>
+                    <a:srgbClr val="ffffff"/>
+                  </a:solidFill>
+                </a:uFill>
+                <a:latin typeface="Fira Sans"/>
+              </a:rPr>
+              <a:t>Lesen der Informationen erfolgt durch Abtasten der Magnetisierung (Remenanz)</a:t>
+            </a:r>
+            <a:endParaRPr i="1" lang="de-DE" sz="2600" spc="-1" strike="noStrike">
+              <a:solidFill>
+                <a:srgbClr val="333333"/>
               </a:solidFill>
               <a:uFill>
                 <a:solidFill>
@@ -2819,14 +3459,14 @@
       </p:grpSpPr>
       <p:sp>
         <p:nvSpPr>
-          <p:cNvPr id="55" name="TextShape 1"/>
+          <p:cNvPr id="68" name="TextShape 1"/>
           <p:cNvSpPr txBox="1"/>
           <p:nvPr/>
         </p:nvSpPr>
         <p:spPr>
           <a:xfrm>
-            <a:off x="504000" y="854280"/>
-            <a:ext cx="9071640" cy="5851800"/>
+            <a:off x="504000" y="301320"/>
+            <a:ext cx="9071640" cy="1262160"/>
           </a:xfrm>
           <a:prstGeom prst="rect">
             <a:avLst/>
@@ -2843,20 +3483,148 @@
             <a:r>
               <a:rPr i="1" lang="de-DE" sz="3600" spc="-1" strike="noStrike">
                 <a:solidFill>
-                  <a:srgbClr val="1c1c1c"/>
-                </a:solidFill>
-                <a:uFill>
-                  <a:solidFill>
-                    <a:srgbClr val="ffffff"/>
-                  </a:solidFill>
-                </a:uFill>
-                <a:latin typeface="Fira Sans"/>
-              </a:rPr>
-              <a:t>SCHREIBZYKLEN</a:t>
+                  <a:srgbClr val="333333"/>
+                </a:solidFill>
+                <a:uFill>
+                  <a:solidFill>
+                    <a:srgbClr val="ffffff"/>
+                  </a:solidFill>
+                </a:uFill>
+                <a:latin typeface="Fira Sans"/>
+              </a:rPr>
+              <a:t>PREIS-/LEISTUNGSVERGLEICH</a:t>
             </a:r>
             <a:endParaRPr i="1" lang="de-DE" sz="3600" spc="-1" strike="noStrike">
               <a:solidFill>
-                <a:srgbClr val="1c1c1c"/>
+                <a:srgbClr val="333333"/>
+              </a:solidFill>
+              <a:uFill>
+                <a:solidFill>
+                  <a:srgbClr val="ffffff"/>
+                </a:solidFill>
+              </a:uFill>
+              <a:latin typeface="Ubuntu"/>
+            </a:endParaRPr>
+          </a:p>
+        </p:txBody>
+      </p:sp>
+      <p:sp>
+        <p:nvSpPr>
+          <p:cNvPr id="69" name="TextShape 2"/>
+          <p:cNvSpPr txBox="1"/>
+          <p:nvPr/>
+        </p:nvSpPr>
+        <p:spPr>
+          <a:xfrm>
+            <a:off x="504000" y="1769040"/>
+            <a:ext cx="9071640" cy="4384440"/>
+          </a:xfrm>
+          <a:prstGeom prst="rect">
+            <a:avLst/>
+          </a:prstGeom>
+          <a:noFill/>
+          <a:ln>
+            <a:noFill/>
+          </a:ln>
+        </p:spPr>
+        <p:txBody>
+          <a:bodyPr lIns="0" rIns="0" tIns="0" bIns="0"/>
+          <a:p>
+            <a:pPr marL="432000" indent="-324000">
+              <a:buClr>
+                <a:srgbClr val="333333"/>
+              </a:buClr>
+              <a:buSzPct val="45000"/>
+              <a:buFont typeface="Wingdings" charset="2"/>
+              <a:buChar char=""/>
+            </a:pPr>
+            <a:r>
+              <a:rPr i="1" lang="de-DE" sz="2600" spc="-1" strike="noStrike">
+                <a:solidFill>
+                  <a:srgbClr val="333333"/>
+                </a:solidFill>
+                <a:uFill>
+                  <a:solidFill>
+                    <a:srgbClr val="ffffff"/>
+                  </a:solidFill>
+                </a:uFill>
+                <a:latin typeface="Fira Sans"/>
+              </a:rPr>
+              <a:t>magnetisches Speichermedium</a:t>
+            </a:r>
+            <a:endParaRPr i="1" lang="de-DE" sz="2600" spc="-1" strike="noStrike">
+              <a:solidFill>
+                <a:srgbClr val="333333"/>
+              </a:solidFill>
+              <a:uFill>
+                <a:solidFill>
+                  <a:srgbClr val="ffffff"/>
+                </a:solidFill>
+              </a:uFill>
+              <a:latin typeface="Fira Sans"/>
+            </a:endParaRPr>
+          </a:p>
+          <a:p>
+            <a:pPr marL="432000" indent="-324000">
+              <a:buClr>
+                <a:srgbClr val="000000"/>
+              </a:buClr>
+              <a:buSzPct val="45000"/>
+              <a:buFont typeface="Wingdings" charset="2"/>
+              <a:buChar char=""/>
+            </a:pPr>
+            <a:r>
+              <a:rPr i="1" lang="de-DE" sz="2600" spc="-1" strike="noStrike">
+                <a:solidFill>
+                  <a:srgbClr val="333333"/>
+                </a:solidFill>
+                <a:uFill>
+                  <a:solidFill>
+                    <a:srgbClr val="ffffff"/>
+                  </a:solidFill>
+                </a:uFill>
+                <a:latin typeface="Fira Sans"/>
+              </a:rPr>
+              <a:t>Platte wird magnetisiert um Informationen zu speichern</a:t>
+            </a:r>
+            <a:endParaRPr i="1" lang="de-DE" sz="2600" spc="-1" strike="noStrike">
+              <a:solidFill>
+                <a:srgbClr val="333333"/>
+              </a:solidFill>
+              <a:uFill>
+                <a:solidFill>
+                  <a:srgbClr val="ffffff"/>
+                </a:solidFill>
+              </a:uFill>
+              <a:latin typeface="Fira Sans"/>
+            </a:endParaRPr>
+          </a:p>
+          <a:p>
+            <a:pPr marL="432000" indent="-324000">
+              <a:buClr>
+                <a:srgbClr val="000000"/>
+              </a:buClr>
+              <a:buSzPct val="45000"/>
+              <a:buFont typeface="Wingdings" charset="2"/>
+              <a:buChar char=""/>
+            </a:pPr>
+            <a:r>
+              <a:rPr i="1" lang="de-DE" sz="2600" spc="-1" strike="noStrike">
+                <a:solidFill>
+                  <a:srgbClr val="333333"/>
+                </a:solidFill>
+                <a:uFill>
+                  <a:solidFill>
+                    <a:srgbClr val="ffffff"/>
+                  </a:solidFill>
+                </a:uFill>
+                <a:latin typeface="Fira Sans"/>
+              </a:rPr>
+              <a:t>Lesen der Informationen erfolgt durch Abtasten der Magnetisierung (Remenanz)</a:t>
+            </a:r>
+            <a:endParaRPr i="1" lang="de-DE" sz="2600" spc="-1" strike="noStrike">
+              <a:solidFill>
+                <a:srgbClr val="333333"/>
               </a:solidFill>
               <a:uFill>
                 <a:solidFill>
@@ -2919,14 +3687,14 @@
       </p:grpSpPr>
       <p:sp>
         <p:nvSpPr>
-          <p:cNvPr id="56" name="TextShape 1"/>
+          <p:cNvPr id="70" name="TextShape 1"/>
           <p:cNvSpPr txBox="1"/>
           <p:nvPr/>
         </p:nvSpPr>
         <p:spPr>
           <a:xfrm>
-            <a:off x="504000" y="854280"/>
-            <a:ext cx="9071640" cy="5851800"/>
+            <a:off x="504000" y="301320"/>
+            <a:ext cx="9071640" cy="1262160"/>
           </a:xfrm>
           <a:prstGeom prst="rect">
             <a:avLst/>
@@ -2943,20 +3711,148 @@
             <a:r>
               <a:rPr i="1" lang="de-DE" sz="3600" spc="-1" strike="noStrike">
                 <a:solidFill>
-                  <a:srgbClr val="1c1c1c"/>
-                </a:solidFill>
-                <a:uFill>
-                  <a:solidFill>
-                    <a:srgbClr val="ffffff"/>
-                  </a:solidFill>
-                </a:uFill>
-                <a:latin typeface="Fira Sans"/>
-              </a:rPr>
-              <a:t>PREIS-/LEISTUNGSVERGLEICH</a:t>
+                  <a:srgbClr val="333333"/>
+                </a:solidFill>
+                <a:uFill>
+                  <a:solidFill>
+                    <a:srgbClr val="ffffff"/>
+                  </a:solidFill>
+                </a:uFill>
+                <a:latin typeface="Fira Sans"/>
+              </a:rPr>
+              <a:t>ERGONOMIE/ÖKONOMIE</a:t>
             </a:r>
             <a:endParaRPr i="1" lang="de-DE" sz="3600" spc="-1" strike="noStrike">
               <a:solidFill>
-                <a:srgbClr val="1c1c1c"/>
+                <a:srgbClr val="333333"/>
+              </a:solidFill>
+              <a:uFill>
+                <a:solidFill>
+                  <a:srgbClr val="ffffff"/>
+                </a:solidFill>
+              </a:uFill>
+              <a:latin typeface="Ubuntu"/>
+            </a:endParaRPr>
+          </a:p>
+        </p:txBody>
+      </p:sp>
+      <p:sp>
+        <p:nvSpPr>
+          <p:cNvPr id="71" name="TextShape 2"/>
+          <p:cNvSpPr txBox="1"/>
+          <p:nvPr/>
+        </p:nvSpPr>
+        <p:spPr>
+          <a:xfrm>
+            <a:off x="504000" y="1769040"/>
+            <a:ext cx="9071640" cy="4384440"/>
+          </a:xfrm>
+          <a:prstGeom prst="rect">
+            <a:avLst/>
+          </a:prstGeom>
+          <a:noFill/>
+          <a:ln>
+            <a:noFill/>
+          </a:ln>
+        </p:spPr>
+        <p:txBody>
+          <a:bodyPr lIns="0" rIns="0" tIns="0" bIns="0"/>
+          <a:p>
+            <a:pPr marL="432000" indent="-324000">
+              <a:buClr>
+                <a:srgbClr val="333333"/>
+              </a:buClr>
+              <a:buSzPct val="45000"/>
+              <a:buFont typeface="Wingdings" charset="2"/>
+              <a:buChar char=""/>
+            </a:pPr>
+            <a:r>
+              <a:rPr i="1" lang="de-DE" sz="2600" spc="-1" strike="noStrike">
+                <a:solidFill>
+                  <a:srgbClr val="333333"/>
+                </a:solidFill>
+                <a:uFill>
+                  <a:solidFill>
+                    <a:srgbClr val="ffffff"/>
+                  </a:solidFill>
+                </a:uFill>
+                <a:latin typeface="Fira Sans"/>
+              </a:rPr>
+              <a:t>magnetisches Speichermedium</a:t>
+            </a:r>
+            <a:endParaRPr i="1" lang="de-DE" sz="2600" spc="-1" strike="noStrike">
+              <a:solidFill>
+                <a:srgbClr val="333333"/>
+              </a:solidFill>
+              <a:uFill>
+                <a:solidFill>
+                  <a:srgbClr val="ffffff"/>
+                </a:solidFill>
+              </a:uFill>
+              <a:latin typeface="Fira Sans"/>
+            </a:endParaRPr>
+          </a:p>
+          <a:p>
+            <a:pPr marL="432000" indent="-324000">
+              <a:buClr>
+                <a:srgbClr val="000000"/>
+              </a:buClr>
+              <a:buSzPct val="45000"/>
+              <a:buFont typeface="Wingdings" charset="2"/>
+              <a:buChar char=""/>
+            </a:pPr>
+            <a:r>
+              <a:rPr i="1" lang="de-DE" sz="2600" spc="-1" strike="noStrike">
+                <a:solidFill>
+                  <a:srgbClr val="333333"/>
+                </a:solidFill>
+                <a:uFill>
+                  <a:solidFill>
+                    <a:srgbClr val="ffffff"/>
+                  </a:solidFill>
+                </a:uFill>
+                <a:latin typeface="Fira Sans"/>
+              </a:rPr>
+              <a:t>Platte wird magnetisiert um Informationen zu speichern</a:t>
+            </a:r>
+            <a:endParaRPr i="1" lang="de-DE" sz="2600" spc="-1" strike="noStrike">
+              <a:solidFill>
+                <a:srgbClr val="333333"/>
+              </a:solidFill>
+              <a:uFill>
+                <a:solidFill>
+                  <a:srgbClr val="ffffff"/>
+                </a:solidFill>
+              </a:uFill>
+              <a:latin typeface="Fira Sans"/>
+            </a:endParaRPr>
+          </a:p>
+          <a:p>
+            <a:pPr marL="432000" indent="-324000">
+              <a:buClr>
+                <a:srgbClr val="000000"/>
+              </a:buClr>
+              <a:buSzPct val="45000"/>
+              <a:buFont typeface="Wingdings" charset="2"/>
+              <a:buChar char=""/>
+            </a:pPr>
+            <a:r>
+              <a:rPr i="1" lang="de-DE" sz="2600" spc="-1" strike="noStrike">
+                <a:solidFill>
+                  <a:srgbClr val="333333"/>
+                </a:solidFill>
+                <a:uFill>
+                  <a:solidFill>
+                    <a:srgbClr val="ffffff"/>
+                  </a:solidFill>
+                </a:uFill>
+                <a:latin typeface="Fira Sans"/>
+              </a:rPr>
+              <a:t>Lesen der Informationen erfolgt durch Abtasten der Magnetisierung (Remenanz)</a:t>
+            </a:r>
+            <a:endParaRPr i="1" lang="de-DE" sz="2600" spc="-1" strike="noStrike">
+              <a:solidFill>
+                <a:srgbClr val="333333"/>
               </a:solidFill>
               <a:uFill>
                 <a:solidFill>
@@ -3019,14 +3915,14 @@
       </p:grpSpPr>
       <p:sp>
         <p:nvSpPr>
-          <p:cNvPr id="57" name="TextShape 1"/>
+          <p:cNvPr id="72" name="TextShape 1"/>
           <p:cNvSpPr txBox="1"/>
           <p:nvPr/>
         </p:nvSpPr>
         <p:spPr>
           <a:xfrm>
-            <a:off x="504000" y="854280"/>
-            <a:ext cx="9071640" cy="5851800"/>
+            <a:off x="504000" y="301320"/>
+            <a:ext cx="9071640" cy="1262160"/>
           </a:xfrm>
           <a:prstGeom prst="rect">
             <a:avLst/>
@@ -3043,20 +3939,148 @@
             <a:r>
               <a:rPr i="1" lang="de-DE" sz="3600" spc="-1" strike="noStrike">
                 <a:solidFill>
-                  <a:srgbClr val="1c1c1c"/>
-                </a:solidFill>
-                <a:uFill>
-                  <a:solidFill>
-                    <a:srgbClr val="ffffff"/>
-                  </a:solidFill>
-                </a:uFill>
-                <a:latin typeface="Fira Sans"/>
-              </a:rPr>
-              <a:t>ERGONOMIE/ÖKONOMIE</a:t>
+                  <a:srgbClr val="333333"/>
+                </a:solidFill>
+                <a:uFill>
+                  <a:solidFill>
+                    <a:srgbClr val="ffffff"/>
+                  </a:solidFill>
+                </a:uFill>
+                <a:latin typeface="Fira Sans"/>
+              </a:rPr>
+              <a:t>FEHLERERKENNUNG</a:t>
             </a:r>
             <a:endParaRPr i="1" lang="de-DE" sz="3600" spc="-1" strike="noStrike">
               <a:solidFill>
-                <a:srgbClr val="1c1c1c"/>
+                <a:srgbClr val="333333"/>
+              </a:solidFill>
+              <a:uFill>
+                <a:solidFill>
+                  <a:srgbClr val="ffffff"/>
+                </a:solidFill>
+              </a:uFill>
+              <a:latin typeface="Ubuntu"/>
+            </a:endParaRPr>
+          </a:p>
+        </p:txBody>
+      </p:sp>
+      <p:sp>
+        <p:nvSpPr>
+          <p:cNvPr id="73" name="TextShape 2"/>
+          <p:cNvSpPr txBox="1"/>
+          <p:nvPr/>
+        </p:nvSpPr>
+        <p:spPr>
+          <a:xfrm>
+            <a:off x="504000" y="1769040"/>
+            <a:ext cx="9071640" cy="4384440"/>
+          </a:xfrm>
+          <a:prstGeom prst="rect">
+            <a:avLst/>
+          </a:prstGeom>
+          <a:noFill/>
+          <a:ln>
+            <a:noFill/>
+          </a:ln>
+        </p:spPr>
+        <p:txBody>
+          <a:bodyPr lIns="0" rIns="0" tIns="0" bIns="0"/>
+          <a:p>
+            <a:pPr marL="432000" indent="-324000">
+              <a:buClr>
+                <a:srgbClr val="333333"/>
+              </a:buClr>
+              <a:buSzPct val="45000"/>
+              <a:buFont typeface="Wingdings" charset="2"/>
+              <a:buChar char=""/>
+            </a:pPr>
+            <a:r>
+              <a:rPr i="1" lang="de-DE" sz="2600" spc="-1" strike="noStrike">
+                <a:solidFill>
+                  <a:srgbClr val="333333"/>
+                </a:solidFill>
+                <a:uFill>
+                  <a:solidFill>
+                    <a:srgbClr val="ffffff"/>
+                  </a:solidFill>
+                </a:uFill>
+                <a:latin typeface="Fira Sans"/>
+              </a:rPr>
+              <a:t>magnetisches Speichermedium</a:t>
+            </a:r>
+            <a:endParaRPr i="1" lang="de-DE" sz="2600" spc="-1" strike="noStrike">
+              <a:solidFill>
+                <a:srgbClr val="333333"/>
+              </a:solidFill>
+              <a:uFill>
+                <a:solidFill>
+                  <a:srgbClr val="ffffff"/>
+                </a:solidFill>
+              </a:uFill>
+              <a:latin typeface="Fira Sans"/>
+            </a:endParaRPr>
+          </a:p>
+          <a:p>
+            <a:pPr marL="432000" indent="-324000">
+              <a:buClr>
+                <a:srgbClr val="000000"/>
+              </a:buClr>
+              <a:buSzPct val="45000"/>
+              <a:buFont typeface="Wingdings" charset="2"/>
+              <a:buChar char=""/>
+            </a:pPr>
+            <a:r>
+              <a:rPr i="1" lang="de-DE" sz="2600" spc="-1" strike="noStrike">
+                <a:solidFill>
+                  <a:srgbClr val="333333"/>
+                </a:solidFill>
+                <a:uFill>
+                  <a:solidFill>
+                    <a:srgbClr val="ffffff"/>
+                  </a:solidFill>
+                </a:uFill>
+                <a:latin typeface="Fira Sans"/>
+              </a:rPr>
+              <a:t>Platte wird magnetisiert um Informationen zu speichern</a:t>
+            </a:r>
+            <a:endParaRPr i="1" lang="de-DE" sz="2600" spc="-1" strike="noStrike">
+              <a:solidFill>
+                <a:srgbClr val="333333"/>
+              </a:solidFill>
+              <a:uFill>
+                <a:solidFill>
+                  <a:srgbClr val="ffffff"/>
+                </a:solidFill>
+              </a:uFill>
+              <a:latin typeface="Fira Sans"/>
+            </a:endParaRPr>
+          </a:p>
+          <a:p>
+            <a:pPr marL="432000" indent="-324000">
+              <a:buClr>
+                <a:srgbClr val="000000"/>
+              </a:buClr>
+              <a:buSzPct val="45000"/>
+              <a:buFont typeface="Wingdings" charset="2"/>
+              <a:buChar char=""/>
+            </a:pPr>
+            <a:r>
+              <a:rPr i="1" lang="de-DE" sz="2600" spc="-1" strike="noStrike">
+                <a:solidFill>
+                  <a:srgbClr val="333333"/>
+                </a:solidFill>
+                <a:uFill>
+                  <a:solidFill>
+                    <a:srgbClr val="ffffff"/>
+                  </a:solidFill>
+                </a:uFill>
+                <a:latin typeface="Fira Sans"/>
+              </a:rPr>
+              <a:t>Lesen der Informationen erfolgt durch Abtasten der Magnetisierung (Remenanz)</a:t>
+            </a:r>
+            <a:endParaRPr i="1" lang="de-DE" sz="2600" spc="-1" strike="noStrike">
+              <a:solidFill>
+                <a:srgbClr val="333333"/>
               </a:solidFill>
               <a:uFill>
                 <a:solidFill>
@@ -3119,14 +4143,14 @@
       </p:grpSpPr>
       <p:sp>
         <p:nvSpPr>
-          <p:cNvPr id="58" name="TextShape 1"/>
+          <p:cNvPr id="74" name="TextShape 1"/>
           <p:cNvSpPr txBox="1"/>
           <p:nvPr/>
         </p:nvSpPr>
         <p:spPr>
           <a:xfrm>
-            <a:off x="504000" y="854280"/>
-            <a:ext cx="9071640" cy="5851800"/>
+            <a:off x="504000" y="301320"/>
+            <a:ext cx="9071640" cy="1262160"/>
           </a:xfrm>
           <a:prstGeom prst="rect">
             <a:avLst/>
@@ -3143,20 +4167,148 @@
             <a:r>
               <a:rPr i="1" lang="de-DE" sz="3600" spc="-1" strike="noStrike">
                 <a:solidFill>
-                  <a:srgbClr val="1c1c1c"/>
-                </a:solidFill>
-                <a:uFill>
-                  <a:solidFill>
-                    <a:srgbClr val="ffffff"/>
-                  </a:solidFill>
-                </a:uFill>
-                <a:latin typeface="Fira Sans"/>
-              </a:rPr>
-              <a:t>FEHLERERKENNUNG</a:t>
+                  <a:srgbClr val="333333"/>
+                </a:solidFill>
+                <a:uFill>
+                  <a:solidFill>
+                    <a:srgbClr val="ffffff"/>
+                  </a:solidFill>
+                </a:uFill>
+                <a:latin typeface="Fira Sans"/>
+              </a:rPr>
+              <a:t>VOR-/NACHTEILE BEZÜGLICH HDD</a:t>
             </a:r>
             <a:endParaRPr i="1" lang="de-DE" sz="3600" spc="-1" strike="noStrike">
               <a:solidFill>
-                <a:srgbClr val="1c1c1c"/>
+                <a:srgbClr val="333333"/>
+              </a:solidFill>
+              <a:uFill>
+                <a:solidFill>
+                  <a:srgbClr val="ffffff"/>
+                </a:solidFill>
+              </a:uFill>
+              <a:latin typeface="Ubuntu"/>
+            </a:endParaRPr>
+          </a:p>
+        </p:txBody>
+      </p:sp>
+      <p:sp>
+        <p:nvSpPr>
+          <p:cNvPr id="75" name="TextShape 2"/>
+          <p:cNvSpPr txBox="1"/>
+          <p:nvPr/>
+        </p:nvSpPr>
+        <p:spPr>
+          <a:xfrm>
+            <a:off x="504000" y="1769040"/>
+            <a:ext cx="9071640" cy="4384440"/>
+          </a:xfrm>
+          <a:prstGeom prst="rect">
+            <a:avLst/>
+          </a:prstGeom>
+          <a:noFill/>
+          <a:ln>
+            <a:noFill/>
+          </a:ln>
+        </p:spPr>
+        <p:txBody>
+          <a:bodyPr lIns="0" rIns="0" tIns="0" bIns="0"/>
+          <a:p>
+            <a:pPr marL="432000" indent="-324000">
+              <a:buClr>
+                <a:srgbClr val="333333"/>
+              </a:buClr>
+              <a:buSzPct val="45000"/>
+              <a:buFont typeface="Wingdings" charset="2"/>
+              <a:buChar char=""/>
+            </a:pPr>
+            <a:r>
+              <a:rPr i="1" lang="de-DE" sz="2600" spc="-1" strike="noStrike">
+                <a:solidFill>
+                  <a:srgbClr val="333333"/>
+                </a:solidFill>
+                <a:uFill>
+                  <a:solidFill>
+                    <a:srgbClr val="ffffff"/>
+                  </a:solidFill>
+                </a:uFill>
+                <a:latin typeface="Fira Sans"/>
+              </a:rPr>
+              <a:t>magnetisches Speichermedium</a:t>
+            </a:r>
+            <a:endParaRPr i="1" lang="de-DE" sz="2600" spc="-1" strike="noStrike">
+              <a:solidFill>
+                <a:srgbClr val="333333"/>
+              </a:solidFill>
+              <a:uFill>
+                <a:solidFill>
+                  <a:srgbClr val="ffffff"/>
+                </a:solidFill>
+              </a:uFill>
+              <a:latin typeface="Fira Sans"/>
+            </a:endParaRPr>
+          </a:p>
+          <a:p>
+            <a:pPr marL="432000" indent="-324000">
+              <a:buClr>
+                <a:srgbClr val="000000"/>
+              </a:buClr>
+              <a:buSzPct val="45000"/>
+              <a:buFont typeface="Wingdings" charset="2"/>
+              <a:buChar char=""/>
+            </a:pPr>
+            <a:r>
+              <a:rPr i="1" lang="de-DE" sz="2600" spc="-1" strike="noStrike">
+                <a:solidFill>
+                  <a:srgbClr val="333333"/>
+                </a:solidFill>
+                <a:uFill>
+                  <a:solidFill>
+                    <a:srgbClr val="ffffff"/>
+                  </a:solidFill>
+                </a:uFill>
+                <a:latin typeface="Fira Sans"/>
+              </a:rPr>
+              <a:t>Platte wird magnetisiert um Informationen zu speichern</a:t>
+            </a:r>
+            <a:endParaRPr i="1" lang="de-DE" sz="2600" spc="-1" strike="noStrike">
+              <a:solidFill>
+                <a:srgbClr val="333333"/>
+              </a:solidFill>
+              <a:uFill>
+                <a:solidFill>
+                  <a:srgbClr val="ffffff"/>
+                </a:solidFill>
+              </a:uFill>
+              <a:latin typeface="Fira Sans"/>
+            </a:endParaRPr>
+          </a:p>
+          <a:p>
+            <a:pPr marL="432000" indent="-324000">
+              <a:buClr>
+                <a:srgbClr val="000000"/>
+              </a:buClr>
+              <a:buSzPct val="45000"/>
+              <a:buFont typeface="Wingdings" charset="2"/>
+              <a:buChar char=""/>
+            </a:pPr>
+            <a:r>
+              <a:rPr i="1" lang="de-DE" sz="2600" spc="-1" strike="noStrike">
+                <a:solidFill>
+                  <a:srgbClr val="333333"/>
+                </a:solidFill>
+                <a:uFill>
+                  <a:solidFill>
+                    <a:srgbClr val="ffffff"/>
+                  </a:solidFill>
+                </a:uFill>
+                <a:latin typeface="Fira Sans"/>
+              </a:rPr>
+              <a:t>Lesen der Informationen erfolgt durch Abtasten der Magnetisierung (Remenanz)</a:t>
+            </a:r>
+            <a:endParaRPr i="1" lang="de-DE" sz="2600" spc="-1" strike="noStrike">
+              <a:solidFill>
+                <a:srgbClr val="333333"/>
               </a:solidFill>
               <a:uFill>
                 <a:solidFill>
@@ -3243,7 +4395,7 @@
             <a:r>
               <a:rPr i="1" lang="de-DE" sz="3600" spc="-1" strike="noStrike">
                 <a:solidFill>
-                  <a:srgbClr val="1c1c1c"/>
+                  <a:srgbClr val="333333"/>
                 </a:solidFill>
                 <a:uFill>
                   <a:solidFill>
@@ -3256,7 +4408,7 @@
             </a:r>
             <a:endParaRPr i="1" lang="de-DE" sz="3600" spc="-1" strike="noStrike">
               <a:solidFill>
-                <a:srgbClr val="1c1c1c"/>
+                <a:srgbClr val="333333"/>
               </a:solidFill>
               <a:uFill>
                 <a:solidFill>
@@ -3271,7 +4423,7 @@
             <a:r>
               <a:rPr i="1" lang="de-DE" sz="3600" spc="-1" strike="noStrike">
                 <a:solidFill>
-                  <a:srgbClr val="1c1c1c"/>
+                  <a:srgbClr val="333333"/>
                 </a:solidFill>
                 <a:uFill>
                   <a:solidFill>
@@ -3284,7 +4436,7 @@
             </a:r>
             <a:endParaRPr i="1" lang="de-DE" sz="3600" spc="-1" strike="noStrike">
               <a:solidFill>
-                <a:srgbClr val="1c1c1c"/>
+                <a:srgbClr val="333333"/>
               </a:solidFill>
               <a:uFill>
                 <a:solidFill>
@@ -3347,14 +4499,14 @@
       </p:grpSpPr>
       <p:sp>
         <p:nvSpPr>
-          <p:cNvPr id="59" name="TextShape 1"/>
+          <p:cNvPr id="76" name="TextShape 1"/>
           <p:cNvSpPr txBox="1"/>
           <p:nvPr/>
         </p:nvSpPr>
         <p:spPr>
           <a:xfrm>
-            <a:off x="504000" y="854280"/>
-            <a:ext cx="9071640" cy="5851800"/>
+            <a:off x="504000" y="301320"/>
+            <a:ext cx="9071640" cy="1262160"/>
           </a:xfrm>
           <a:prstGeom prst="rect">
             <a:avLst/>
@@ -3371,20 +4523,148 @@
             <a:r>
               <a:rPr i="1" lang="de-DE" sz="3600" spc="-1" strike="noStrike">
                 <a:solidFill>
-                  <a:srgbClr val="1c1c1c"/>
-                </a:solidFill>
-                <a:uFill>
-                  <a:solidFill>
-                    <a:srgbClr val="ffffff"/>
-                  </a:solidFill>
-                </a:uFill>
-                <a:latin typeface="Fira Sans"/>
-              </a:rPr>
-              <a:t>VOR-/NACHTEILE BEZÜGLICH HDD</a:t>
+                  <a:srgbClr val="333333"/>
+                </a:solidFill>
+                <a:uFill>
+                  <a:solidFill>
+                    <a:srgbClr val="ffffff"/>
+                  </a:solidFill>
+                </a:uFill>
+                <a:latin typeface="Fira Sans"/>
+              </a:rPr>
+              <a:t>EINSATZGEBIETE</a:t>
             </a:r>
             <a:endParaRPr i="1" lang="de-DE" sz="3600" spc="-1" strike="noStrike">
               <a:solidFill>
-                <a:srgbClr val="1c1c1c"/>
+                <a:srgbClr val="333333"/>
+              </a:solidFill>
+              <a:uFill>
+                <a:solidFill>
+                  <a:srgbClr val="ffffff"/>
+                </a:solidFill>
+              </a:uFill>
+              <a:latin typeface="Ubuntu"/>
+            </a:endParaRPr>
+          </a:p>
+        </p:txBody>
+      </p:sp>
+      <p:sp>
+        <p:nvSpPr>
+          <p:cNvPr id="77" name="TextShape 2"/>
+          <p:cNvSpPr txBox="1"/>
+          <p:nvPr/>
+        </p:nvSpPr>
+        <p:spPr>
+          <a:xfrm>
+            <a:off x="504000" y="1769040"/>
+            <a:ext cx="9071640" cy="4384440"/>
+          </a:xfrm>
+          <a:prstGeom prst="rect">
+            <a:avLst/>
+          </a:prstGeom>
+          <a:noFill/>
+          <a:ln>
+            <a:noFill/>
+          </a:ln>
+        </p:spPr>
+        <p:txBody>
+          <a:bodyPr lIns="0" rIns="0" tIns="0" bIns="0"/>
+          <a:p>
+            <a:pPr marL="432000" indent="-324000">
+              <a:buClr>
+                <a:srgbClr val="333333"/>
+              </a:buClr>
+              <a:buSzPct val="45000"/>
+              <a:buFont typeface="Wingdings" charset="2"/>
+              <a:buChar char=""/>
+            </a:pPr>
+            <a:r>
+              <a:rPr i="1" lang="de-DE" sz="2600" spc="-1" strike="noStrike">
+                <a:solidFill>
+                  <a:srgbClr val="333333"/>
+                </a:solidFill>
+                <a:uFill>
+                  <a:solidFill>
+                    <a:srgbClr val="ffffff"/>
+                  </a:solidFill>
+                </a:uFill>
+                <a:latin typeface="Fira Sans"/>
+              </a:rPr>
+              <a:t>magnetisches Speichermedium</a:t>
+            </a:r>
+            <a:endParaRPr i="1" lang="de-DE" sz="2600" spc="-1" strike="noStrike">
+              <a:solidFill>
+                <a:srgbClr val="333333"/>
+              </a:solidFill>
+              <a:uFill>
+                <a:solidFill>
+                  <a:srgbClr val="ffffff"/>
+                </a:solidFill>
+              </a:uFill>
+              <a:latin typeface="Fira Sans"/>
+            </a:endParaRPr>
+          </a:p>
+          <a:p>
+            <a:pPr marL="432000" indent="-324000">
+              <a:buClr>
+                <a:srgbClr val="000000"/>
+              </a:buClr>
+              <a:buSzPct val="45000"/>
+              <a:buFont typeface="Wingdings" charset="2"/>
+              <a:buChar char=""/>
+            </a:pPr>
+            <a:r>
+              <a:rPr i="1" lang="de-DE" sz="2600" spc="-1" strike="noStrike">
+                <a:solidFill>
+                  <a:srgbClr val="333333"/>
+                </a:solidFill>
+                <a:uFill>
+                  <a:solidFill>
+                    <a:srgbClr val="ffffff"/>
+                  </a:solidFill>
+                </a:uFill>
+                <a:latin typeface="Fira Sans"/>
+              </a:rPr>
+              <a:t>Platte wird magnetisiert um Informationen zu speichern</a:t>
+            </a:r>
+            <a:endParaRPr i="1" lang="de-DE" sz="2600" spc="-1" strike="noStrike">
+              <a:solidFill>
+                <a:srgbClr val="333333"/>
+              </a:solidFill>
+              <a:uFill>
+                <a:solidFill>
+                  <a:srgbClr val="ffffff"/>
+                </a:solidFill>
+              </a:uFill>
+              <a:latin typeface="Fira Sans"/>
+            </a:endParaRPr>
+          </a:p>
+          <a:p>
+            <a:pPr marL="432000" indent="-324000">
+              <a:buClr>
+                <a:srgbClr val="000000"/>
+              </a:buClr>
+              <a:buSzPct val="45000"/>
+              <a:buFont typeface="Wingdings" charset="2"/>
+              <a:buChar char=""/>
+            </a:pPr>
+            <a:r>
+              <a:rPr i="1" lang="de-DE" sz="2600" spc="-1" strike="noStrike">
+                <a:solidFill>
+                  <a:srgbClr val="333333"/>
+                </a:solidFill>
+                <a:uFill>
+                  <a:solidFill>
+                    <a:srgbClr val="ffffff"/>
+                  </a:solidFill>
+                </a:uFill>
+                <a:latin typeface="Fira Sans"/>
+              </a:rPr>
+              <a:t>Lesen der Informationen erfolgt durch Abtasten der Magnetisierung (Remenanz)</a:t>
+            </a:r>
+            <a:endParaRPr i="1" lang="de-DE" sz="2600" spc="-1" strike="noStrike">
+              <a:solidFill>
+                <a:srgbClr val="333333"/>
               </a:solidFill>
               <a:uFill>
                 <a:solidFill>
@@ -3447,14 +4727,14 @@
       </p:grpSpPr>
       <p:sp>
         <p:nvSpPr>
-          <p:cNvPr id="60" name="TextShape 1"/>
+          <p:cNvPr id="78" name="TextShape 1"/>
           <p:cNvSpPr txBox="1"/>
           <p:nvPr/>
         </p:nvSpPr>
         <p:spPr>
           <a:xfrm>
-            <a:off x="504000" y="854280"/>
-            <a:ext cx="9071640" cy="5851800"/>
+            <a:off x="504000" y="301320"/>
+            <a:ext cx="9071640" cy="1262160"/>
           </a:xfrm>
           <a:prstGeom prst="rect">
             <a:avLst/>
@@ -3471,20 +4751,148 @@
             <a:r>
               <a:rPr i="1" lang="de-DE" sz="3600" spc="-1" strike="noStrike">
                 <a:solidFill>
-                  <a:srgbClr val="1c1c1c"/>
-                </a:solidFill>
-                <a:uFill>
-                  <a:solidFill>
-                    <a:srgbClr val="ffffff"/>
-                  </a:solidFill>
-                </a:uFill>
-                <a:latin typeface="Fira Sans"/>
-              </a:rPr>
-              <a:t>EINSATZGEBIETE</a:t>
+                  <a:srgbClr val="333333"/>
+                </a:solidFill>
+                <a:uFill>
+                  <a:solidFill>
+                    <a:srgbClr val="ffffff"/>
+                  </a:solidFill>
+                </a:uFill>
+                <a:latin typeface="Fira Sans"/>
+              </a:rPr>
+              <a:t>FAZIT (SSD)</a:t>
             </a:r>
             <a:endParaRPr i="1" lang="de-DE" sz="3600" spc="-1" strike="noStrike">
               <a:solidFill>
-                <a:srgbClr val="1c1c1c"/>
+                <a:srgbClr val="333333"/>
+              </a:solidFill>
+              <a:uFill>
+                <a:solidFill>
+                  <a:srgbClr val="ffffff"/>
+                </a:solidFill>
+              </a:uFill>
+              <a:latin typeface="Ubuntu"/>
+            </a:endParaRPr>
+          </a:p>
+        </p:txBody>
+      </p:sp>
+      <p:sp>
+        <p:nvSpPr>
+          <p:cNvPr id="79" name="TextShape 2"/>
+          <p:cNvSpPr txBox="1"/>
+          <p:nvPr/>
+        </p:nvSpPr>
+        <p:spPr>
+          <a:xfrm>
+            <a:off x="504000" y="1769040"/>
+            <a:ext cx="9071640" cy="4384440"/>
+          </a:xfrm>
+          <a:prstGeom prst="rect">
+            <a:avLst/>
+          </a:prstGeom>
+          <a:noFill/>
+          <a:ln>
+            <a:noFill/>
+          </a:ln>
+        </p:spPr>
+        <p:txBody>
+          <a:bodyPr lIns="0" rIns="0" tIns="0" bIns="0"/>
+          <a:p>
+            <a:pPr marL="432000" indent="-324000">
+              <a:buClr>
+                <a:srgbClr val="333333"/>
+              </a:buClr>
+              <a:buSzPct val="45000"/>
+              <a:buFont typeface="Wingdings" charset="2"/>
+              <a:buChar char=""/>
+            </a:pPr>
+            <a:r>
+              <a:rPr i="1" lang="de-DE" sz="2600" spc="-1" strike="noStrike">
+                <a:solidFill>
+                  <a:srgbClr val="333333"/>
+                </a:solidFill>
+                <a:uFill>
+                  <a:solidFill>
+                    <a:srgbClr val="ffffff"/>
+                  </a:solidFill>
+                </a:uFill>
+                <a:latin typeface="Fira Sans"/>
+              </a:rPr>
+              <a:t>magnetisches Speichermedium</a:t>
+            </a:r>
+            <a:endParaRPr i="1" lang="de-DE" sz="2600" spc="-1" strike="noStrike">
+              <a:solidFill>
+                <a:srgbClr val="333333"/>
+              </a:solidFill>
+              <a:uFill>
+                <a:solidFill>
+                  <a:srgbClr val="ffffff"/>
+                </a:solidFill>
+              </a:uFill>
+              <a:latin typeface="Fira Sans"/>
+            </a:endParaRPr>
+          </a:p>
+          <a:p>
+            <a:pPr marL="432000" indent="-324000">
+              <a:buClr>
+                <a:srgbClr val="000000"/>
+              </a:buClr>
+              <a:buSzPct val="45000"/>
+              <a:buFont typeface="Wingdings" charset="2"/>
+              <a:buChar char=""/>
+            </a:pPr>
+            <a:r>
+              <a:rPr i="1" lang="de-DE" sz="2600" spc="-1" strike="noStrike">
+                <a:solidFill>
+                  <a:srgbClr val="333333"/>
+                </a:solidFill>
+                <a:uFill>
+                  <a:solidFill>
+                    <a:srgbClr val="ffffff"/>
+                  </a:solidFill>
+                </a:uFill>
+                <a:latin typeface="Fira Sans"/>
+              </a:rPr>
+              <a:t>Platte wird magnetisiert um Informationen zu speichern</a:t>
+            </a:r>
+            <a:endParaRPr i="1" lang="de-DE" sz="2600" spc="-1" strike="noStrike">
+              <a:solidFill>
+                <a:srgbClr val="333333"/>
+              </a:solidFill>
+              <a:uFill>
+                <a:solidFill>
+                  <a:srgbClr val="ffffff"/>
+                </a:solidFill>
+              </a:uFill>
+              <a:latin typeface="Fira Sans"/>
+            </a:endParaRPr>
+          </a:p>
+          <a:p>
+            <a:pPr marL="432000" indent="-324000">
+              <a:buClr>
+                <a:srgbClr val="000000"/>
+              </a:buClr>
+              <a:buSzPct val="45000"/>
+              <a:buFont typeface="Wingdings" charset="2"/>
+              <a:buChar char=""/>
+            </a:pPr>
+            <a:r>
+              <a:rPr i="1" lang="de-DE" sz="2600" spc="-1" strike="noStrike">
+                <a:solidFill>
+                  <a:srgbClr val="333333"/>
+                </a:solidFill>
+                <a:uFill>
+                  <a:solidFill>
+                    <a:srgbClr val="ffffff"/>
+                  </a:solidFill>
+                </a:uFill>
+                <a:latin typeface="Fira Sans"/>
+              </a:rPr>
+              <a:t>Lesen der Informationen erfolgt durch Abtasten der Magnetisierung (Remenanz)</a:t>
+            </a:r>
+            <a:endParaRPr i="1" lang="de-DE" sz="2600" spc="-1" strike="noStrike">
+              <a:solidFill>
+                <a:srgbClr val="333333"/>
               </a:solidFill>
               <a:uFill>
                 <a:solidFill>
@@ -3547,7 +4955,7 @@
       </p:grpSpPr>
       <p:sp>
         <p:nvSpPr>
-          <p:cNvPr id="61" name="TextShape 1"/>
+          <p:cNvPr id="80" name="TextShape 1"/>
           <p:cNvSpPr txBox="1"/>
           <p:nvPr/>
         </p:nvSpPr>
@@ -3580,7 +4988,35 @@
                 </a:uFill>
                 <a:latin typeface="Fira Sans"/>
               </a:rPr>
-              <a:t>FAZIT</a:t>
+              <a:t>HYBRID DRIVE</a:t>
+            </a:r>
+            <a:endParaRPr i="1" lang="de-DE" sz="3600" spc="-1" strike="noStrike">
+              <a:solidFill>
+                <a:srgbClr val="1c1c1c"/>
+              </a:solidFill>
+              <a:uFill>
+                <a:solidFill>
+                  <a:srgbClr val="ffffff"/>
+                </a:solidFill>
+              </a:uFill>
+              <a:latin typeface="Fira Sans"/>
+            </a:endParaRPr>
+          </a:p>
+          <a:p>
+            <a:pPr algn="ctr"/>
+            <a:r>
+              <a:rPr i="1" lang="de-DE" sz="3600" spc="-1" strike="noStrike">
+                <a:solidFill>
+                  <a:srgbClr val="1c1c1c"/>
+                </a:solidFill>
+                <a:uFill>
+                  <a:solidFill>
+                    <a:srgbClr val="ffffff"/>
+                  </a:solidFill>
+                </a:uFill>
+                <a:latin typeface="Fira Sans"/>
+              </a:rPr>
+              <a:t>(SS/HD)</a:t>
             </a:r>
             <a:endParaRPr i="1" lang="de-DE" sz="3600" spc="-1" strike="noStrike">
               <a:solidFill>
@@ -3647,14 +5083,14 @@
       </p:grpSpPr>
       <p:sp>
         <p:nvSpPr>
-          <p:cNvPr id="62" name="TextShape 1"/>
+          <p:cNvPr id="81" name="TextShape 1"/>
           <p:cNvSpPr txBox="1"/>
           <p:nvPr/>
         </p:nvSpPr>
         <p:spPr>
           <a:xfrm>
-            <a:off x="504000" y="854280"/>
-            <a:ext cx="9071640" cy="5851800"/>
+            <a:off x="504000" y="301320"/>
+            <a:ext cx="9071640" cy="1262160"/>
           </a:xfrm>
           <a:prstGeom prst="rect">
             <a:avLst/>
@@ -3671,20 +5107,78 @@
             <a:r>
               <a:rPr i="1" lang="de-DE" sz="3600" spc="-1" strike="noStrike">
                 <a:solidFill>
-                  <a:srgbClr val="1c1c1c"/>
-                </a:solidFill>
-                <a:uFill>
-                  <a:solidFill>
-                    <a:srgbClr val="ffffff"/>
-                  </a:solidFill>
-                </a:uFill>
-                <a:latin typeface="Fira Sans"/>
-              </a:rPr>
-              <a:t>HYBRID DRIVE</a:t>
+                  <a:srgbClr val="333333"/>
+                </a:solidFill>
+                <a:uFill>
+                  <a:solidFill>
+                    <a:srgbClr val="ffffff"/>
+                  </a:solidFill>
+                </a:uFill>
+                <a:latin typeface="Fira Sans"/>
+              </a:rPr>
+              <a:t>ALLGEMEINES</a:t>
             </a:r>
             <a:endParaRPr i="1" lang="de-DE" sz="3600" spc="-1" strike="noStrike">
               <a:solidFill>
-                <a:srgbClr val="1c1c1c"/>
+                <a:srgbClr val="333333"/>
+              </a:solidFill>
+              <a:uFill>
+                <a:solidFill>
+                  <a:srgbClr val="ffffff"/>
+                </a:solidFill>
+              </a:uFill>
+              <a:latin typeface="Ubuntu"/>
+            </a:endParaRPr>
+          </a:p>
+        </p:txBody>
+      </p:sp>
+      <p:sp>
+        <p:nvSpPr>
+          <p:cNvPr id="82" name="TextShape 2"/>
+          <p:cNvSpPr txBox="1"/>
+          <p:nvPr/>
+        </p:nvSpPr>
+        <p:spPr>
+          <a:xfrm>
+            <a:off x="504000" y="1769040"/>
+            <a:ext cx="9071640" cy="4384440"/>
+          </a:xfrm>
+          <a:prstGeom prst="rect">
+            <a:avLst/>
+          </a:prstGeom>
+          <a:noFill/>
+          <a:ln>
+            <a:noFill/>
+          </a:ln>
+        </p:spPr>
+        <p:txBody>
+          <a:bodyPr lIns="0" rIns="0" tIns="0" bIns="0"/>
+          <a:p>
+            <a:pPr marL="432000" indent="-324000">
+              <a:buClr>
+                <a:srgbClr val="333333"/>
+              </a:buClr>
+              <a:buSzPct val="45000"/>
+              <a:buFont typeface="Wingdings" charset="2"/>
+              <a:buChar char=""/>
+            </a:pPr>
+            <a:r>
+              <a:rPr i="1" lang="de-DE" sz="2600" spc="-1" strike="noStrike">
+                <a:solidFill>
+                  <a:srgbClr val="333333"/>
+                </a:solidFill>
+                <a:uFill>
+                  <a:solidFill>
+                    <a:srgbClr val="ffffff"/>
+                  </a:solidFill>
+                </a:uFill>
+                <a:latin typeface="Fira Sans"/>
+              </a:rPr>
+              <a:t>magnetisches Speichermedium</a:t>
+            </a:r>
+            <a:endParaRPr i="1" lang="de-DE" sz="2600" spc="-1" strike="noStrike">
+              <a:solidFill>
+                <a:srgbClr val="333333"/>
               </a:solidFill>
               <a:uFill>
                 <a:solidFill>
@@ -3695,24 +5189,66 @@
             </a:endParaRPr>
           </a:p>
           <a:p>
-            <a:pPr algn="ctr"/>
-            <a:r>
-              <a:rPr i="1" lang="de-DE" sz="3600" spc="-1" strike="noStrike">
-                <a:solidFill>
-                  <a:srgbClr val="1c1c1c"/>
-                </a:solidFill>
-                <a:uFill>
-                  <a:solidFill>
-                    <a:srgbClr val="ffffff"/>
-                  </a:solidFill>
-                </a:uFill>
-                <a:latin typeface="Fira Sans"/>
-              </a:rPr>
-              <a:t>(SS/HD)</a:t>
-            </a:r>
-            <a:endParaRPr i="1" lang="de-DE" sz="3600" spc="-1" strike="noStrike">
-              <a:solidFill>
-                <a:srgbClr val="1c1c1c"/>
+            <a:pPr marL="432000" indent="-324000">
+              <a:buClr>
+                <a:srgbClr val="000000"/>
+              </a:buClr>
+              <a:buSzPct val="45000"/>
+              <a:buFont typeface="Wingdings" charset="2"/>
+              <a:buChar char=""/>
+            </a:pPr>
+            <a:r>
+              <a:rPr i="1" lang="de-DE" sz="2600" spc="-1" strike="noStrike">
+                <a:solidFill>
+                  <a:srgbClr val="333333"/>
+                </a:solidFill>
+                <a:uFill>
+                  <a:solidFill>
+                    <a:srgbClr val="ffffff"/>
+                  </a:solidFill>
+                </a:uFill>
+                <a:latin typeface="Fira Sans"/>
+              </a:rPr>
+              <a:t>Platte wird magnetisiert um Informationen zu speichern</a:t>
+            </a:r>
+            <a:endParaRPr i="1" lang="de-DE" sz="2600" spc="-1" strike="noStrike">
+              <a:solidFill>
+                <a:srgbClr val="333333"/>
+              </a:solidFill>
+              <a:uFill>
+                <a:solidFill>
+                  <a:srgbClr val="ffffff"/>
+                </a:solidFill>
+              </a:uFill>
+              <a:latin typeface="Fira Sans"/>
+            </a:endParaRPr>
+          </a:p>
+          <a:p>
+            <a:pPr marL="432000" indent="-324000">
+              <a:buClr>
+                <a:srgbClr val="000000"/>
+              </a:buClr>
+              <a:buSzPct val="45000"/>
+              <a:buFont typeface="Wingdings" charset="2"/>
+              <a:buChar char=""/>
+            </a:pPr>
+            <a:r>
+              <a:rPr i="1" lang="de-DE" sz="2600" spc="-1" strike="noStrike">
+                <a:solidFill>
+                  <a:srgbClr val="333333"/>
+                </a:solidFill>
+                <a:uFill>
+                  <a:solidFill>
+                    <a:srgbClr val="ffffff"/>
+                  </a:solidFill>
+                </a:uFill>
+                <a:latin typeface="Fira Sans"/>
+              </a:rPr>
+              <a:t>Lesen der Informationen erfolgt durch Abtasten der Magnetisierung (Remenanz)</a:t>
+            </a:r>
+            <a:endParaRPr i="1" lang="de-DE" sz="2600" spc="-1" strike="noStrike">
+              <a:solidFill>
+                <a:srgbClr val="333333"/>
               </a:solidFill>
               <a:uFill>
                 <a:solidFill>
@@ -3775,14 +5311,14 @@
       </p:grpSpPr>
       <p:sp>
         <p:nvSpPr>
-          <p:cNvPr id="63" name="TextShape 1"/>
+          <p:cNvPr id="83" name="TextShape 1"/>
           <p:cNvSpPr txBox="1"/>
           <p:nvPr/>
         </p:nvSpPr>
         <p:spPr>
           <a:xfrm>
-            <a:off x="504000" y="854280"/>
-            <a:ext cx="9071640" cy="5851800"/>
+            <a:off x="504000" y="301320"/>
+            <a:ext cx="9071640" cy="1262160"/>
           </a:xfrm>
           <a:prstGeom prst="rect">
             <a:avLst/>
@@ -3799,20 +5335,148 @@
             <a:r>
               <a:rPr i="1" lang="de-DE" sz="3600" spc="-1" strike="noStrike">
                 <a:solidFill>
-                  <a:srgbClr val="1c1c1c"/>
-                </a:solidFill>
-                <a:uFill>
-                  <a:solidFill>
-                    <a:srgbClr val="ffffff"/>
-                  </a:solidFill>
-                </a:uFill>
-                <a:latin typeface="Fira Sans"/>
-              </a:rPr>
-              <a:t>ALLGEMEINES</a:t>
+                  <a:srgbClr val="333333"/>
+                </a:solidFill>
+                <a:uFill>
+                  <a:solidFill>
+                    <a:srgbClr val="ffffff"/>
+                  </a:solidFill>
+                </a:uFill>
+                <a:latin typeface="Fira Sans"/>
+              </a:rPr>
+              <a:t>DUAL-DRIVE HYBRID SYSTEM</a:t>
             </a:r>
             <a:endParaRPr i="1" lang="de-DE" sz="3600" spc="-1" strike="noStrike">
               <a:solidFill>
-                <a:srgbClr val="1c1c1c"/>
+                <a:srgbClr val="333333"/>
+              </a:solidFill>
+              <a:uFill>
+                <a:solidFill>
+                  <a:srgbClr val="ffffff"/>
+                </a:solidFill>
+              </a:uFill>
+              <a:latin typeface="Ubuntu"/>
+            </a:endParaRPr>
+          </a:p>
+        </p:txBody>
+      </p:sp>
+      <p:sp>
+        <p:nvSpPr>
+          <p:cNvPr id="84" name="TextShape 2"/>
+          <p:cNvSpPr txBox="1"/>
+          <p:nvPr/>
+        </p:nvSpPr>
+        <p:spPr>
+          <a:xfrm>
+            <a:off x="504000" y="1769040"/>
+            <a:ext cx="9071640" cy="4384440"/>
+          </a:xfrm>
+          <a:prstGeom prst="rect">
+            <a:avLst/>
+          </a:prstGeom>
+          <a:noFill/>
+          <a:ln>
+            <a:noFill/>
+          </a:ln>
+        </p:spPr>
+        <p:txBody>
+          <a:bodyPr lIns="0" rIns="0" tIns="0" bIns="0"/>
+          <a:p>
+            <a:pPr marL="432000" indent="-324000">
+              <a:buClr>
+                <a:srgbClr val="333333"/>
+              </a:buClr>
+              <a:buSzPct val="45000"/>
+              <a:buFont typeface="Wingdings" charset="2"/>
+              <a:buChar char=""/>
+            </a:pPr>
+            <a:r>
+              <a:rPr i="1" lang="de-DE" sz="2600" spc="-1" strike="noStrike">
+                <a:solidFill>
+                  <a:srgbClr val="333333"/>
+                </a:solidFill>
+                <a:uFill>
+                  <a:solidFill>
+                    <a:srgbClr val="ffffff"/>
+                  </a:solidFill>
+                </a:uFill>
+                <a:latin typeface="Fira Sans"/>
+              </a:rPr>
+              <a:t>magnetisches Speichermedium</a:t>
+            </a:r>
+            <a:endParaRPr i="1" lang="de-DE" sz="2600" spc="-1" strike="noStrike">
+              <a:solidFill>
+                <a:srgbClr val="333333"/>
+              </a:solidFill>
+              <a:uFill>
+                <a:solidFill>
+                  <a:srgbClr val="ffffff"/>
+                </a:solidFill>
+              </a:uFill>
+              <a:latin typeface="Fira Sans"/>
+            </a:endParaRPr>
+          </a:p>
+          <a:p>
+            <a:pPr marL="432000" indent="-324000">
+              <a:buClr>
+                <a:srgbClr val="000000"/>
+              </a:buClr>
+              <a:buSzPct val="45000"/>
+              <a:buFont typeface="Wingdings" charset="2"/>
+              <a:buChar char=""/>
+            </a:pPr>
+            <a:r>
+              <a:rPr i="1" lang="de-DE" sz="2600" spc="-1" strike="noStrike">
+                <a:solidFill>
+                  <a:srgbClr val="333333"/>
+                </a:solidFill>
+                <a:uFill>
+                  <a:solidFill>
+                    <a:srgbClr val="ffffff"/>
+                  </a:solidFill>
+                </a:uFill>
+                <a:latin typeface="Fira Sans"/>
+              </a:rPr>
+              <a:t>Platte wird magnetisiert um Informationen zu speichern</a:t>
+            </a:r>
+            <a:endParaRPr i="1" lang="de-DE" sz="2600" spc="-1" strike="noStrike">
+              <a:solidFill>
+                <a:srgbClr val="333333"/>
+              </a:solidFill>
+              <a:uFill>
+                <a:solidFill>
+                  <a:srgbClr val="ffffff"/>
+                </a:solidFill>
+              </a:uFill>
+              <a:latin typeface="Fira Sans"/>
+            </a:endParaRPr>
+          </a:p>
+          <a:p>
+            <a:pPr marL="432000" indent="-324000">
+              <a:buClr>
+                <a:srgbClr val="000000"/>
+              </a:buClr>
+              <a:buSzPct val="45000"/>
+              <a:buFont typeface="Wingdings" charset="2"/>
+              <a:buChar char=""/>
+            </a:pPr>
+            <a:r>
+              <a:rPr i="1" lang="de-DE" sz="2600" spc="-1" strike="noStrike">
+                <a:solidFill>
+                  <a:srgbClr val="333333"/>
+                </a:solidFill>
+                <a:uFill>
+                  <a:solidFill>
+                    <a:srgbClr val="ffffff"/>
+                  </a:solidFill>
+                </a:uFill>
+                <a:latin typeface="Fira Sans"/>
+              </a:rPr>
+              <a:t>Lesen der Informationen erfolgt durch Abtasten der Magnetisierung (Remenanz)</a:t>
+            </a:r>
+            <a:endParaRPr i="1" lang="de-DE" sz="2600" spc="-1" strike="noStrike">
+              <a:solidFill>
+                <a:srgbClr val="333333"/>
               </a:solidFill>
               <a:uFill>
                 <a:solidFill>
@@ -3875,14 +5539,14 @@
       </p:grpSpPr>
       <p:sp>
         <p:nvSpPr>
-          <p:cNvPr id="64" name="TextShape 1"/>
+          <p:cNvPr id="85" name="TextShape 1"/>
           <p:cNvSpPr txBox="1"/>
           <p:nvPr/>
         </p:nvSpPr>
         <p:spPr>
           <a:xfrm>
-            <a:off x="504000" y="854280"/>
-            <a:ext cx="9071640" cy="5851800"/>
+            <a:off x="504000" y="301320"/>
+            <a:ext cx="9071640" cy="1262160"/>
           </a:xfrm>
           <a:prstGeom prst="rect">
             <a:avLst/>
@@ -3899,20 +5563,148 @@
             <a:r>
               <a:rPr i="1" lang="de-DE" sz="3600" spc="-1" strike="noStrike">
                 <a:solidFill>
-                  <a:srgbClr val="1c1c1c"/>
-                </a:solidFill>
-                <a:uFill>
-                  <a:solidFill>
-                    <a:srgbClr val="ffffff"/>
-                  </a:solidFill>
-                </a:uFill>
-                <a:latin typeface="Fira Sans"/>
-              </a:rPr>
-              <a:t>DUAL-DRIVE HYBRID SYSTEM</a:t>
+                  <a:srgbClr val="333333"/>
+                </a:solidFill>
+                <a:uFill>
+                  <a:solidFill>
+                    <a:srgbClr val="ffffff"/>
+                  </a:solidFill>
+                </a:uFill>
+                <a:latin typeface="Fira Sans"/>
+              </a:rPr>
+              <a:t>SOLID-STATE HYBRID SYSTEM</a:t>
             </a:r>
             <a:endParaRPr i="1" lang="de-DE" sz="3600" spc="-1" strike="noStrike">
               <a:solidFill>
-                <a:srgbClr val="1c1c1c"/>
+                <a:srgbClr val="333333"/>
+              </a:solidFill>
+              <a:uFill>
+                <a:solidFill>
+                  <a:srgbClr val="ffffff"/>
+                </a:solidFill>
+              </a:uFill>
+              <a:latin typeface="Ubuntu"/>
+            </a:endParaRPr>
+          </a:p>
+        </p:txBody>
+      </p:sp>
+      <p:sp>
+        <p:nvSpPr>
+          <p:cNvPr id="86" name="TextShape 2"/>
+          <p:cNvSpPr txBox="1"/>
+          <p:nvPr/>
+        </p:nvSpPr>
+        <p:spPr>
+          <a:xfrm>
+            <a:off x="504000" y="1769040"/>
+            <a:ext cx="9071640" cy="4384440"/>
+          </a:xfrm>
+          <a:prstGeom prst="rect">
+            <a:avLst/>
+          </a:prstGeom>
+          <a:noFill/>
+          <a:ln>
+            <a:noFill/>
+          </a:ln>
+        </p:spPr>
+        <p:txBody>
+          <a:bodyPr lIns="0" rIns="0" tIns="0" bIns="0"/>
+          <a:p>
+            <a:pPr marL="432000" indent="-324000">
+              <a:buClr>
+                <a:srgbClr val="333333"/>
+              </a:buClr>
+              <a:buSzPct val="45000"/>
+              <a:buFont typeface="Wingdings" charset="2"/>
+              <a:buChar char=""/>
+            </a:pPr>
+            <a:r>
+              <a:rPr i="1" lang="de-DE" sz="2600" spc="-1" strike="noStrike">
+                <a:solidFill>
+                  <a:srgbClr val="333333"/>
+                </a:solidFill>
+                <a:uFill>
+                  <a:solidFill>
+                    <a:srgbClr val="ffffff"/>
+                  </a:solidFill>
+                </a:uFill>
+                <a:latin typeface="Fira Sans"/>
+              </a:rPr>
+              <a:t>magnetisches Speichermedium</a:t>
+            </a:r>
+            <a:endParaRPr i="1" lang="de-DE" sz="2600" spc="-1" strike="noStrike">
+              <a:solidFill>
+                <a:srgbClr val="333333"/>
+              </a:solidFill>
+              <a:uFill>
+                <a:solidFill>
+                  <a:srgbClr val="ffffff"/>
+                </a:solidFill>
+              </a:uFill>
+              <a:latin typeface="Fira Sans"/>
+            </a:endParaRPr>
+          </a:p>
+          <a:p>
+            <a:pPr marL="432000" indent="-324000">
+              <a:buClr>
+                <a:srgbClr val="000000"/>
+              </a:buClr>
+              <a:buSzPct val="45000"/>
+              <a:buFont typeface="Wingdings" charset="2"/>
+              <a:buChar char=""/>
+            </a:pPr>
+            <a:r>
+              <a:rPr i="1" lang="de-DE" sz="2600" spc="-1" strike="noStrike">
+                <a:solidFill>
+                  <a:srgbClr val="333333"/>
+                </a:solidFill>
+                <a:uFill>
+                  <a:solidFill>
+                    <a:srgbClr val="ffffff"/>
+                  </a:solidFill>
+                </a:uFill>
+                <a:latin typeface="Fira Sans"/>
+              </a:rPr>
+              <a:t>Platte wird magnetisiert um Informationen zu speichern</a:t>
+            </a:r>
+            <a:endParaRPr i="1" lang="de-DE" sz="2600" spc="-1" strike="noStrike">
+              <a:solidFill>
+                <a:srgbClr val="333333"/>
+              </a:solidFill>
+              <a:uFill>
+                <a:solidFill>
+                  <a:srgbClr val="ffffff"/>
+                </a:solidFill>
+              </a:uFill>
+              <a:latin typeface="Fira Sans"/>
+            </a:endParaRPr>
+          </a:p>
+          <a:p>
+            <a:pPr marL="432000" indent="-324000">
+              <a:buClr>
+                <a:srgbClr val="000000"/>
+              </a:buClr>
+              <a:buSzPct val="45000"/>
+              <a:buFont typeface="Wingdings" charset="2"/>
+              <a:buChar char=""/>
+            </a:pPr>
+            <a:r>
+              <a:rPr i="1" lang="de-DE" sz="2600" spc="-1" strike="noStrike">
+                <a:solidFill>
+                  <a:srgbClr val="333333"/>
+                </a:solidFill>
+                <a:uFill>
+                  <a:solidFill>
+                    <a:srgbClr val="ffffff"/>
+                  </a:solidFill>
+                </a:uFill>
+                <a:latin typeface="Fira Sans"/>
+              </a:rPr>
+              <a:t>Lesen der Informationen erfolgt durch Abtasten der Magnetisierung (Remenanz)</a:t>
+            </a:r>
+            <a:endParaRPr i="1" lang="de-DE" sz="2600" spc="-1" strike="noStrike">
+              <a:solidFill>
+                <a:srgbClr val="333333"/>
               </a:solidFill>
               <a:uFill>
                 <a:solidFill>
@@ -3975,14 +5767,14 @@
       </p:grpSpPr>
       <p:sp>
         <p:nvSpPr>
-          <p:cNvPr id="65" name="TextShape 1"/>
+          <p:cNvPr id="87" name="TextShape 1"/>
           <p:cNvSpPr txBox="1"/>
           <p:nvPr/>
         </p:nvSpPr>
         <p:spPr>
           <a:xfrm>
-            <a:off x="504000" y="854280"/>
-            <a:ext cx="9071640" cy="5851800"/>
+            <a:off x="504000" y="301320"/>
+            <a:ext cx="9071640" cy="1262160"/>
           </a:xfrm>
           <a:prstGeom prst="rect">
             <a:avLst/>
@@ -3999,20 +5791,148 @@
             <a:r>
               <a:rPr i="1" lang="de-DE" sz="3600" spc="-1" strike="noStrike">
                 <a:solidFill>
-                  <a:srgbClr val="1c1c1c"/>
-                </a:solidFill>
-                <a:uFill>
-                  <a:solidFill>
-                    <a:srgbClr val="ffffff"/>
-                  </a:solidFill>
-                </a:uFill>
-                <a:latin typeface="Fira Sans"/>
-              </a:rPr>
-              <a:t>SOLID-STATE HYBRID DRIVE</a:t>
+                  <a:srgbClr val="333333"/>
+                </a:solidFill>
+                <a:uFill>
+                  <a:solidFill>
+                    <a:srgbClr val="ffffff"/>
+                  </a:solidFill>
+                </a:uFill>
+                <a:latin typeface="Fira Sans"/>
+              </a:rPr>
+              <a:t>VOR-/NACHTEILE BEZÜGLICH HDD/SSD</a:t>
             </a:r>
             <a:endParaRPr i="1" lang="de-DE" sz="3600" spc="-1" strike="noStrike">
               <a:solidFill>
-                <a:srgbClr val="1c1c1c"/>
+                <a:srgbClr val="333333"/>
+              </a:solidFill>
+              <a:uFill>
+                <a:solidFill>
+                  <a:srgbClr val="ffffff"/>
+                </a:solidFill>
+              </a:uFill>
+              <a:latin typeface="Ubuntu"/>
+            </a:endParaRPr>
+          </a:p>
+        </p:txBody>
+      </p:sp>
+      <p:sp>
+        <p:nvSpPr>
+          <p:cNvPr id="88" name="TextShape 2"/>
+          <p:cNvSpPr txBox="1"/>
+          <p:nvPr/>
+        </p:nvSpPr>
+        <p:spPr>
+          <a:xfrm>
+            <a:off x="504000" y="1769040"/>
+            <a:ext cx="9071640" cy="4384440"/>
+          </a:xfrm>
+          <a:prstGeom prst="rect">
+            <a:avLst/>
+          </a:prstGeom>
+          <a:noFill/>
+          <a:ln>
+            <a:noFill/>
+          </a:ln>
+        </p:spPr>
+        <p:txBody>
+          <a:bodyPr lIns="0" rIns="0" tIns="0" bIns="0"/>
+          <a:p>
+            <a:pPr marL="432000" indent="-324000">
+              <a:buClr>
+                <a:srgbClr val="333333"/>
+              </a:buClr>
+              <a:buSzPct val="45000"/>
+              <a:buFont typeface="Wingdings" charset="2"/>
+              <a:buChar char=""/>
+            </a:pPr>
+            <a:r>
+              <a:rPr i="1" lang="de-DE" sz="2600" spc="-1" strike="noStrike">
+                <a:solidFill>
+                  <a:srgbClr val="333333"/>
+                </a:solidFill>
+                <a:uFill>
+                  <a:solidFill>
+                    <a:srgbClr val="ffffff"/>
+                  </a:solidFill>
+                </a:uFill>
+                <a:latin typeface="Fira Sans"/>
+              </a:rPr>
+              <a:t>magnetisches Speichermedium</a:t>
+            </a:r>
+            <a:endParaRPr i="1" lang="de-DE" sz="2600" spc="-1" strike="noStrike">
+              <a:solidFill>
+                <a:srgbClr val="333333"/>
+              </a:solidFill>
+              <a:uFill>
+                <a:solidFill>
+                  <a:srgbClr val="ffffff"/>
+                </a:solidFill>
+              </a:uFill>
+              <a:latin typeface="Fira Sans"/>
+            </a:endParaRPr>
+          </a:p>
+          <a:p>
+            <a:pPr marL="432000" indent="-324000">
+              <a:buClr>
+                <a:srgbClr val="000000"/>
+              </a:buClr>
+              <a:buSzPct val="45000"/>
+              <a:buFont typeface="Wingdings" charset="2"/>
+              <a:buChar char=""/>
+            </a:pPr>
+            <a:r>
+              <a:rPr i="1" lang="de-DE" sz="2600" spc="-1" strike="noStrike">
+                <a:solidFill>
+                  <a:srgbClr val="333333"/>
+                </a:solidFill>
+                <a:uFill>
+                  <a:solidFill>
+                    <a:srgbClr val="ffffff"/>
+                  </a:solidFill>
+                </a:uFill>
+                <a:latin typeface="Fira Sans"/>
+              </a:rPr>
+              <a:t>Platte wird magnetisiert um Informationen zu speichern</a:t>
+            </a:r>
+            <a:endParaRPr i="1" lang="de-DE" sz="2600" spc="-1" strike="noStrike">
+              <a:solidFill>
+                <a:srgbClr val="333333"/>
+              </a:solidFill>
+              <a:uFill>
+                <a:solidFill>
+                  <a:srgbClr val="ffffff"/>
+                </a:solidFill>
+              </a:uFill>
+              <a:latin typeface="Fira Sans"/>
+            </a:endParaRPr>
+          </a:p>
+          <a:p>
+            <a:pPr marL="432000" indent="-324000">
+              <a:buClr>
+                <a:srgbClr val="000000"/>
+              </a:buClr>
+              <a:buSzPct val="45000"/>
+              <a:buFont typeface="Wingdings" charset="2"/>
+              <a:buChar char=""/>
+            </a:pPr>
+            <a:r>
+              <a:rPr i="1" lang="de-DE" sz="2600" spc="-1" strike="noStrike">
+                <a:solidFill>
+                  <a:srgbClr val="333333"/>
+                </a:solidFill>
+                <a:uFill>
+                  <a:solidFill>
+                    <a:srgbClr val="ffffff"/>
+                  </a:solidFill>
+                </a:uFill>
+                <a:latin typeface="Fira Sans"/>
+              </a:rPr>
+              <a:t>Lesen der Informationen erfolgt durch Abtasten der Magnetisierung (Remenanz)</a:t>
+            </a:r>
+            <a:endParaRPr i="1" lang="de-DE" sz="2600" spc="-1" strike="noStrike">
+              <a:solidFill>
+                <a:srgbClr val="333333"/>
               </a:solidFill>
               <a:uFill>
                 <a:solidFill>
@@ -4075,14 +5995,14 @@
       </p:grpSpPr>
       <p:sp>
         <p:nvSpPr>
-          <p:cNvPr id="66" name="TextShape 1"/>
+          <p:cNvPr id="89" name="TextShape 1"/>
           <p:cNvSpPr txBox="1"/>
           <p:nvPr/>
         </p:nvSpPr>
         <p:spPr>
           <a:xfrm>
-            <a:off x="504000" y="854280"/>
-            <a:ext cx="9071640" cy="5851800"/>
+            <a:off x="504000" y="301320"/>
+            <a:ext cx="9071640" cy="1262160"/>
           </a:xfrm>
           <a:prstGeom prst="rect">
             <a:avLst/>
@@ -4099,20 +6019,148 @@
             <a:r>
               <a:rPr i="1" lang="de-DE" sz="3600" spc="-1" strike="noStrike">
                 <a:solidFill>
-                  <a:srgbClr val="1c1c1c"/>
-                </a:solidFill>
-                <a:uFill>
-                  <a:solidFill>
-                    <a:srgbClr val="ffffff"/>
-                  </a:solidFill>
-                </a:uFill>
-                <a:latin typeface="Fira Sans"/>
-              </a:rPr>
-              <a:t>VOR-/NACHTEILE BEZÜGLICH HDD/SSD</a:t>
+                  <a:srgbClr val="333333"/>
+                </a:solidFill>
+                <a:uFill>
+                  <a:solidFill>
+                    <a:srgbClr val="ffffff"/>
+                  </a:solidFill>
+                </a:uFill>
+                <a:latin typeface="Fira Sans"/>
+              </a:rPr>
+              <a:t>EINSATZGEBIETE</a:t>
             </a:r>
             <a:endParaRPr i="1" lang="de-DE" sz="3600" spc="-1" strike="noStrike">
               <a:solidFill>
-                <a:srgbClr val="1c1c1c"/>
+                <a:srgbClr val="333333"/>
+              </a:solidFill>
+              <a:uFill>
+                <a:solidFill>
+                  <a:srgbClr val="ffffff"/>
+                </a:solidFill>
+              </a:uFill>
+              <a:latin typeface="Ubuntu"/>
+            </a:endParaRPr>
+          </a:p>
+        </p:txBody>
+      </p:sp>
+      <p:sp>
+        <p:nvSpPr>
+          <p:cNvPr id="90" name="TextShape 2"/>
+          <p:cNvSpPr txBox="1"/>
+          <p:nvPr/>
+        </p:nvSpPr>
+        <p:spPr>
+          <a:xfrm>
+            <a:off x="504000" y="1769040"/>
+            <a:ext cx="9071640" cy="4384440"/>
+          </a:xfrm>
+          <a:prstGeom prst="rect">
+            <a:avLst/>
+          </a:prstGeom>
+          <a:noFill/>
+          <a:ln>
+            <a:noFill/>
+          </a:ln>
+        </p:spPr>
+        <p:txBody>
+          <a:bodyPr lIns="0" rIns="0" tIns="0" bIns="0"/>
+          <a:p>
+            <a:pPr marL="432000" indent="-324000">
+              <a:buClr>
+                <a:srgbClr val="333333"/>
+              </a:buClr>
+              <a:buSzPct val="45000"/>
+              <a:buFont typeface="Wingdings" charset="2"/>
+              <a:buChar char=""/>
+            </a:pPr>
+            <a:r>
+              <a:rPr i="1" lang="de-DE" sz="2600" spc="-1" strike="noStrike">
+                <a:solidFill>
+                  <a:srgbClr val="333333"/>
+                </a:solidFill>
+                <a:uFill>
+                  <a:solidFill>
+                    <a:srgbClr val="ffffff"/>
+                  </a:solidFill>
+                </a:uFill>
+                <a:latin typeface="Fira Sans"/>
+              </a:rPr>
+              <a:t>magnetisches Speichermedium</a:t>
+            </a:r>
+            <a:endParaRPr i="1" lang="de-DE" sz="2600" spc="-1" strike="noStrike">
+              <a:solidFill>
+                <a:srgbClr val="333333"/>
+              </a:solidFill>
+              <a:uFill>
+                <a:solidFill>
+                  <a:srgbClr val="ffffff"/>
+                </a:solidFill>
+              </a:uFill>
+              <a:latin typeface="Fira Sans"/>
+            </a:endParaRPr>
+          </a:p>
+          <a:p>
+            <a:pPr marL="432000" indent="-324000">
+              <a:buClr>
+                <a:srgbClr val="000000"/>
+              </a:buClr>
+              <a:buSzPct val="45000"/>
+              <a:buFont typeface="Wingdings" charset="2"/>
+              <a:buChar char=""/>
+            </a:pPr>
+            <a:r>
+              <a:rPr i="1" lang="de-DE" sz="2600" spc="-1" strike="noStrike">
+                <a:solidFill>
+                  <a:srgbClr val="333333"/>
+                </a:solidFill>
+                <a:uFill>
+                  <a:solidFill>
+                    <a:srgbClr val="ffffff"/>
+                  </a:solidFill>
+                </a:uFill>
+                <a:latin typeface="Fira Sans"/>
+              </a:rPr>
+              <a:t>Platte wird magnetisiert um Informationen zu speichern</a:t>
+            </a:r>
+            <a:endParaRPr i="1" lang="de-DE" sz="2600" spc="-1" strike="noStrike">
+              <a:solidFill>
+                <a:srgbClr val="333333"/>
+              </a:solidFill>
+              <a:uFill>
+                <a:solidFill>
+                  <a:srgbClr val="ffffff"/>
+                </a:solidFill>
+              </a:uFill>
+              <a:latin typeface="Fira Sans"/>
+            </a:endParaRPr>
+          </a:p>
+          <a:p>
+            <a:pPr marL="432000" indent="-324000">
+              <a:buClr>
+                <a:srgbClr val="000000"/>
+              </a:buClr>
+              <a:buSzPct val="45000"/>
+              <a:buFont typeface="Wingdings" charset="2"/>
+              <a:buChar char=""/>
+            </a:pPr>
+            <a:r>
+              <a:rPr i="1" lang="de-DE" sz="2600" spc="-1" strike="noStrike">
+                <a:solidFill>
+                  <a:srgbClr val="333333"/>
+                </a:solidFill>
+                <a:uFill>
+                  <a:solidFill>
+                    <a:srgbClr val="ffffff"/>
+                  </a:solidFill>
+                </a:uFill>
+                <a:latin typeface="Fira Sans"/>
+              </a:rPr>
+              <a:t>Lesen der Informationen erfolgt durch Abtasten der Magnetisierung (Remenanz)</a:t>
+            </a:r>
+            <a:endParaRPr i="1" lang="de-DE" sz="2600" spc="-1" strike="noStrike">
+              <a:solidFill>
+                <a:srgbClr val="333333"/>
               </a:solidFill>
               <a:uFill>
                 <a:solidFill>
@@ -4175,14 +6223,14 @@
       </p:grpSpPr>
       <p:sp>
         <p:nvSpPr>
-          <p:cNvPr id="67" name="TextShape 1"/>
+          <p:cNvPr id="91" name="TextShape 1"/>
           <p:cNvSpPr txBox="1"/>
           <p:nvPr/>
         </p:nvSpPr>
         <p:spPr>
           <a:xfrm>
-            <a:off x="504000" y="854280"/>
-            <a:ext cx="9071640" cy="5851800"/>
+            <a:off x="504000" y="301320"/>
+            <a:ext cx="9071640" cy="1262160"/>
           </a:xfrm>
           <a:prstGeom prst="rect">
             <a:avLst/>
@@ -4199,20 +6247,148 @@
             <a:r>
               <a:rPr i="1" lang="de-DE" sz="3600" spc="-1" strike="noStrike">
                 <a:solidFill>
-                  <a:srgbClr val="1c1c1c"/>
-                </a:solidFill>
-                <a:uFill>
-                  <a:solidFill>
-                    <a:srgbClr val="ffffff"/>
-                  </a:solidFill>
-                </a:uFill>
-                <a:latin typeface="Fira Sans"/>
-              </a:rPr>
-              <a:t>EINSATZGEBIETE</a:t>
+                  <a:srgbClr val="333333"/>
+                </a:solidFill>
+                <a:uFill>
+                  <a:solidFill>
+                    <a:srgbClr val="ffffff"/>
+                  </a:solidFill>
+                </a:uFill>
+                <a:latin typeface="Fira Sans"/>
+              </a:rPr>
+              <a:t>FAZIT (SS/HD)</a:t>
             </a:r>
             <a:endParaRPr i="1" lang="de-DE" sz="3600" spc="-1" strike="noStrike">
               <a:solidFill>
-                <a:srgbClr val="1c1c1c"/>
+                <a:srgbClr val="333333"/>
+              </a:solidFill>
+              <a:uFill>
+                <a:solidFill>
+                  <a:srgbClr val="ffffff"/>
+                </a:solidFill>
+              </a:uFill>
+              <a:latin typeface="Ubuntu"/>
+            </a:endParaRPr>
+          </a:p>
+        </p:txBody>
+      </p:sp>
+      <p:sp>
+        <p:nvSpPr>
+          <p:cNvPr id="92" name="TextShape 2"/>
+          <p:cNvSpPr txBox="1"/>
+          <p:nvPr/>
+        </p:nvSpPr>
+        <p:spPr>
+          <a:xfrm>
+            <a:off x="504000" y="1769040"/>
+            <a:ext cx="9071640" cy="4384440"/>
+          </a:xfrm>
+          <a:prstGeom prst="rect">
+            <a:avLst/>
+          </a:prstGeom>
+          <a:noFill/>
+          <a:ln>
+            <a:noFill/>
+          </a:ln>
+        </p:spPr>
+        <p:txBody>
+          <a:bodyPr lIns="0" rIns="0" tIns="0" bIns="0"/>
+          <a:p>
+            <a:pPr marL="432000" indent="-324000">
+              <a:buClr>
+                <a:srgbClr val="333333"/>
+              </a:buClr>
+              <a:buSzPct val="45000"/>
+              <a:buFont typeface="Wingdings" charset="2"/>
+              <a:buChar char=""/>
+            </a:pPr>
+            <a:r>
+              <a:rPr i="1" lang="de-DE" sz="2600" spc="-1" strike="noStrike">
+                <a:solidFill>
+                  <a:srgbClr val="333333"/>
+                </a:solidFill>
+                <a:uFill>
+                  <a:solidFill>
+                    <a:srgbClr val="ffffff"/>
+                  </a:solidFill>
+                </a:uFill>
+                <a:latin typeface="Fira Sans"/>
+              </a:rPr>
+              <a:t>magnetisches Speichermedium</a:t>
+            </a:r>
+            <a:endParaRPr i="1" lang="de-DE" sz="2600" spc="-1" strike="noStrike">
+              <a:solidFill>
+                <a:srgbClr val="333333"/>
+              </a:solidFill>
+              <a:uFill>
+                <a:solidFill>
+                  <a:srgbClr val="ffffff"/>
+                </a:solidFill>
+              </a:uFill>
+              <a:latin typeface="Fira Sans"/>
+            </a:endParaRPr>
+          </a:p>
+          <a:p>
+            <a:pPr marL="432000" indent="-324000">
+              <a:buClr>
+                <a:srgbClr val="000000"/>
+              </a:buClr>
+              <a:buSzPct val="45000"/>
+              <a:buFont typeface="Wingdings" charset="2"/>
+              <a:buChar char=""/>
+            </a:pPr>
+            <a:r>
+              <a:rPr i="1" lang="de-DE" sz="2600" spc="-1" strike="noStrike">
+                <a:solidFill>
+                  <a:srgbClr val="333333"/>
+                </a:solidFill>
+                <a:uFill>
+                  <a:solidFill>
+                    <a:srgbClr val="ffffff"/>
+                  </a:solidFill>
+                </a:uFill>
+                <a:latin typeface="Fira Sans"/>
+              </a:rPr>
+              <a:t>Platte wird magnetisiert um Informationen zu speichern</a:t>
+            </a:r>
+            <a:endParaRPr i="1" lang="de-DE" sz="2600" spc="-1" strike="noStrike">
+              <a:solidFill>
+                <a:srgbClr val="333333"/>
+              </a:solidFill>
+              <a:uFill>
+                <a:solidFill>
+                  <a:srgbClr val="ffffff"/>
+                </a:solidFill>
+              </a:uFill>
+              <a:latin typeface="Fira Sans"/>
+            </a:endParaRPr>
+          </a:p>
+          <a:p>
+            <a:pPr marL="432000" indent="-324000">
+              <a:buClr>
+                <a:srgbClr val="000000"/>
+              </a:buClr>
+              <a:buSzPct val="45000"/>
+              <a:buFont typeface="Wingdings" charset="2"/>
+              <a:buChar char=""/>
+            </a:pPr>
+            <a:r>
+              <a:rPr i="1" lang="de-DE" sz="2600" spc="-1" strike="noStrike">
+                <a:solidFill>
+                  <a:srgbClr val="333333"/>
+                </a:solidFill>
+                <a:uFill>
+                  <a:solidFill>
+                    <a:srgbClr val="ffffff"/>
+                  </a:solidFill>
+                </a:uFill>
+                <a:latin typeface="Fira Sans"/>
+              </a:rPr>
+              <a:t>Lesen der Informationen erfolgt durch Abtasten der Magnetisierung (Remenanz)</a:t>
+            </a:r>
+            <a:endParaRPr i="1" lang="de-DE" sz="2600" spc="-1" strike="noStrike">
+              <a:solidFill>
+                <a:srgbClr val="333333"/>
               </a:solidFill>
               <a:uFill>
                 <a:solidFill>
@@ -4275,7 +6451,7 @@
       </p:grpSpPr>
       <p:sp>
         <p:nvSpPr>
-          <p:cNvPr id="68" name="TextShape 1"/>
+          <p:cNvPr id="93" name="TextShape 1"/>
           <p:cNvSpPr txBox="1"/>
           <p:nvPr/>
         </p:nvSpPr>
@@ -4308,7 +6484,7 @@
                 </a:uFill>
                 <a:latin typeface="Fira Sans"/>
               </a:rPr>
-              <a:t>FAZIT</a:t>
+              <a:t>VIELEN DANK.</a:t>
             </a:r>
             <a:endParaRPr i="1" lang="de-DE" sz="3600" spc="-1" strike="noStrike">
               <a:solidFill>
@@ -4381,8 +6557,8 @@
         </p:nvSpPr>
         <p:spPr>
           <a:xfrm>
-            <a:off x="504000" y="854280"/>
-            <a:ext cx="9071640" cy="5851800"/>
+            <a:off x="504000" y="301320"/>
+            <a:ext cx="9071640" cy="1262160"/>
           </a:xfrm>
           <a:prstGeom prst="rect">
             <a:avLst/>
@@ -4399,7 +6575,7 @@
             <a:r>
               <a:rPr i="1" lang="de-DE" sz="3600" spc="-1" strike="noStrike">
                 <a:solidFill>
-                  <a:srgbClr val="1c1c1c"/>
+                  <a:srgbClr val="333333"/>
                 </a:solidFill>
                 <a:uFill>
                   <a:solidFill>
@@ -4412,7 +6588,135 @@
             </a:r>
             <a:endParaRPr i="1" lang="de-DE" sz="3600" spc="-1" strike="noStrike">
               <a:solidFill>
-                <a:srgbClr val="1c1c1c"/>
+                <a:srgbClr val="333333"/>
+              </a:solidFill>
+              <a:uFill>
+                <a:solidFill>
+                  <a:srgbClr val="ffffff"/>
+                </a:solidFill>
+              </a:uFill>
+              <a:latin typeface="Ubuntu"/>
+            </a:endParaRPr>
+          </a:p>
+        </p:txBody>
+      </p:sp>
+      <p:sp>
+        <p:nvSpPr>
+          <p:cNvPr id="43" name="TextShape 2"/>
+          <p:cNvSpPr txBox="1"/>
+          <p:nvPr/>
+        </p:nvSpPr>
+        <p:spPr>
+          <a:xfrm>
+            <a:off x="504000" y="1769040"/>
+            <a:ext cx="9071640" cy="4384440"/>
+          </a:xfrm>
+          <a:prstGeom prst="rect">
+            <a:avLst/>
+          </a:prstGeom>
+          <a:noFill/>
+          <a:ln>
+            <a:noFill/>
+          </a:ln>
+        </p:spPr>
+        <p:txBody>
+          <a:bodyPr lIns="0" rIns="0" tIns="0" bIns="0"/>
+          <a:p>
+            <a:pPr marL="432000" indent="-324000">
+              <a:buClr>
+                <a:srgbClr val="333333"/>
+              </a:buClr>
+              <a:buSzPct val="45000"/>
+              <a:buFont typeface="Wingdings" charset="2"/>
+              <a:buChar char=""/>
+            </a:pPr>
+            <a:r>
+              <a:rPr i="1" lang="de-DE" sz="2600" spc="-1" strike="noStrike">
+                <a:solidFill>
+                  <a:srgbClr val="333333"/>
+                </a:solidFill>
+                <a:uFill>
+                  <a:solidFill>
+                    <a:srgbClr val="ffffff"/>
+                  </a:solidFill>
+                </a:uFill>
+                <a:latin typeface="Fira Sans"/>
+              </a:rPr>
+              <a:t>magnetisches Speichermedium</a:t>
+            </a:r>
+            <a:endParaRPr i="1" lang="de-DE" sz="2600" spc="-1" strike="noStrike">
+              <a:solidFill>
+                <a:srgbClr val="333333"/>
+              </a:solidFill>
+              <a:uFill>
+                <a:solidFill>
+                  <a:srgbClr val="ffffff"/>
+                </a:solidFill>
+              </a:uFill>
+              <a:latin typeface="Fira Sans"/>
+            </a:endParaRPr>
+          </a:p>
+          <a:p>
+            <a:pPr marL="432000" indent="-324000">
+              <a:buClr>
+                <a:srgbClr val="000000"/>
+              </a:buClr>
+              <a:buSzPct val="45000"/>
+              <a:buFont typeface="Wingdings" charset="2"/>
+              <a:buChar char=""/>
+            </a:pPr>
+            <a:r>
+              <a:rPr i="1" lang="de-DE" sz="2600" spc="-1" strike="noStrike">
+                <a:solidFill>
+                  <a:srgbClr val="333333"/>
+                </a:solidFill>
+                <a:uFill>
+                  <a:solidFill>
+                    <a:srgbClr val="ffffff"/>
+                  </a:solidFill>
+                </a:uFill>
+                <a:latin typeface="Fira Sans"/>
+              </a:rPr>
+              <a:t>Platte wird magnetisiert um Informationen zu speichern</a:t>
+            </a:r>
+            <a:endParaRPr i="1" lang="de-DE" sz="2600" spc="-1" strike="noStrike">
+              <a:solidFill>
+                <a:srgbClr val="333333"/>
+              </a:solidFill>
+              <a:uFill>
+                <a:solidFill>
+                  <a:srgbClr val="ffffff"/>
+                </a:solidFill>
+              </a:uFill>
+              <a:latin typeface="Fira Sans"/>
+            </a:endParaRPr>
+          </a:p>
+          <a:p>
+            <a:pPr marL="432000" indent="-324000">
+              <a:buClr>
+                <a:srgbClr val="000000"/>
+              </a:buClr>
+              <a:buSzPct val="45000"/>
+              <a:buFont typeface="Wingdings" charset="2"/>
+              <a:buChar char=""/>
+            </a:pPr>
+            <a:r>
+              <a:rPr i="1" lang="de-DE" sz="2600" spc="-1" strike="noStrike">
+                <a:solidFill>
+                  <a:srgbClr val="333333"/>
+                </a:solidFill>
+                <a:uFill>
+                  <a:solidFill>
+                    <a:srgbClr val="ffffff"/>
+                  </a:solidFill>
+                </a:uFill>
+                <a:latin typeface="Fira Sans"/>
+              </a:rPr>
+              <a:t>Lesen der Informationen erfolgt durch Abtasten der Magnetisierung (Remenanz)</a:t>
+            </a:r>
+            <a:endParaRPr i="1" lang="de-DE" sz="2600" spc="-1" strike="noStrike">
+              <a:solidFill>
+                <a:srgbClr val="333333"/>
               </a:solidFill>
               <a:uFill>
                 <a:solidFill>
@@ -4475,14 +6779,14 @@
       </p:grpSpPr>
       <p:sp>
         <p:nvSpPr>
-          <p:cNvPr id="43" name="TextShape 1"/>
+          <p:cNvPr id="44" name="TextShape 1"/>
           <p:cNvSpPr txBox="1"/>
           <p:nvPr/>
         </p:nvSpPr>
         <p:spPr>
           <a:xfrm>
-            <a:off x="504000" y="854280"/>
-            <a:ext cx="9071640" cy="5851800"/>
+            <a:off x="504000" y="301320"/>
+            <a:ext cx="9071640" cy="1262160"/>
           </a:xfrm>
           <a:prstGeom prst="rect">
             <a:avLst/>
@@ -4499,20 +6803,78 @@
             <a:r>
               <a:rPr i="1" lang="de-DE" sz="3600" spc="-1" strike="noStrike">
                 <a:solidFill>
-                  <a:srgbClr val="1c1c1c"/>
-                </a:solidFill>
-                <a:uFill>
-                  <a:solidFill>
-                    <a:srgbClr val="ffffff"/>
-                  </a:solidFill>
-                </a:uFill>
-                <a:latin typeface="Fira Sans"/>
-              </a:rPr>
-              <a:t>BAUGRÖSSEN</a:t>
+                  <a:srgbClr val="333333"/>
+                </a:solidFill>
+                <a:uFill>
+                  <a:solidFill>
+                    <a:srgbClr val="ffffff"/>
+                  </a:solidFill>
+                </a:uFill>
+                <a:latin typeface="Fira Sans"/>
+              </a:rPr>
+              <a:t>AUFBAU</a:t>
             </a:r>
             <a:endParaRPr i="1" lang="de-DE" sz="3600" spc="-1" strike="noStrike">
               <a:solidFill>
-                <a:srgbClr val="1c1c1c"/>
+                <a:srgbClr val="333333"/>
+              </a:solidFill>
+              <a:uFill>
+                <a:solidFill>
+                  <a:srgbClr val="ffffff"/>
+                </a:solidFill>
+              </a:uFill>
+              <a:latin typeface="Ubuntu"/>
+            </a:endParaRPr>
+          </a:p>
+        </p:txBody>
+      </p:sp>
+      <p:sp>
+        <p:nvSpPr>
+          <p:cNvPr id="45" name="TextShape 2"/>
+          <p:cNvSpPr txBox="1"/>
+          <p:nvPr/>
+        </p:nvSpPr>
+        <p:spPr>
+          <a:xfrm>
+            <a:off x="504000" y="1769040"/>
+            <a:ext cx="9071640" cy="4384440"/>
+          </a:xfrm>
+          <a:prstGeom prst="rect">
+            <a:avLst/>
+          </a:prstGeom>
+          <a:noFill/>
+          <a:ln>
+            <a:noFill/>
+          </a:ln>
+        </p:spPr>
+        <p:txBody>
+          <a:bodyPr lIns="0" rIns="0" tIns="0" bIns="0"/>
+          <a:p>
+            <a:pPr marL="432000" indent="-324000">
+              <a:buClr>
+                <a:srgbClr val="333333"/>
+              </a:buClr>
+              <a:buSzPct val="45000"/>
+              <a:buFont typeface="Wingdings" charset="2"/>
+              <a:buChar char=""/>
+            </a:pPr>
+            <a:r>
+              <a:rPr i="1" lang="de-DE" sz="2600" spc="-1" strike="noStrike">
+                <a:solidFill>
+                  <a:srgbClr val="333333"/>
+                </a:solidFill>
+                <a:uFill>
+                  <a:solidFill>
+                    <a:srgbClr val="ffffff"/>
+                  </a:solidFill>
+                </a:uFill>
+                <a:latin typeface="Fira Sans"/>
+              </a:rPr>
+              <a:t>Platte</a:t>
+            </a:r>
+            <a:endParaRPr i="1" lang="de-DE" sz="2600" spc="-1" strike="noStrike">
+              <a:solidFill>
+                <a:srgbClr val="333333"/>
               </a:solidFill>
               <a:uFill>
                 <a:solidFill>
@@ -4522,8 +6884,171 @@
               <a:latin typeface="Fira Sans"/>
             </a:endParaRPr>
           </a:p>
-        </p:txBody>
-      </p:sp>
+          <a:p>
+            <a:pPr marL="432000" indent="-324000">
+              <a:buClr>
+                <a:srgbClr val="333333"/>
+              </a:buClr>
+              <a:buSzPct val="45000"/>
+              <a:buFont typeface="Wingdings" charset="2"/>
+              <a:buChar char=""/>
+            </a:pPr>
+            <a:r>
+              <a:rPr i="1" lang="de-DE" sz="2600" spc="-1" strike="noStrike">
+                <a:solidFill>
+                  <a:srgbClr val="333333"/>
+                </a:solidFill>
+                <a:uFill>
+                  <a:solidFill>
+                    <a:srgbClr val="ffffff"/>
+                  </a:solidFill>
+                </a:uFill>
+                <a:latin typeface="Fira Sans"/>
+              </a:rPr>
+              <a:t>Spindel</a:t>
+            </a:r>
+            <a:endParaRPr i="1" lang="de-DE" sz="2600" spc="-1" strike="noStrike">
+              <a:solidFill>
+                <a:srgbClr val="333333"/>
+              </a:solidFill>
+              <a:uFill>
+                <a:solidFill>
+                  <a:srgbClr val="ffffff"/>
+                </a:solidFill>
+              </a:uFill>
+              <a:latin typeface="Fira Sans"/>
+            </a:endParaRPr>
+          </a:p>
+          <a:p>
+            <a:pPr marL="432000" indent="-324000">
+              <a:buClr>
+                <a:srgbClr val="333333"/>
+              </a:buClr>
+              <a:buSzPct val="45000"/>
+              <a:buFont typeface="Wingdings" charset="2"/>
+              <a:buChar char=""/>
+            </a:pPr>
+            <a:r>
+              <a:rPr i="1" lang="de-DE" sz="2600" spc="-1" strike="noStrike">
+                <a:solidFill>
+                  <a:srgbClr val="333333"/>
+                </a:solidFill>
+                <a:uFill>
+                  <a:solidFill>
+                    <a:srgbClr val="ffffff"/>
+                  </a:solidFill>
+                </a:uFill>
+                <a:latin typeface="Fira Sans"/>
+              </a:rPr>
+              <a:t>Schreib-/Lesekopf</a:t>
+            </a:r>
+            <a:endParaRPr i="1" lang="de-DE" sz="2600" spc="-1" strike="noStrike">
+              <a:solidFill>
+                <a:srgbClr val="333333"/>
+              </a:solidFill>
+              <a:uFill>
+                <a:solidFill>
+                  <a:srgbClr val="ffffff"/>
+                </a:solidFill>
+              </a:uFill>
+              <a:latin typeface="Fira Sans"/>
+            </a:endParaRPr>
+          </a:p>
+          <a:p>
+            <a:pPr marL="432000" indent="-324000">
+              <a:buClr>
+                <a:srgbClr val="333333"/>
+              </a:buClr>
+              <a:buSzPct val="45000"/>
+              <a:buFont typeface="Wingdings" charset="2"/>
+              <a:buChar char=""/>
+            </a:pPr>
+            <a:r>
+              <a:rPr i="1" lang="de-DE" sz="2600" spc="-1" strike="noStrike">
+                <a:solidFill>
+                  <a:srgbClr val="333333"/>
+                </a:solidFill>
+                <a:uFill>
+                  <a:solidFill>
+                    <a:srgbClr val="ffffff"/>
+                  </a:solidFill>
+                </a:uFill>
+                <a:latin typeface="Fira Sans"/>
+              </a:rPr>
+              <a:t>Actuatorarm</a:t>
+            </a:r>
+            <a:endParaRPr i="1" lang="de-DE" sz="2600" spc="-1" strike="noStrike">
+              <a:solidFill>
+                <a:srgbClr val="333333"/>
+              </a:solidFill>
+              <a:uFill>
+                <a:solidFill>
+                  <a:srgbClr val="ffffff"/>
+                </a:solidFill>
+              </a:uFill>
+              <a:latin typeface="Fira Sans"/>
+            </a:endParaRPr>
+          </a:p>
+          <a:p>
+            <a:pPr marL="432000" indent="-324000">
+              <a:buClr>
+                <a:srgbClr val="333333"/>
+              </a:buClr>
+              <a:buSzPct val="45000"/>
+              <a:buFont typeface="Wingdings" charset="2"/>
+              <a:buChar char=""/>
+            </a:pPr>
+            <a:r>
+              <a:rPr i="1" lang="de-DE" sz="2600" spc="-1" strike="noStrike">
+                <a:solidFill>
+                  <a:srgbClr val="333333"/>
+                </a:solidFill>
+                <a:uFill>
+                  <a:solidFill>
+                    <a:srgbClr val="ffffff"/>
+                  </a:solidFill>
+                </a:uFill>
+                <a:latin typeface="Fira Sans"/>
+              </a:rPr>
+              <a:t>Actuator</a:t>
+            </a:r>
+            <a:endParaRPr i="1" lang="de-DE" sz="2600" spc="-1" strike="noStrike">
+              <a:solidFill>
+                <a:srgbClr val="333333"/>
+              </a:solidFill>
+              <a:uFill>
+                <a:solidFill>
+                  <a:srgbClr val="ffffff"/>
+                </a:solidFill>
+              </a:uFill>
+              <a:latin typeface="Fira Sans"/>
+            </a:endParaRPr>
+          </a:p>
+        </p:txBody>
+      </p:sp>
+      <p:pic>
+        <p:nvPicPr>
+          <p:cNvPr id="46" name="" descr=""/>
+          <p:cNvPicPr/>
+          <p:nvPr/>
+        </p:nvPicPr>
+        <p:blipFill>
+          <a:blip r:embed="rId1"/>
+          <a:stretch/>
+        </p:blipFill>
+        <p:spPr>
+          <a:xfrm>
+            <a:off x="4473360" y="1491480"/>
+            <a:ext cx="5318640" cy="6068520"/>
+          </a:xfrm>
+          <a:prstGeom prst="rect">
+            <a:avLst/>
+          </a:prstGeom>
+          <a:ln>
+            <a:noFill/>
+          </a:ln>
+        </p:spPr>
+      </p:pic>
     </p:spTree>
   </p:cSld>
   <p:timing>
@@ -4575,14 +7100,14 @@
       </p:grpSpPr>
       <p:sp>
         <p:nvSpPr>
-          <p:cNvPr id="44" name="TextShape 1"/>
+          <p:cNvPr id="47" name="TextShape 1"/>
           <p:cNvSpPr txBox="1"/>
           <p:nvPr/>
         </p:nvSpPr>
         <p:spPr>
           <a:xfrm>
-            <a:off x="504000" y="854280"/>
-            <a:ext cx="9071640" cy="5851800"/>
+            <a:off x="504000" y="301320"/>
+            <a:ext cx="9071640" cy="1262160"/>
           </a:xfrm>
           <a:prstGeom prst="rect">
             <a:avLst/>
@@ -4599,20 +7124,148 @@
             <a:r>
               <a:rPr i="1" lang="de-DE" sz="3600" spc="-1" strike="noStrike">
                 <a:solidFill>
-                  <a:srgbClr val="1c1c1c"/>
-                </a:solidFill>
-                <a:uFill>
-                  <a:solidFill>
-                    <a:srgbClr val="ffffff"/>
-                  </a:solidFill>
-                </a:uFill>
-                <a:latin typeface="Fira Sans"/>
-              </a:rPr>
-              <a:t>SPEICHERGRÖSSEN</a:t>
+                  <a:srgbClr val="333333"/>
+                </a:solidFill>
+                <a:uFill>
+                  <a:solidFill>
+                    <a:srgbClr val="ffffff"/>
+                  </a:solidFill>
+                </a:uFill>
+                <a:latin typeface="Fira Sans"/>
+              </a:rPr>
+              <a:t>BAU-/SPEICHERGRÖSSEN</a:t>
             </a:r>
             <a:endParaRPr i="1" lang="de-DE" sz="3600" spc="-1" strike="noStrike">
               <a:solidFill>
-                <a:srgbClr val="1c1c1c"/>
+                <a:srgbClr val="333333"/>
+              </a:solidFill>
+              <a:uFill>
+                <a:solidFill>
+                  <a:srgbClr val="ffffff"/>
+                </a:solidFill>
+              </a:uFill>
+              <a:latin typeface="Ubuntu"/>
+            </a:endParaRPr>
+          </a:p>
+        </p:txBody>
+      </p:sp>
+      <p:sp>
+        <p:nvSpPr>
+          <p:cNvPr id="48" name="TextShape 2"/>
+          <p:cNvSpPr txBox="1"/>
+          <p:nvPr/>
+        </p:nvSpPr>
+        <p:spPr>
+          <a:xfrm>
+            <a:off x="504360" y="1769040"/>
+            <a:ext cx="9071640" cy="4384440"/>
+          </a:xfrm>
+          <a:prstGeom prst="rect">
+            <a:avLst/>
+          </a:prstGeom>
+          <a:noFill/>
+          <a:ln>
+            <a:noFill/>
+          </a:ln>
+        </p:spPr>
+        <p:txBody>
+          <a:bodyPr lIns="0" rIns="0" tIns="0" bIns="0"/>
+          <a:p>
+            <a:pPr marL="432000" indent="-324000">
+              <a:buClr>
+                <a:srgbClr val="333333"/>
+              </a:buClr>
+              <a:buSzPct val="45000"/>
+              <a:buFont typeface="Wingdings" charset="2"/>
+              <a:buChar char=""/>
+            </a:pPr>
+            <a:r>
+              <a:rPr i="1" lang="de-DE" sz="2600" spc="-1" strike="noStrike">
+                <a:solidFill>
+                  <a:srgbClr val="333333"/>
+                </a:solidFill>
+                <a:uFill>
+                  <a:solidFill>
+                    <a:srgbClr val="ffffff"/>
+                  </a:solidFill>
+                </a:uFill>
+                <a:latin typeface="Fira Sans"/>
+              </a:rPr>
+              <a:t>Formfaktor == Durchmesser der Platte</a:t>
+            </a:r>
+            <a:endParaRPr i="1" lang="de-DE" sz="2600" spc="-1" strike="noStrike">
+              <a:solidFill>
+                <a:srgbClr val="333333"/>
+              </a:solidFill>
+              <a:uFill>
+                <a:solidFill>
+                  <a:srgbClr val="ffffff"/>
+                </a:solidFill>
+              </a:uFill>
+              <a:latin typeface="Fira Sans"/>
+            </a:endParaRPr>
+          </a:p>
+          <a:p>
+            <a:pPr marL="432000" indent="-324000">
+              <a:buClr>
+                <a:srgbClr val="333333"/>
+              </a:buClr>
+              <a:buSzPct val="45000"/>
+              <a:buFont typeface="Wingdings" charset="2"/>
+              <a:buChar char=""/>
+            </a:pPr>
+            <a:r>
+              <a:rPr i="1" lang="de-DE" sz="2600" spc="-1" strike="noStrike">
+                <a:solidFill>
+                  <a:srgbClr val="333333"/>
+                </a:solidFill>
+                <a:uFill>
+                  <a:solidFill>
+                    <a:srgbClr val="ffffff"/>
+                  </a:solidFill>
+                </a:uFill>
+                <a:latin typeface="Fira Sans"/>
+              </a:rPr>
+              <a:t>3,5“ = bis zu 10 TB (1149 GB/Platte)</a:t>
+            </a:r>
+            <a:endParaRPr i="1" lang="de-DE" sz="2600" spc="-1" strike="noStrike">
+              <a:solidFill>
+                <a:srgbClr val="333333"/>
+              </a:solidFill>
+              <a:uFill>
+                <a:solidFill>
+                  <a:srgbClr val="ffffff"/>
+                </a:solidFill>
+              </a:uFill>
+              <a:latin typeface="Fira Sans"/>
+            </a:endParaRPr>
+          </a:p>
+          <a:p>
+            <a:pPr marL="432000" indent="-324000">
+              <a:buClr>
+                <a:srgbClr val="333333"/>
+              </a:buClr>
+              <a:buSzPct val="45000"/>
+              <a:buFont typeface="Wingdings" charset="2"/>
+              <a:buChar char=""/>
+            </a:pPr>
+            <a:r>
+              <a:rPr i="1" lang="de-DE" sz="2600" spc="-1" strike="noStrike">
+                <a:solidFill>
+                  <a:srgbClr val="333333"/>
+                </a:solidFill>
+                <a:uFill>
+                  <a:solidFill>
+                    <a:srgbClr val="ffffff"/>
+                  </a:solidFill>
+                </a:uFill>
+                <a:latin typeface="Fira Sans"/>
+              </a:rPr>
+              <a:t>2,5“ = bis zu 4 TB (800 GB/Platte)</a:t>
+            </a:r>
+            <a:endParaRPr i="1" lang="de-DE" sz="2600" spc="-1" strike="noStrike">
+              <a:solidFill>
+                <a:srgbClr val="333333"/>
               </a:solidFill>
               <a:uFill>
                 <a:solidFill>
@@ -4675,14 +7328,14 @@
       </p:grpSpPr>
       <p:sp>
         <p:nvSpPr>
-          <p:cNvPr id="45" name="TextShape 1"/>
+          <p:cNvPr id="49" name="TextShape 1"/>
           <p:cNvSpPr txBox="1"/>
           <p:nvPr/>
         </p:nvSpPr>
         <p:spPr>
           <a:xfrm>
-            <a:off x="504000" y="854280"/>
-            <a:ext cx="9071640" cy="5851800"/>
+            <a:off x="504000" y="301320"/>
+            <a:ext cx="9071640" cy="1262160"/>
           </a:xfrm>
           <a:prstGeom prst="rect">
             <a:avLst/>
@@ -4699,20 +7352,253 @@
             <a:r>
               <a:rPr i="1" lang="de-DE" sz="3600" spc="-1" strike="noStrike">
                 <a:solidFill>
-                  <a:srgbClr val="1c1c1c"/>
-                </a:solidFill>
-                <a:uFill>
-                  <a:solidFill>
-                    <a:srgbClr val="ffffff"/>
-                  </a:solidFill>
-                </a:uFill>
-                <a:latin typeface="Fira Sans"/>
-              </a:rPr>
-              <a:t>AUFBAU</a:t>
+                  <a:srgbClr val="333333"/>
+                </a:solidFill>
+                <a:uFill>
+                  <a:solidFill>
+                    <a:srgbClr val="ffffff"/>
+                  </a:solidFill>
+                </a:uFill>
+                <a:latin typeface="Fira Sans"/>
+              </a:rPr>
+              <a:t>SCHNITTSTELLEN</a:t>
             </a:r>
             <a:endParaRPr i="1" lang="de-DE" sz="3600" spc="-1" strike="noStrike">
               <a:solidFill>
-                <a:srgbClr val="1c1c1c"/>
+                <a:srgbClr val="333333"/>
+              </a:solidFill>
+              <a:uFill>
+                <a:solidFill>
+                  <a:srgbClr val="ffffff"/>
+                </a:solidFill>
+              </a:uFill>
+              <a:latin typeface="Ubuntu"/>
+            </a:endParaRPr>
+          </a:p>
+        </p:txBody>
+      </p:sp>
+      <p:sp>
+        <p:nvSpPr>
+          <p:cNvPr id="50" name="TextShape 2"/>
+          <p:cNvSpPr txBox="1"/>
+          <p:nvPr/>
+        </p:nvSpPr>
+        <p:spPr>
+          <a:xfrm>
+            <a:off x="504000" y="1769040"/>
+            <a:ext cx="9071640" cy="4384440"/>
+          </a:xfrm>
+          <a:prstGeom prst="rect">
+            <a:avLst/>
+          </a:prstGeom>
+          <a:noFill/>
+          <a:ln>
+            <a:noFill/>
+          </a:ln>
+        </p:spPr>
+        <p:txBody>
+          <a:bodyPr lIns="0" rIns="0" tIns="0" bIns="0"/>
+          <a:p>
+            <a:pPr marL="432000" indent="-324000">
+              <a:buClr>
+                <a:srgbClr val="333333"/>
+              </a:buClr>
+              <a:buSzPct val="45000"/>
+              <a:buFont typeface="Wingdings" charset="2"/>
+              <a:buChar char=""/>
+            </a:pPr>
+            <a:r>
+              <a:rPr i="1" lang="de-DE" sz="2600" spc="-1" strike="noStrike">
+                <a:solidFill>
+                  <a:srgbClr val="333333"/>
+                </a:solidFill>
+                <a:uFill>
+                  <a:solidFill>
+                    <a:srgbClr val="ffffff"/>
+                  </a:solidFill>
+                </a:uFill>
+                <a:latin typeface="Fira Sans"/>
+              </a:rPr>
+              <a:t>ATA (IDE)</a:t>
+            </a:r>
+            <a:endParaRPr i="1" lang="de-DE" sz="2600" spc="-1" strike="noStrike">
+              <a:solidFill>
+                <a:srgbClr val="333333"/>
+              </a:solidFill>
+              <a:uFill>
+                <a:solidFill>
+                  <a:srgbClr val="ffffff"/>
+                </a:solidFill>
+              </a:uFill>
+              <a:latin typeface="Fira Sans"/>
+            </a:endParaRPr>
+          </a:p>
+          <a:p>
+            <a:pPr marL="432000" indent="-324000">
+              <a:buClr>
+                <a:srgbClr val="333333"/>
+              </a:buClr>
+              <a:buSzPct val="45000"/>
+              <a:buFont typeface="Wingdings" charset="2"/>
+              <a:buChar char=""/>
+            </a:pPr>
+            <a:r>
+              <a:rPr i="1" lang="de-DE" sz="2600" spc="-1" strike="noStrike">
+                <a:solidFill>
+                  <a:srgbClr val="333333"/>
+                </a:solidFill>
+                <a:uFill>
+                  <a:solidFill>
+                    <a:srgbClr val="ffffff"/>
+                  </a:solidFill>
+                </a:uFill>
+                <a:latin typeface="Fira Sans"/>
+              </a:rPr>
+              <a:t>SATA</a:t>
+            </a:r>
+            <a:endParaRPr i="1" lang="de-DE" sz="2600" spc="-1" strike="noStrike">
+              <a:solidFill>
+                <a:srgbClr val="333333"/>
+              </a:solidFill>
+              <a:uFill>
+                <a:solidFill>
+                  <a:srgbClr val="ffffff"/>
+                </a:solidFill>
+              </a:uFill>
+              <a:latin typeface="Fira Sans"/>
+            </a:endParaRPr>
+          </a:p>
+          <a:p>
+            <a:pPr marL="432000" indent="-324000">
+              <a:buClr>
+                <a:srgbClr val="333333"/>
+              </a:buClr>
+              <a:buSzPct val="45000"/>
+              <a:buFont typeface="Wingdings" charset="2"/>
+              <a:buChar char=""/>
+            </a:pPr>
+            <a:r>
+              <a:rPr i="1" lang="de-DE" sz="2600" spc="-1" strike="noStrike">
+                <a:solidFill>
+                  <a:srgbClr val="333333"/>
+                </a:solidFill>
+                <a:uFill>
+                  <a:solidFill>
+                    <a:srgbClr val="ffffff"/>
+                  </a:solidFill>
+                </a:uFill>
+                <a:latin typeface="Fira Sans"/>
+              </a:rPr>
+              <a:t>ESDI</a:t>
+            </a:r>
+            <a:endParaRPr i="1" lang="de-DE" sz="2600" spc="-1" strike="noStrike">
+              <a:solidFill>
+                <a:srgbClr val="333333"/>
+              </a:solidFill>
+              <a:uFill>
+                <a:solidFill>
+                  <a:srgbClr val="ffffff"/>
+                </a:solidFill>
+              </a:uFill>
+              <a:latin typeface="Fira Sans"/>
+            </a:endParaRPr>
+          </a:p>
+          <a:p>
+            <a:pPr marL="432000" indent="-324000">
+              <a:buClr>
+                <a:srgbClr val="333333"/>
+              </a:buClr>
+              <a:buSzPct val="45000"/>
+              <a:buFont typeface="Wingdings" charset="2"/>
+              <a:buChar char=""/>
+            </a:pPr>
+            <a:r>
+              <a:rPr i="1" lang="de-DE" sz="2600" spc="-1" strike="noStrike">
+                <a:solidFill>
+                  <a:srgbClr val="333333"/>
+                </a:solidFill>
+                <a:uFill>
+                  <a:solidFill>
+                    <a:srgbClr val="ffffff"/>
+                  </a:solidFill>
+                </a:uFill>
+                <a:latin typeface="Fira Sans"/>
+              </a:rPr>
+              <a:t>Parallel SCSI</a:t>
+            </a:r>
+            <a:endParaRPr i="1" lang="de-DE" sz="2600" spc="-1" strike="noStrike">
+              <a:solidFill>
+                <a:srgbClr val="333333"/>
+              </a:solidFill>
+              <a:uFill>
+                <a:solidFill>
+                  <a:srgbClr val="ffffff"/>
+                </a:solidFill>
+              </a:uFill>
+              <a:latin typeface="Fira Sans"/>
+            </a:endParaRPr>
+          </a:p>
+          <a:p>
+            <a:pPr marL="432000" indent="-324000">
+              <a:buClr>
+                <a:srgbClr val="333333"/>
+              </a:buClr>
+              <a:buSzPct val="45000"/>
+              <a:buFont typeface="Wingdings" charset="2"/>
+              <a:buChar char=""/>
+            </a:pPr>
+            <a:r>
+              <a:rPr i="1" lang="de-DE" sz="2600" spc="-1" strike="noStrike">
+                <a:solidFill>
+                  <a:srgbClr val="333333"/>
+                </a:solidFill>
+                <a:uFill>
+                  <a:solidFill>
+                    <a:srgbClr val="ffffff"/>
+                  </a:solidFill>
+                </a:uFill>
+                <a:latin typeface="Fira Sans"/>
+              </a:rPr>
+              <a:t>Serial Attached SCSI (SAS)</a:t>
+            </a:r>
+            <a:endParaRPr i="1" lang="de-DE" sz="2600" spc="-1" strike="noStrike">
+              <a:solidFill>
+                <a:srgbClr val="333333"/>
+              </a:solidFill>
+              <a:uFill>
+                <a:solidFill>
+                  <a:srgbClr val="ffffff"/>
+                </a:solidFill>
+              </a:uFill>
+              <a:latin typeface="Fira Sans"/>
+            </a:endParaRPr>
+          </a:p>
+          <a:p>
+            <a:pPr marL="432000" indent="-324000">
+              <a:buClr>
+                <a:srgbClr val="333333"/>
+              </a:buClr>
+              <a:buSzPct val="45000"/>
+              <a:buFont typeface="Wingdings" charset="2"/>
+              <a:buChar char=""/>
+            </a:pPr>
+            <a:r>
+              <a:rPr i="1" lang="de-DE" sz="2600" spc="-1" strike="noStrike">
+                <a:solidFill>
+                  <a:srgbClr val="333333"/>
+                </a:solidFill>
+                <a:uFill>
+                  <a:solidFill>
+                    <a:srgbClr val="ffffff"/>
+                  </a:solidFill>
+                </a:uFill>
+                <a:latin typeface="Fira Sans"/>
+              </a:rPr>
+              <a:t>Fibre-Channel-Interface</a:t>
+            </a:r>
+            <a:endParaRPr i="1" lang="de-DE" sz="2600" spc="-1" strike="noStrike">
+              <a:solidFill>
+                <a:srgbClr val="333333"/>
               </a:solidFill>
               <a:uFill>
                 <a:solidFill>
@@ -4775,14 +7661,14 @@
       </p:grpSpPr>
       <p:sp>
         <p:nvSpPr>
-          <p:cNvPr id="46" name="TextShape 1"/>
+          <p:cNvPr id="51" name="TextShape 1"/>
           <p:cNvSpPr txBox="1"/>
           <p:nvPr/>
         </p:nvSpPr>
         <p:spPr>
           <a:xfrm>
-            <a:off x="504000" y="854280"/>
-            <a:ext cx="9071640" cy="5851800"/>
+            <a:off x="504000" y="301320"/>
+            <a:ext cx="9071640" cy="1262160"/>
           </a:xfrm>
           <a:prstGeom prst="rect">
             <a:avLst/>
@@ -4799,20 +7685,78 @@
             <a:r>
               <a:rPr i="1" lang="de-DE" sz="3600" spc="-1" strike="noStrike">
                 <a:solidFill>
-                  <a:srgbClr val="1c1c1c"/>
-                </a:solidFill>
-                <a:uFill>
-                  <a:solidFill>
-                    <a:srgbClr val="ffffff"/>
-                  </a:solidFill>
-                </a:uFill>
-                <a:latin typeface="Fira Sans"/>
-              </a:rPr>
-              <a:t>SCHNITTSTELLEN</a:t>
+                  <a:srgbClr val="333333"/>
+                </a:solidFill>
+                <a:uFill>
+                  <a:solidFill>
+                    <a:srgbClr val="ffffff"/>
+                  </a:solidFill>
+                </a:uFill>
+                <a:latin typeface="Fira Sans"/>
+              </a:rPr>
+              <a:t>SCHREIBGESCHWINDIGKEIT</a:t>
             </a:r>
             <a:endParaRPr i="1" lang="de-DE" sz="3600" spc="-1" strike="noStrike">
               <a:solidFill>
-                <a:srgbClr val="1c1c1c"/>
+                <a:srgbClr val="333333"/>
+              </a:solidFill>
+              <a:uFill>
+                <a:solidFill>
+                  <a:srgbClr val="ffffff"/>
+                </a:solidFill>
+              </a:uFill>
+              <a:latin typeface="Ubuntu"/>
+            </a:endParaRPr>
+          </a:p>
+        </p:txBody>
+      </p:sp>
+      <p:sp>
+        <p:nvSpPr>
+          <p:cNvPr id="52" name="TextShape 2"/>
+          <p:cNvSpPr txBox="1"/>
+          <p:nvPr/>
+        </p:nvSpPr>
+        <p:spPr>
+          <a:xfrm>
+            <a:off x="504000" y="1769040"/>
+            <a:ext cx="9071640" cy="4384440"/>
+          </a:xfrm>
+          <a:prstGeom prst="rect">
+            <a:avLst/>
+          </a:prstGeom>
+          <a:noFill/>
+          <a:ln>
+            <a:noFill/>
+          </a:ln>
+        </p:spPr>
+        <p:txBody>
+          <a:bodyPr lIns="0" rIns="0" tIns="0" bIns="0"/>
+          <a:p>
+            <a:pPr marL="432000" indent="-324000">
+              <a:buClr>
+                <a:srgbClr val="333333"/>
+              </a:buClr>
+              <a:buSzPct val="45000"/>
+              <a:buFont typeface="Wingdings" charset="2"/>
+              <a:buChar char=""/>
+            </a:pPr>
+            <a:r>
+              <a:rPr i="1" lang="de-DE" sz="2600" spc="-1" strike="noStrike">
+                <a:solidFill>
+                  <a:srgbClr val="333333"/>
+                </a:solidFill>
+                <a:uFill>
+                  <a:solidFill>
+                    <a:srgbClr val="ffffff"/>
+                  </a:solidFill>
+                </a:uFill>
+                <a:latin typeface="Fira Sans"/>
+              </a:rPr>
+              <a:t>Kontinuierliche Übertragungsrate (Menge/s)</a:t>
+            </a:r>
+            <a:endParaRPr i="1" lang="de-DE" sz="2600" spc="-1" strike="noStrike">
+              <a:solidFill>
+                <a:srgbClr val="333333"/>
               </a:solidFill>
               <a:uFill>
                 <a:solidFill>
@@ -4820,6 +7764,146 @@
                 </a:solidFill>
               </a:uFill>
               <a:latin typeface="Fira Sans"/>
+            </a:endParaRPr>
+          </a:p>
+          <a:p>
+            <a:pPr marL="432000" indent="-324000">
+              <a:buClr>
+                <a:srgbClr val="333333"/>
+              </a:buClr>
+              <a:buSzPct val="45000"/>
+              <a:buFont typeface="Wingdings" charset="2"/>
+              <a:buChar char=""/>
+            </a:pPr>
+            <a:r>
+              <a:rPr i="1" lang="de-DE" sz="2600" spc="-1" strike="noStrike">
+                <a:solidFill>
+                  <a:srgbClr val="333333"/>
+                </a:solidFill>
+                <a:uFill>
+                  <a:solidFill>
+                    <a:srgbClr val="ffffff"/>
+                  </a:solidFill>
+                </a:uFill>
+                <a:latin typeface="Fira Sans"/>
+              </a:rPr>
+              <a:t>Mittlere Zugriffszeit bestehend aus</a:t>
+            </a:r>
+            <a:endParaRPr i="1" lang="de-DE" sz="2600" spc="-1" strike="noStrike">
+              <a:solidFill>
+                <a:srgbClr val="333333"/>
+              </a:solidFill>
+              <a:uFill>
+                <a:solidFill>
+                  <a:srgbClr val="ffffff"/>
+                </a:solidFill>
+              </a:uFill>
+              <a:latin typeface="Fira Sans"/>
+            </a:endParaRPr>
+          </a:p>
+          <a:p>
+            <a:pPr lvl="1" marL="864000" indent="-324000">
+              <a:buClr>
+                <a:srgbClr val="333333"/>
+              </a:buClr>
+              <a:buSzPct val="75000"/>
+              <a:buFont typeface="DejaVu Sans Mono"/>
+              <a:buChar char="·"/>
+            </a:pPr>
+            <a:r>
+              <a:rPr i="1" lang="de-DE" sz="2600" spc="-1" strike="noStrike">
+                <a:solidFill>
+                  <a:srgbClr val="333333"/>
+                </a:solidFill>
+                <a:uFill>
+                  <a:solidFill>
+                    <a:srgbClr val="ffffff"/>
+                  </a:solidFill>
+                </a:uFill>
+                <a:latin typeface="Fira Sans"/>
+              </a:rPr>
+              <a:t>Spurwechselzeit</a:t>
+            </a:r>
+            <a:endParaRPr lang="de-DE" sz="2800" spc="-1" strike="noStrike">
+              <a:solidFill>
+                <a:srgbClr val="000000"/>
+              </a:solidFill>
+              <a:uFill>
+                <a:solidFill>
+                  <a:srgbClr val="ffffff"/>
+                </a:solidFill>
+              </a:uFill>
+              <a:latin typeface="Arial"/>
+            </a:endParaRPr>
+          </a:p>
+          <a:p>
+            <a:pPr lvl="1" marL="864000" indent="-324000">
+              <a:buClr>
+                <a:srgbClr val="333333"/>
+              </a:buClr>
+              <a:buSzPct val="75000"/>
+              <a:buFont typeface="DejaVu Sans Mono"/>
+              <a:buChar char="·"/>
+            </a:pPr>
+            <a:r>
+              <a:rPr i="1" lang="de-DE" sz="2600" spc="-1" strike="noStrike">
+                <a:solidFill>
+                  <a:srgbClr val="333333"/>
+                </a:solidFill>
+                <a:uFill>
+                  <a:solidFill>
+                    <a:srgbClr val="ffffff"/>
+                  </a:solidFill>
+                </a:uFill>
+                <a:latin typeface="Fira Sans"/>
+              </a:rPr>
+              <a:t>Latenzzeit</a:t>
+            </a:r>
+            <a:endParaRPr lang="de-DE" sz="2800" spc="-1" strike="noStrike">
+              <a:solidFill>
+                <a:srgbClr val="000000"/>
+              </a:solidFill>
+              <a:uFill>
+                <a:solidFill>
+                  <a:srgbClr val="ffffff"/>
+                </a:solidFill>
+              </a:uFill>
+              <a:latin typeface="Arial"/>
+            </a:endParaRPr>
+          </a:p>
+          <a:p>
+            <a:pPr lvl="1" marL="864000" indent="-324000">
+              <a:buClr>
+                <a:srgbClr val="333333"/>
+              </a:buClr>
+              <a:buSzPct val="75000"/>
+              <a:buFont typeface="DejaVu Sans Mono"/>
+              <a:buChar char="·"/>
+            </a:pPr>
+            <a:r>
+              <a:rPr i="1" lang="de-DE" sz="2600" spc="-1" strike="noStrike">
+                <a:solidFill>
+                  <a:srgbClr val="333333"/>
+                </a:solidFill>
+                <a:uFill>
+                  <a:solidFill>
+                    <a:srgbClr val="ffffff"/>
+                  </a:solidFill>
+                </a:uFill>
+                <a:latin typeface="Fira Sans"/>
+              </a:rPr>
+              <a:t>Kommando-Latenz</a:t>
+            </a:r>
+            <a:endParaRPr lang="de-DE" sz="2800" spc="-1" strike="noStrike">
+              <a:solidFill>
+                <a:srgbClr val="000000"/>
+              </a:solidFill>
+              <a:uFill>
+                <a:solidFill>
+                  <a:srgbClr val="ffffff"/>
+                </a:solidFill>
+              </a:uFill>
+              <a:latin typeface="Arial"/>
             </a:endParaRPr>
           </a:p>
         </p:txBody>
@@ -4875,14 +7959,14 @@
       </p:grpSpPr>
       <p:sp>
         <p:nvSpPr>
-          <p:cNvPr id="47" name="TextShape 1"/>
+          <p:cNvPr id="53" name="TextShape 1"/>
           <p:cNvSpPr txBox="1"/>
           <p:nvPr/>
         </p:nvSpPr>
         <p:spPr>
           <a:xfrm>
-            <a:off x="504000" y="854280"/>
-            <a:ext cx="9071640" cy="5851800"/>
+            <a:off x="504000" y="301320"/>
+            <a:ext cx="9071640" cy="1262160"/>
           </a:xfrm>
           <a:prstGeom prst="rect">
             <a:avLst/>
@@ -4899,20 +7983,218 @@
             <a:r>
               <a:rPr i="1" lang="de-DE" sz="3600" spc="-1" strike="noStrike">
                 <a:solidFill>
-                  <a:srgbClr val="1c1c1c"/>
-                </a:solidFill>
-                <a:uFill>
-                  <a:solidFill>
-                    <a:srgbClr val="ffffff"/>
-                  </a:solidFill>
-                </a:uFill>
-                <a:latin typeface="Fira Sans"/>
-              </a:rPr>
-              <a:t>SCHREIBGESCHWINDIGKEIT</a:t>
+                  <a:srgbClr val="333333"/>
+                </a:solidFill>
+                <a:uFill>
+                  <a:solidFill>
+                    <a:srgbClr val="ffffff"/>
+                  </a:solidFill>
+                </a:uFill>
+                <a:latin typeface="Fira Sans"/>
+              </a:rPr>
+              <a:t>Rudundant Array of Independent Disks (RAID)</a:t>
             </a:r>
             <a:endParaRPr i="1" lang="de-DE" sz="3600" spc="-1" strike="noStrike">
               <a:solidFill>
-                <a:srgbClr val="1c1c1c"/>
+                <a:srgbClr val="333333"/>
+              </a:solidFill>
+              <a:uFill>
+                <a:solidFill>
+                  <a:srgbClr val="ffffff"/>
+                </a:solidFill>
+              </a:uFill>
+              <a:latin typeface="Ubuntu"/>
+            </a:endParaRPr>
+          </a:p>
+        </p:txBody>
+      </p:sp>
+      <p:sp>
+        <p:nvSpPr>
+          <p:cNvPr id="54" name="TextShape 2"/>
+          <p:cNvSpPr txBox="1"/>
+          <p:nvPr/>
+        </p:nvSpPr>
+        <p:spPr>
+          <a:xfrm>
+            <a:off x="504000" y="1769040"/>
+            <a:ext cx="9071640" cy="4384440"/>
+          </a:xfrm>
+          <a:prstGeom prst="rect">
+            <a:avLst/>
+          </a:prstGeom>
+          <a:noFill/>
+          <a:ln>
+            <a:noFill/>
+          </a:ln>
+        </p:spPr>
+        <p:txBody>
+          <a:bodyPr lIns="0" rIns="0" tIns="0" bIns="0"/>
+          <a:p>
+            <a:pPr marL="432000" indent="-324000">
+              <a:buClr>
+                <a:srgbClr val="333333"/>
+              </a:buClr>
+              <a:buSzPct val="45000"/>
+              <a:buFont typeface="Wingdings" charset="2"/>
+              <a:buChar char=""/>
+            </a:pPr>
+            <a:r>
+              <a:rPr i="1" lang="de-DE" sz="2600" spc="-1" strike="noStrike">
+                <a:solidFill>
+                  <a:srgbClr val="333333"/>
+                </a:solidFill>
+                <a:uFill>
+                  <a:solidFill>
+                    <a:srgbClr val="ffffff"/>
+                  </a:solidFill>
+                </a:uFill>
+                <a:latin typeface="Fira Sans"/>
+              </a:rPr>
+              <a:t>HW RAID </a:t>
+            </a:r>
+            <a:endParaRPr i="1" lang="de-DE" sz="2600" spc="-1" strike="noStrike">
+              <a:solidFill>
+                <a:srgbClr val="333333"/>
+              </a:solidFill>
+              <a:uFill>
+                <a:solidFill>
+                  <a:srgbClr val="ffffff"/>
+                </a:solidFill>
+              </a:uFill>
+              <a:latin typeface="Fira Sans"/>
+            </a:endParaRPr>
+          </a:p>
+          <a:p>
+            <a:pPr marL="432000" indent="-324000">
+              <a:buClr>
+                <a:srgbClr val="000000"/>
+              </a:buClr>
+              <a:buSzPct val="45000"/>
+              <a:buFont typeface="Wingdings" charset="2"/>
+              <a:buChar char=""/>
+            </a:pPr>
+            <a:r>
+              <a:rPr i="1" lang="de-DE" sz="2600" spc="-1" strike="noStrike">
+                <a:solidFill>
+                  <a:srgbClr val="333333"/>
+                </a:solidFill>
+                <a:uFill>
+                  <a:solidFill>
+                    <a:srgbClr val="ffffff"/>
+                  </a:solidFill>
+                </a:uFill>
+                <a:latin typeface="Fira Sans"/>
+              </a:rPr>
+              <a:t>SW RAID</a:t>
+            </a:r>
+            <a:endParaRPr i="1" lang="de-DE" sz="2600" spc="-1" strike="noStrike">
+              <a:solidFill>
+                <a:srgbClr val="333333"/>
+              </a:solidFill>
+              <a:uFill>
+                <a:solidFill>
+                  <a:srgbClr val="ffffff"/>
+                </a:solidFill>
+              </a:uFill>
+              <a:latin typeface="Fira Sans"/>
+            </a:endParaRPr>
+          </a:p>
+          <a:p>
+            <a:pPr marL="432000" indent="-324000">
+              <a:buClr>
+                <a:srgbClr val="000000"/>
+              </a:buClr>
+              <a:buSzPct val="45000"/>
+              <a:buFont typeface="Wingdings" charset="2"/>
+              <a:buChar char=""/>
+            </a:pPr>
+            <a:r>
+              <a:rPr i="1" lang="de-DE" sz="2600" spc="-1" strike="noStrike">
+                <a:solidFill>
+                  <a:srgbClr val="333333"/>
+                </a:solidFill>
+                <a:uFill>
+                  <a:solidFill>
+                    <a:srgbClr val="ffffff"/>
+                  </a:solidFill>
+                </a:uFill>
+                <a:latin typeface="Fira Sans"/>
+              </a:rPr>
+              <a:t>RAID 0</a:t>
+            </a:r>
+            <a:endParaRPr i="1" lang="de-DE" sz="2600" spc="-1" strike="noStrike">
+              <a:solidFill>
+                <a:srgbClr val="333333"/>
+              </a:solidFill>
+              <a:uFill>
+                <a:solidFill>
+                  <a:srgbClr val="ffffff"/>
+                </a:solidFill>
+              </a:uFill>
+              <a:latin typeface="Fira Sans"/>
+            </a:endParaRPr>
+          </a:p>
+          <a:p>
+            <a:pPr marL="432000" indent="-324000">
+              <a:buClr>
+                <a:srgbClr val="000000"/>
+              </a:buClr>
+              <a:buSzPct val="45000"/>
+              <a:buFont typeface="Wingdings" charset="2"/>
+              <a:buChar char=""/>
+            </a:pPr>
+            <a:r>
+              <a:rPr i="1" lang="de-DE" sz="2600" spc="-1" strike="noStrike">
+                <a:solidFill>
+                  <a:srgbClr val="333333"/>
+                </a:solidFill>
+                <a:uFill>
+                  <a:solidFill>
+                    <a:srgbClr val="ffffff"/>
+                  </a:solidFill>
+                </a:uFill>
+                <a:latin typeface="Fira Sans"/>
+              </a:rPr>
+              <a:t>RAID 1</a:t>
+            </a:r>
+            <a:endParaRPr i="1" lang="de-DE" sz="2600" spc="-1" strike="noStrike">
+              <a:solidFill>
+                <a:srgbClr val="333333"/>
+              </a:solidFill>
+              <a:uFill>
+                <a:solidFill>
+                  <a:srgbClr val="ffffff"/>
+                </a:solidFill>
+              </a:uFill>
+              <a:latin typeface="Fira Sans"/>
+            </a:endParaRPr>
+          </a:p>
+          <a:p>
+            <a:pPr marL="432000" indent="-324000">
+              <a:buClr>
+                <a:srgbClr val="000000"/>
+              </a:buClr>
+              <a:buSzPct val="45000"/>
+              <a:buFont typeface="Wingdings" charset="2"/>
+              <a:buChar char=""/>
+            </a:pPr>
+            <a:r>
+              <a:rPr i="1" lang="de-DE" sz="2600" spc="-1" strike="noStrike">
+                <a:solidFill>
+                  <a:srgbClr val="333333"/>
+                </a:solidFill>
+                <a:uFill>
+                  <a:solidFill>
+                    <a:srgbClr val="ffffff"/>
+                  </a:solidFill>
+                </a:uFill>
+                <a:latin typeface="Fira Sans"/>
+              </a:rPr>
+              <a:t>RAID 5</a:t>
+            </a:r>
+            <a:endParaRPr i="1" lang="de-DE" sz="2600" spc="-1" strike="noStrike">
+              <a:solidFill>
+                <a:srgbClr val="333333"/>
               </a:solidFill>
               <a:uFill>
                 <a:solidFill>
@@ -4975,14 +8257,14 @@
       </p:grpSpPr>
       <p:sp>
         <p:nvSpPr>
-          <p:cNvPr id="48" name="TextShape 1"/>
+          <p:cNvPr id="55" name="TextShape 1"/>
           <p:cNvSpPr txBox="1"/>
           <p:nvPr/>
         </p:nvSpPr>
         <p:spPr>
           <a:xfrm>
-            <a:off x="504000" y="854280"/>
-            <a:ext cx="9071640" cy="5851800"/>
+            <a:off x="504000" y="301320"/>
+            <a:ext cx="9071640" cy="1262160"/>
           </a:xfrm>
           <a:prstGeom prst="rect">
             <a:avLst/>
@@ -4999,20 +8281,148 @@
             <a:r>
               <a:rPr i="1" lang="de-DE" sz="3600" spc="-1" strike="noStrike">
                 <a:solidFill>
-                  <a:srgbClr val="1c1c1c"/>
-                </a:solidFill>
-                <a:uFill>
-                  <a:solidFill>
-                    <a:srgbClr val="ffffff"/>
-                  </a:solidFill>
-                </a:uFill>
-                <a:latin typeface="Fira Sans"/>
-              </a:rPr>
-              <a:t>RAIDS</a:t>
+                  <a:srgbClr val="333333"/>
+                </a:solidFill>
+                <a:uFill>
+                  <a:solidFill>
+                    <a:srgbClr val="ffffff"/>
+                  </a:solidFill>
+                </a:uFill>
+                <a:latin typeface="Fira Sans"/>
+              </a:rPr>
+              <a:t>FEHLERERKENNUNG (S.M.A.R.T.)</a:t>
             </a:r>
             <a:endParaRPr i="1" lang="de-DE" sz="3600" spc="-1" strike="noStrike">
               <a:solidFill>
-                <a:srgbClr val="1c1c1c"/>
+                <a:srgbClr val="333333"/>
+              </a:solidFill>
+              <a:uFill>
+                <a:solidFill>
+                  <a:srgbClr val="ffffff"/>
+                </a:solidFill>
+              </a:uFill>
+              <a:latin typeface="Ubuntu"/>
+            </a:endParaRPr>
+          </a:p>
+        </p:txBody>
+      </p:sp>
+      <p:sp>
+        <p:nvSpPr>
+          <p:cNvPr id="56" name="TextShape 2"/>
+          <p:cNvSpPr txBox="1"/>
+          <p:nvPr/>
+        </p:nvSpPr>
+        <p:spPr>
+          <a:xfrm>
+            <a:off x="504000" y="1769040"/>
+            <a:ext cx="9071640" cy="4384440"/>
+          </a:xfrm>
+          <a:prstGeom prst="rect">
+            <a:avLst/>
+          </a:prstGeom>
+          <a:noFill/>
+          <a:ln>
+            <a:noFill/>
+          </a:ln>
+        </p:spPr>
+        <p:txBody>
+          <a:bodyPr lIns="0" rIns="0" tIns="0" bIns="0"/>
+          <a:p>
+            <a:pPr marL="432000" indent="-324000">
+              <a:buClr>
+                <a:srgbClr val="333333"/>
+              </a:buClr>
+              <a:buSzPct val="45000"/>
+              <a:buFont typeface="Wingdings" charset="2"/>
+              <a:buChar char=""/>
+            </a:pPr>
+            <a:r>
+              <a:rPr i="1" lang="de-DE" sz="2600" spc="-1" strike="noStrike">
+                <a:solidFill>
+                  <a:srgbClr val="333333"/>
+                </a:solidFill>
+                <a:uFill>
+                  <a:solidFill>
+                    <a:srgbClr val="ffffff"/>
+                  </a:solidFill>
+                </a:uFill>
+                <a:latin typeface="Fira Sans"/>
+              </a:rPr>
+              <a:t>magnetisches Speichermedium</a:t>
+            </a:r>
+            <a:endParaRPr i="1" lang="de-DE" sz="2600" spc="-1" strike="noStrike">
+              <a:solidFill>
+                <a:srgbClr val="333333"/>
+              </a:solidFill>
+              <a:uFill>
+                <a:solidFill>
+                  <a:srgbClr val="ffffff"/>
+                </a:solidFill>
+              </a:uFill>
+              <a:latin typeface="Fira Sans"/>
+            </a:endParaRPr>
+          </a:p>
+          <a:p>
+            <a:pPr marL="432000" indent="-324000">
+              <a:buClr>
+                <a:srgbClr val="000000"/>
+              </a:buClr>
+              <a:buSzPct val="45000"/>
+              <a:buFont typeface="Wingdings" charset="2"/>
+              <a:buChar char=""/>
+            </a:pPr>
+            <a:r>
+              <a:rPr i="1" lang="de-DE" sz="2600" spc="-1" strike="noStrike">
+                <a:solidFill>
+                  <a:srgbClr val="333333"/>
+                </a:solidFill>
+                <a:uFill>
+                  <a:solidFill>
+                    <a:srgbClr val="ffffff"/>
+                  </a:solidFill>
+                </a:uFill>
+                <a:latin typeface="Fira Sans"/>
+              </a:rPr>
+              <a:t>Platte wird magnetisiert um Informationen zu speichern</a:t>
+            </a:r>
+            <a:endParaRPr i="1" lang="de-DE" sz="2600" spc="-1" strike="noStrike">
+              <a:solidFill>
+                <a:srgbClr val="333333"/>
+              </a:solidFill>
+              <a:uFill>
+                <a:solidFill>
+                  <a:srgbClr val="ffffff"/>
+                </a:solidFill>
+              </a:uFill>
+              <a:latin typeface="Fira Sans"/>
+            </a:endParaRPr>
+          </a:p>
+          <a:p>
+            <a:pPr marL="432000" indent="-324000">
+              <a:buClr>
+                <a:srgbClr val="000000"/>
+              </a:buClr>
+              <a:buSzPct val="45000"/>
+              <a:buFont typeface="Wingdings" charset="2"/>
+              <a:buChar char=""/>
+            </a:pPr>
+            <a:r>
+              <a:rPr i="1" lang="de-DE" sz="2600" spc="-1" strike="noStrike">
+                <a:solidFill>
+                  <a:srgbClr val="333333"/>
+                </a:solidFill>
+                <a:uFill>
+                  <a:solidFill>
+                    <a:srgbClr val="ffffff"/>
+                  </a:solidFill>
+                </a:uFill>
+                <a:latin typeface="Fira Sans"/>
+              </a:rPr>
+              <a:t>Lesen der Informationen erfolgt durch Abtasten der Magnetisierung (Remenanz)</a:t>
+            </a:r>
+            <a:endParaRPr i="1" lang="de-DE" sz="2600" spc="-1" strike="noStrike">
+              <a:solidFill>
+                <a:srgbClr val="333333"/>
               </a:solidFill>
               <a:uFill>
                 <a:solidFill>

--- a/WRK/presents/01 - types of drives/types of drives.pptx
+++ b/WRK/presents/01 - types of drives/types of drives.pptx
@@ -33,7 +33,6 @@
     <p:sldId id="281" r:id="rId28"/>
     <p:sldId id="282" r:id="rId29"/>
     <p:sldId id="283" r:id="rId30"/>
-    <p:sldId id="284" r:id="rId31"/>
   </p:sldIdLst>
   <p:sldSz cx="10080625" cy="7559675"/>
   <p:notesSz cx="7559675" cy="10691812"/>
@@ -102,7 +101,7 @@
           <a:bodyPr lIns="0" rIns="0" tIns="0" bIns="0" anchor="ctr"/>
           <a:p>
             <a:pPr algn="ctr"/>
-            <a:endParaRPr lang="de-DE" sz="4400" spc="-1" strike="noStrike">
+            <a:endParaRPr i="1" lang="de-DE" sz="3600" spc="-1" strike="noStrike">
               <a:solidFill>
                 <a:srgbClr val="000000"/>
               </a:solidFill>
@@ -111,7 +110,7 @@
                   <a:srgbClr val="ffffff"/>
                 </a:solidFill>
               </a:uFill>
-              <a:latin typeface="Arial"/>
+              <a:latin typeface="Fira Sans"/>
             </a:endParaRPr>
           </a:p>
         </p:txBody>
@@ -233,7 +232,7 @@
           <a:bodyPr lIns="0" rIns="0" tIns="0" bIns="0" anchor="ctr"/>
           <a:p>
             <a:pPr algn="ctr"/>
-            <a:endParaRPr lang="de-DE" sz="4400" spc="-1" strike="noStrike">
+            <a:endParaRPr i="1" lang="de-DE" sz="3600" spc="-1" strike="noStrike">
               <a:solidFill>
                 <a:srgbClr val="000000"/>
               </a:solidFill>
@@ -242,7 +241,7 @@
                   <a:srgbClr val="ffffff"/>
                 </a:solidFill>
               </a:uFill>
-              <a:latin typeface="Arial"/>
+              <a:latin typeface="Fira Sans"/>
             </a:endParaRPr>
           </a:p>
         </p:txBody>
@@ -436,7 +435,7 @@
           <a:bodyPr lIns="0" rIns="0" tIns="0" bIns="0" anchor="ctr"/>
           <a:p>
             <a:pPr algn="ctr"/>
-            <a:endParaRPr lang="de-DE" sz="4400" spc="-1" strike="noStrike">
+            <a:endParaRPr i="1" lang="de-DE" sz="3600" spc="-1" strike="noStrike">
               <a:solidFill>
                 <a:srgbClr val="000000"/>
               </a:solidFill>
@@ -445,7 +444,7 @@
                   <a:srgbClr val="ffffff"/>
                 </a:solidFill>
               </a:uFill>
-              <a:latin typeface="Arial"/>
+              <a:latin typeface="Fira Sans"/>
             </a:endParaRPr>
           </a:p>
         </p:txBody>
@@ -613,7 +612,7 @@
           <a:bodyPr lIns="0" rIns="0" tIns="0" bIns="0" anchor="ctr"/>
           <a:p>
             <a:pPr algn="ctr"/>
-            <a:endParaRPr lang="de-DE" sz="4400" spc="-1" strike="noStrike">
+            <a:endParaRPr i="1" lang="de-DE" sz="3600" spc="-1" strike="noStrike">
               <a:solidFill>
                 <a:srgbClr val="000000"/>
               </a:solidFill>
@@ -622,7 +621,7 @@
                   <a:srgbClr val="ffffff"/>
                 </a:solidFill>
               </a:uFill>
-              <a:latin typeface="Arial"/>
+              <a:latin typeface="Fira Sans"/>
             </a:endParaRPr>
           </a:p>
         </p:txBody>
@@ -709,7 +708,7 @@
           <a:bodyPr lIns="0" rIns="0" tIns="0" bIns="0" anchor="ctr"/>
           <a:p>
             <a:pPr algn="ctr"/>
-            <a:endParaRPr lang="de-DE" sz="4400" spc="-1" strike="noStrike">
+            <a:endParaRPr i="1" lang="de-DE" sz="3600" spc="-1" strike="noStrike">
               <a:solidFill>
                 <a:srgbClr val="000000"/>
               </a:solidFill>
@@ -718,7 +717,7 @@
                   <a:srgbClr val="ffffff"/>
                 </a:solidFill>
               </a:uFill>
-              <a:latin typeface="Arial"/>
+              <a:latin typeface="Fira Sans"/>
             </a:endParaRPr>
           </a:p>
         </p:txBody>
@@ -804,7 +803,7 @@
           <a:bodyPr lIns="0" rIns="0" tIns="0" bIns="0" anchor="ctr"/>
           <a:p>
             <a:pPr algn="ctr"/>
-            <a:endParaRPr lang="de-DE" sz="4400" spc="-1" strike="noStrike">
+            <a:endParaRPr i="1" lang="de-DE" sz="3600" spc="-1" strike="noStrike">
               <a:solidFill>
                 <a:srgbClr val="000000"/>
               </a:solidFill>
@@ -813,7 +812,7 @@
                   <a:srgbClr val="ffffff"/>
                 </a:solidFill>
               </a:uFill>
-              <a:latin typeface="Arial"/>
+              <a:latin typeface="Fira Sans"/>
             </a:endParaRPr>
           </a:p>
         </p:txBody>
@@ -935,7 +934,7 @@
           <a:bodyPr lIns="0" rIns="0" tIns="0" bIns="0" anchor="ctr"/>
           <a:p>
             <a:pPr algn="ctr"/>
-            <a:endParaRPr lang="de-DE" sz="4400" spc="-1" strike="noStrike">
+            <a:endParaRPr i="1" lang="de-DE" sz="3600" spc="-1" strike="noStrike">
               <a:solidFill>
                 <a:srgbClr val="000000"/>
               </a:solidFill>
@@ -944,7 +943,7 @@
                   <a:srgbClr val="ffffff"/>
                 </a:solidFill>
               </a:uFill>
-              <a:latin typeface="Arial"/>
+              <a:latin typeface="Fira Sans"/>
             </a:endParaRPr>
           </a:p>
         </p:txBody>
@@ -1053,7 +1052,7 @@
           <a:bodyPr lIns="0" rIns="0" tIns="0" bIns="0" anchor="ctr"/>
           <a:p>
             <a:pPr algn="ctr"/>
-            <a:endParaRPr lang="de-DE" sz="4400" spc="-1" strike="noStrike">
+            <a:endParaRPr i="1" lang="de-DE" sz="3600" spc="-1" strike="noStrike">
               <a:solidFill>
                 <a:srgbClr val="000000"/>
               </a:solidFill>
@@ -1062,7 +1061,7 @@
                   <a:srgbClr val="ffffff"/>
                 </a:solidFill>
               </a:uFill>
-              <a:latin typeface="Arial"/>
+              <a:latin typeface="Fira Sans"/>
             </a:endParaRPr>
           </a:p>
         </p:txBody>
@@ -1220,7 +1219,7 @@
           <a:bodyPr lIns="0" rIns="0" tIns="0" bIns="0" anchor="ctr"/>
           <a:p>
             <a:pPr algn="ctr"/>
-            <a:endParaRPr lang="de-DE" sz="4400" spc="-1" strike="noStrike">
+            <a:endParaRPr i="1" lang="de-DE" sz="3600" spc="-1" strike="noStrike">
               <a:solidFill>
                 <a:srgbClr val="000000"/>
               </a:solidFill>
@@ -1229,7 +1228,7 @@
                   <a:srgbClr val="ffffff"/>
                 </a:solidFill>
               </a:uFill>
-              <a:latin typeface="Arial"/>
+              <a:latin typeface="Fira Sans"/>
             </a:endParaRPr>
           </a:p>
         </p:txBody>
@@ -1387,7 +1386,7 @@
           <a:bodyPr lIns="0" rIns="0" tIns="0" bIns="0" anchor="ctr"/>
           <a:p>
             <a:pPr algn="ctr"/>
-            <a:endParaRPr lang="de-DE" sz="4400" spc="-1" strike="noStrike">
+            <a:endParaRPr i="1" lang="de-DE" sz="3600" spc="-1" strike="noStrike">
               <a:solidFill>
                 <a:srgbClr val="000000"/>
               </a:solidFill>
@@ -1396,7 +1395,7 @@
                   <a:srgbClr val="ffffff"/>
                 </a:solidFill>
               </a:uFill>
-              <a:latin typeface="Arial"/>
+              <a:latin typeface="Fira Sans"/>
             </a:endParaRPr>
           </a:p>
         </p:txBody>
@@ -1555,7 +1554,7 @@
           <a:p>
             <a:pPr algn="ctr"/>
             <a:r>
-              <a:rPr lang="de-DE" sz="4400" spc="-1" strike="noStrike">
+              <a:rPr i="1" lang="de-DE" sz="3600" spc="-1" strike="noStrike">
                 <a:solidFill>
                   <a:srgbClr val="000000"/>
                 </a:solidFill>
@@ -1564,11 +1563,11 @@
                     <a:srgbClr val="ffffff"/>
                   </a:solidFill>
                 </a:uFill>
-                <a:latin typeface="Arial"/>
+                <a:latin typeface="Fira Sans"/>
               </a:rPr>
               <a:t>Click to edit the title text format</a:t>
             </a:r>
-            <a:endParaRPr lang="de-DE" sz="4400" spc="-1" strike="noStrike">
+            <a:endParaRPr i="1" lang="de-DE" sz="3600" spc="-1" strike="noStrike">
               <a:solidFill>
                 <a:srgbClr val="000000"/>
               </a:solidFill>
@@ -1577,7 +1576,7 @@
                   <a:srgbClr val="ffffff"/>
                 </a:solidFill>
               </a:uFill>
-              <a:latin typeface="Arial"/>
+              <a:latin typeface="Fira Sans"/>
             </a:endParaRPr>
           </a:p>
         </p:txBody>
@@ -1974,7 +1973,7 @@
           <a:bodyPr lIns="0" rIns="0" tIns="0" bIns="0"/>
           <a:p>
             <a:pPr algn="r"/>
-            <a:fld id="{C685B450-4A8C-45F0-93D1-25ED8D30184F}" type="slidenum">
+            <a:fld id="{6BDBEEFA-8F7B-488A-B50D-12A71F937A24}" type="slidenum">
               <a:rPr lang="de-DE" sz="1400" spc="-1" strike="noStrike">
                 <a:solidFill>
                   <a:srgbClr val="000000"/>
@@ -2063,7 +2062,7 @@
           <a:p>
             <a:pPr algn="ctr"/>
             <a:r>
-              <a:rPr i="1" lang="de-DE" sz="3600" spc="-1" strike="noStrike">
+              <a:rPr b="1" i="1" lang="de-DE" sz="3600" spc="-1" strike="noStrike">
                 <a:solidFill>
                   <a:srgbClr val="333333"/>
                 </a:solidFill>
@@ -2076,7 +2075,7 @@
               </a:rPr>
               <a:t>FESTPLATTEN</a:t>
             </a:r>
-            <a:endParaRPr i="1" lang="de-DE" sz="3600" spc="-1" strike="noStrike">
+            <a:endParaRPr b="1" i="1" lang="de-DE" sz="3600" spc="-1" strike="noStrike">
               <a:solidFill>
                 <a:srgbClr val="333333"/>
               </a:solidFill>
@@ -2191,19 +2190,21 @@
       </p:grpSpPr>
       <p:sp>
         <p:nvSpPr>
-          <p:cNvPr id="57" name="TextShape 1"/>
+          <p:cNvPr id="58" name="TextShape 1"/>
           <p:cNvSpPr txBox="1"/>
           <p:nvPr/>
         </p:nvSpPr>
         <p:spPr>
           <a:xfrm>
             <a:off x="504000" y="301320"/>
-            <a:ext cx="9071640" cy="1262160"/>
-          </a:xfrm>
-          <a:prstGeom prst="rect">
-            <a:avLst/>
-          </a:prstGeom>
-          <a:noFill/>
+            <a:ext cx="9072000" cy="1080000"/>
+          </a:xfrm>
+          <a:prstGeom prst="rect">
+            <a:avLst/>
+          </a:prstGeom>
+          <a:solidFill>
+            <a:srgbClr val="eeeeee"/>
+          </a:solidFill>
           <a:ln>
             <a:noFill/>
           </a:ln>
@@ -2242,7 +2243,7 @@
       </p:sp>
       <p:sp>
         <p:nvSpPr>
-          <p:cNvPr id="58" name="TextShape 2"/>
+          <p:cNvPr id="59" name="TextShape 2"/>
           <p:cNvSpPr txBox="1"/>
           <p:nvPr/>
         </p:nvSpPr>
@@ -2282,77 +2283,7 @@
                 </a:uFill>
                 <a:latin typeface="Fira Sans"/>
               </a:rPr>
-              <a:t>magnetisches Speichermedium</a:t>
-            </a:r>
-            <a:endParaRPr i="1" lang="de-DE" sz="2600" spc="-1" strike="noStrike">
-              <a:solidFill>
-                <a:srgbClr val="333333"/>
-              </a:solidFill>
-              <a:uFill>
-                <a:solidFill>
-                  <a:srgbClr val="ffffff"/>
-                </a:solidFill>
-              </a:uFill>
-              <a:latin typeface="Fira Sans"/>
-            </a:endParaRPr>
-          </a:p>
-          <a:p>
-            <a:pPr marL="432000" indent="-324000">
-              <a:buClr>
-                <a:srgbClr val="000000"/>
-              </a:buClr>
-              <a:buSzPct val="45000"/>
-              <a:buFont typeface="Wingdings" charset="2"/>
-              <a:buChar char=""/>
-            </a:pPr>
-            <a:r>
-              <a:rPr i="1" lang="de-DE" sz="2600" spc="-1" strike="noStrike">
-                <a:solidFill>
-                  <a:srgbClr val="333333"/>
-                </a:solidFill>
-                <a:uFill>
-                  <a:solidFill>
-                    <a:srgbClr val="ffffff"/>
-                  </a:solidFill>
-                </a:uFill>
-                <a:latin typeface="Fira Sans"/>
-              </a:rPr>
-              <a:t>Platte wird magnetisiert um Informationen zu speichern</a:t>
-            </a:r>
-            <a:endParaRPr i="1" lang="de-DE" sz="2600" spc="-1" strike="noStrike">
-              <a:solidFill>
-                <a:srgbClr val="333333"/>
-              </a:solidFill>
-              <a:uFill>
-                <a:solidFill>
-                  <a:srgbClr val="ffffff"/>
-                </a:solidFill>
-              </a:uFill>
-              <a:latin typeface="Fira Sans"/>
-            </a:endParaRPr>
-          </a:p>
-          <a:p>
-            <a:pPr marL="432000" indent="-324000">
-              <a:buClr>
-                <a:srgbClr val="000000"/>
-              </a:buClr>
-              <a:buSzPct val="45000"/>
-              <a:buFont typeface="Wingdings" charset="2"/>
-              <a:buChar char=""/>
-            </a:pPr>
-            <a:r>
-              <a:rPr i="1" lang="de-DE" sz="2600" spc="-1" strike="noStrike">
-                <a:solidFill>
-                  <a:srgbClr val="333333"/>
-                </a:solidFill>
-                <a:uFill>
-                  <a:solidFill>
-                    <a:srgbClr val="ffffff"/>
-                  </a:solidFill>
-                </a:uFill>
-                <a:latin typeface="Fira Sans"/>
-              </a:rPr>
-              <a:t>Lesen der Informationen erfolgt durch Abtasten der Magnetisierung (Remenanz)</a:t>
+              <a:t>Yeahhhhhhh!</a:t>
             </a:r>
             <a:endParaRPr i="1" lang="de-DE" sz="2600" spc="-1" strike="noStrike">
               <a:solidFill>
@@ -2419,7 +2350,7 @@
       </p:grpSpPr>
       <p:sp>
         <p:nvSpPr>
-          <p:cNvPr id="59" name="TextShape 1"/>
+          <p:cNvPr id="60" name="TextShape 1"/>
           <p:cNvSpPr txBox="1"/>
           <p:nvPr/>
         </p:nvSpPr>
@@ -2441,7 +2372,7 @@
           <a:p>
             <a:pPr algn="ctr"/>
             <a:r>
-              <a:rPr i="1" lang="de-DE" sz="3600" spc="-1" strike="noStrike">
+              <a:rPr b="1" i="1" lang="de-DE" sz="3600" spc="-1" strike="noStrike">
                 <a:solidFill>
                   <a:srgbClr val="1c1c1c"/>
                 </a:solidFill>
@@ -2454,7 +2385,7 @@
               </a:rPr>
               <a:t>SOLID-STATE DRIVE</a:t>
             </a:r>
-            <a:endParaRPr i="1" lang="de-DE" sz="3600" spc="-1" strike="noStrike">
+            <a:endParaRPr b="1" i="1" lang="de-DE" sz="3600" spc="-1" strike="noStrike">
               <a:solidFill>
                 <a:srgbClr val="1c1c1c"/>
               </a:solidFill>
@@ -2469,7 +2400,7 @@
           <a:p>
             <a:pPr algn="ctr"/>
             <a:r>
-              <a:rPr i="1" lang="de-DE" sz="3600" spc="-1" strike="noStrike">
+              <a:rPr b="1" i="1" lang="de-DE" sz="3600" spc="-1" strike="noStrike">
                 <a:solidFill>
                   <a:srgbClr val="1c1c1c"/>
                 </a:solidFill>
@@ -2482,7 +2413,7 @@
               </a:rPr>
               <a:t>(SSD)</a:t>
             </a:r>
-            <a:endParaRPr i="1" lang="de-DE" sz="3600" spc="-1" strike="noStrike">
+            <a:endParaRPr b="1" i="1" lang="de-DE" sz="3600" spc="-1" strike="noStrike">
               <a:solidFill>
                 <a:srgbClr val="1c1c1c"/>
               </a:solidFill>
@@ -2547,19 +2478,21 @@
       </p:grpSpPr>
       <p:sp>
         <p:nvSpPr>
-          <p:cNvPr id="60" name="TextShape 1"/>
+          <p:cNvPr id="61" name="TextShape 1"/>
           <p:cNvSpPr txBox="1"/>
           <p:nvPr/>
         </p:nvSpPr>
         <p:spPr>
           <a:xfrm>
             <a:off x="504000" y="301320"/>
-            <a:ext cx="9071640" cy="1262160"/>
-          </a:xfrm>
-          <a:prstGeom prst="rect">
-            <a:avLst/>
-          </a:prstGeom>
-          <a:noFill/>
+            <a:ext cx="9072000" cy="1080000"/>
+          </a:xfrm>
+          <a:prstGeom prst="rect">
+            <a:avLst/>
+          </a:prstGeom>
+          <a:solidFill>
+            <a:srgbClr val="eeeeee"/>
+          </a:solidFill>
           <a:ln>
             <a:noFill/>
           </a:ln>
@@ -2598,7 +2531,7 @@
       </p:sp>
       <p:sp>
         <p:nvSpPr>
-          <p:cNvPr id="61" name="TextShape 2"/>
+          <p:cNvPr id="62" name="TextShape 2"/>
           <p:cNvSpPr txBox="1"/>
           <p:nvPr/>
         </p:nvSpPr>
@@ -2638,7 +2571,7 @@
                 </a:uFill>
                 <a:latin typeface="Fira Sans"/>
               </a:rPr>
-              <a:t>magnetisches Speichermedium</a:t>
+              <a:t>Keine beweglichen Teile</a:t>
             </a:r>
             <a:endParaRPr i="1" lang="de-DE" sz="2600" spc="-1" strike="noStrike">
               <a:solidFill>
@@ -2655,7 +2588,7 @@
           <a:p>
             <a:pPr marL="432000" indent="-324000">
               <a:buClr>
-                <a:srgbClr val="000000"/>
+                <a:srgbClr val="333333"/>
               </a:buClr>
               <a:buSzPct val="45000"/>
               <a:buFont typeface="Wingdings" charset="2"/>
@@ -2673,7 +2606,7 @@
                 </a:uFill>
                 <a:latin typeface="Fira Sans"/>
               </a:rPr>
-              <a:t>Platte wird magnetisiert um Informationen zu speichern</a:t>
+              <a:t>Keine Geräuscherzeugung</a:t>
             </a:r>
             <a:endParaRPr i="1" lang="de-DE" sz="2600" spc="-1" strike="noStrike">
               <a:solidFill>
@@ -2690,7 +2623,7 @@
           <a:p>
             <a:pPr marL="432000" indent="-324000">
               <a:buClr>
-                <a:srgbClr val="000000"/>
+                <a:srgbClr val="333333"/>
               </a:buClr>
               <a:buSzPct val="45000"/>
               <a:buFont typeface="Wingdings" charset="2"/>
@@ -2708,7 +2641,42 @@
                 </a:uFill>
                 <a:latin typeface="Fira Sans"/>
               </a:rPr>
-              <a:t>Lesen der Informationen erfolgt durch Abtasten der Magnetisierung (Remenanz)</a:t>
+              <a:t>Speicher basiert auf Flash (permanent) oder SDRAM (temporär)</a:t>
+            </a:r>
+            <a:endParaRPr i="1" lang="de-DE" sz="2600" spc="-1" strike="noStrike">
+              <a:solidFill>
+                <a:srgbClr val="333333"/>
+              </a:solidFill>
+              <a:uFill>
+                <a:solidFill>
+                  <a:srgbClr val="ffffff"/>
+                </a:solidFill>
+              </a:uFill>
+              <a:latin typeface="Fira Sans"/>
+            </a:endParaRPr>
+          </a:p>
+          <a:p>
+            <a:pPr marL="432000" indent="-324000">
+              <a:buClr>
+                <a:srgbClr val="333333"/>
+              </a:buClr>
+              <a:buSzPct val="45000"/>
+              <a:buFont typeface="Wingdings" charset="2"/>
+              <a:buChar char=""/>
+            </a:pPr>
+            <a:r>
+              <a:rPr i="1" lang="de-DE" sz="2600" spc="-1" strike="noStrike">
+                <a:solidFill>
+                  <a:srgbClr val="333333"/>
+                </a:solidFill>
+                <a:uFill>
+                  <a:solidFill>
+                    <a:srgbClr val="ffffff"/>
+                  </a:solidFill>
+                </a:uFill>
+                <a:latin typeface="Fira Sans"/>
+              </a:rPr>
+              <a:t>SDRAM wird für temporäre Speichermedien, wie RAM-Disks genutzt</a:t>
             </a:r>
             <a:endParaRPr i="1" lang="de-DE" sz="2600" spc="-1" strike="noStrike">
               <a:solidFill>
@@ -2775,19 +2743,21 @@
       </p:grpSpPr>
       <p:sp>
         <p:nvSpPr>
-          <p:cNvPr id="62" name="TextShape 1"/>
+          <p:cNvPr id="63" name="TextShape 1"/>
           <p:cNvSpPr txBox="1"/>
           <p:nvPr/>
         </p:nvSpPr>
         <p:spPr>
           <a:xfrm>
             <a:off x="504000" y="301320"/>
-            <a:ext cx="9071640" cy="1262160"/>
-          </a:xfrm>
-          <a:prstGeom prst="rect">
-            <a:avLst/>
-          </a:prstGeom>
-          <a:noFill/>
+            <a:ext cx="9072000" cy="1080000"/>
+          </a:xfrm>
+          <a:prstGeom prst="rect">
+            <a:avLst/>
+          </a:prstGeom>
+          <a:solidFill>
+            <a:srgbClr val="eeeeee"/>
+          </a:solidFill>
           <a:ln>
             <a:noFill/>
           </a:ln>
@@ -2826,7 +2796,7 @@
       </p:sp>
       <p:sp>
         <p:nvSpPr>
-          <p:cNvPr id="63" name="TextShape 2"/>
+          <p:cNvPr id="64" name="TextShape 2"/>
           <p:cNvSpPr txBox="1"/>
           <p:nvPr/>
         </p:nvSpPr>
@@ -2866,77 +2836,7 @@
                 </a:uFill>
                 <a:latin typeface="Fira Sans"/>
               </a:rPr>
-              <a:t>magnetisches Speichermedium</a:t>
-            </a:r>
-            <a:endParaRPr i="1" lang="de-DE" sz="2600" spc="-1" strike="noStrike">
-              <a:solidFill>
-                <a:srgbClr val="333333"/>
-              </a:solidFill>
-              <a:uFill>
-                <a:solidFill>
-                  <a:srgbClr val="ffffff"/>
-                </a:solidFill>
-              </a:uFill>
-              <a:latin typeface="Fira Sans"/>
-            </a:endParaRPr>
-          </a:p>
-          <a:p>
-            <a:pPr marL="432000" indent="-324000">
-              <a:buClr>
-                <a:srgbClr val="000000"/>
-              </a:buClr>
-              <a:buSzPct val="45000"/>
-              <a:buFont typeface="Wingdings" charset="2"/>
-              <a:buChar char=""/>
-            </a:pPr>
-            <a:r>
-              <a:rPr i="1" lang="de-DE" sz="2600" spc="-1" strike="noStrike">
-                <a:solidFill>
-                  <a:srgbClr val="333333"/>
-                </a:solidFill>
-                <a:uFill>
-                  <a:solidFill>
-                    <a:srgbClr val="ffffff"/>
-                  </a:solidFill>
-                </a:uFill>
-                <a:latin typeface="Fira Sans"/>
-              </a:rPr>
-              <a:t>Platte wird magnetisiert um Informationen zu speichern</a:t>
-            </a:r>
-            <a:endParaRPr i="1" lang="de-DE" sz="2600" spc="-1" strike="noStrike">
-              <a:solidFill>
-                <a:srgbClr val="333333"/>
-              </a:solidFill>
-              <a:uFill>
-                <a:solidFill>
-                  <a:srgbClr val="ffffff"/>
-                </a:solidFill>
-              </a:uFill>
-              <a:latin typeface="Fira Sans"/>
-            </a:endParaRPr>
-          </a:p>
-          <a:p>
-            <a:pPr marL="432000" indent="-324000">
-              <a:buClr>
-                <a:srgbClr val="000000"/>
-              </a:buClr>
-              <a:buSzPct val="45000"/>
-              <a:buFont typeface="Wingdings" charset="2"/>
-              <a:buChar char=""/>
-            </a:pPr>
-            <a:r>
-              <a:rPr i="1" lang="de-DE" sz="2600" spc="-1" strike="noStrike">
-                <a:solidFill>
-                  <a:srgbClr val="333333"/>
-                </a:solidFill>
-                <a:uFill>
-                  <a:solidFill>
-                    <a:srgbClr val="ffffff"/>
-                  </a:solidFill>
-                </a:uFill>
-                <a:latin typeface="Fira Sans"/>
-              </a:rPr>
-              <a:t>Lesen der Informationen erfolgt durch Abtasten der Magnetisierung (Remenanz)</a:t>
+              <a:t>m</a:t>
             </a:r>
             <a:endParaRPr i="1" lang="de-DE" sz="2600" spc="-1" strike="noStrike">
               <a:solidFill>
@@ -3003,19 +2903,21 @@
       </p:grpSpPr>
       <p:sp>
         <p:nvSpPr>
-          <p:cNvPr id="64" name="TextShape 1"/>
+          <p:cNvPr id="65" name="TextShape 1"/>
           <p:cNvSpPr txBox="1"/>
           <p:nvPr/>
         </p:nvSpPr>
         <p:spPr>
           <a:xfrm>
             <a:off x="504000" y="301320"/>
-            <a:ext cx="9071640" cy="1262160"/>
-          </a:xfrm>
-          <a:prstGeom prst="rect">
-            <a:avLst/>
-          </a:prstGeom>
-          <a:noFill/>
+            <a:ext cx="9072000" cy="1080000"/>
+          </a:xfrm>
+          <a:prstGeom prst="rect">
+            <a:avLst/>
+          </a:prstGeom>
+          <a:solidFill>
+            <a:srgbClr val="eeeeee"/>
+          </a:solidFill>
           <a:ln>
             <a:noFill/>
           </a:ln>
@@ -3054,7 +2956,7 @@
       </p:sp>
       <p:sp>
         <p:nvSpPr>
-          <p:cNvPr id="65" name="TextShape 2"/>
+          <p:cNvPr id="66" name="TextShape 2"/>
           <p:cNvSpPr txBox="1"/>
           <p:nvPr/>
         </p:nvSpPr>
@@ -3094,77 +2996,7 @@
                 </a:uFill>
                 <a:latin typeface="Fira Sans"/>
               </a:rPr>
-              <a:t>magnetisches Speichermedium</a:t>
-            </a:r>
-            <a:endParaRPr i="1" lang="de-DE" sz="2600" spc="-1" strike="noStrike">
-              <a:solidFill>
-                <a:srgbClr val="333333"/>
-              </a:solidFill>
-              <a:uFill>
-                <a:solidFill>
-                  <a:srgbClr val="ffffff"/>
-                </a:solidFill>
-              </a:uFill>
-              <a:latin typeface="Fira Sans"/>
-            </a:endParaRPr>
-          </a:p>
-          <a:p>
-            <a:pPr marL="432000" indent="-324000">
-              <a:buClr>
-                <a:srgbClr val="000000"/>
-              </a:buClr>
-              <a:buSzPct val="45000"/>
-              <a:buFont typeface="Wingdings" charset="2"/>
-              <a:buChar char=""/>
-            </a:pPr>
-            <a:r>
-              <a:rPr i="1" lang="de-DE" sz="2600" spc="-1" strike="noStrike">
-                <a:solidFill>
-                  <a:srgbClr val="333333"/>
-                </a:solidFill>
-                <a:uFill>
-                  <a:solidFill>
-                    <a:srgbClr val="ffffff"/>
-                  </a:solidFill>
-                </a:uFill>
-                <a:latin typeface="Fira Sans"/>
-              </a:rPr>
-              <a:t>Platte wird magnetisiert um Informationen zu speichern</a:t>
-            </a:r>
-            <a:endParaRPr i="1" lang="de-DE" sz="2600" spc="-1" strike="noStrike">
-              <a:solidFill>
-                <a:srgbClr val="333333"/>
-              </a:solidFill>
-              <a:uFill>
-                <a:solidFill>
-                  <a:srgbClr val="ffffff"/>
-                </a:solidFill>
-              </a:uFill>
-              <a:latin typeface="Fira Sans"/>
-            </a:endParaRPr>
-          </a:p>
-          <a:p>
-            <a:pPr marL="432000" indent="-324000">
-              <a:buClr>
-                <a:srgbClr val="000000"/>
-              </a:buClr>
-              <a:buSzPct val="45000"/>
-              <a:buFont typeface="Wingdings" charset="2"/>
-              <a:buChar char=""/>
-            </a:pPr>
-            <a:r>
-              <a:rPr i="1" lang="de-DE" sz="2600" spc="-1" strike="noStrike">
-                <a:solidFill>
-                  <a:srgbClr val="333333"/>
-                </a:solidFill>
-                <a:uFill>
-                  <a:solidFill>
-                    <a:srgbClr val="ffffff"/>
-                  </a:solidFill>
-                </a:uFill>
-                <a:latin typeface="Fira Sans"/>
-              </a:rPr>
-              <a:t>Lesen der Informationen erfolgt durch Abtasten der Magnetisierung (Remenanz)</a:t>
+              <a:t>m</a:t>
             </a:r>
             <a:endParaRPr i="1" lang="de-DE" sz="2600" spc="-1" strike="noStrike">
               <a:solidFill>
@@ -3231,19 +3063,21 @@
       </p:grpSpPr>
       <p:sp>
         <p:nvSpPr>
-          <p:cNvPr id="66" name="TextShape 1"/>
+          <p:cNvPr id="67" name="TextShape 1"/>
           <p:cNvSpPr txBox="1"/>
           <p:nvPr/>
         </p:nvSpPr>
         <p:spPr>
           <a:xfrm>
             <a:off x="504000" y="301320"/>
-            <a:ext cx="9071640" cy="1262160"/>
-          </a:xfrm>
-          <a:prstGeom prst="rect">
-            <a:avLst/>
-          </a:prstGeom>
-          <a:noFill/>
+            <a:ext cx="9072000" cy="1080000"/>
+          </a:xfrm>
+          <a:prstGeom prst="rect">
+            <a:avLst/>
+          </a:prstGeom>
+          <a:solidFill>
+            <a:srgbClr val="eeeeee"/>
+          </a:solidFill>
           <a:ln>
             <a:noFill/>
           </a:ln>
@@ -3282,7 +3116,7 @@
       </p:sp>
       <p:sp>
         <p:nvSpPr>
-          <p:cNvPr id="67" name="TextShape 2"/>
+          <p:cNvPr id="68" name="TextShape 2"/>
           <p:cNvSpPr txBox="1"/>
           <p:nvPr/>
         </p:nvSpPr>
@@ -3322,77 +3156,7 @@
                 </a:uFill>
                 <a:latin typeface="Fira Sans"/>
               </a:rPr>
-              <a:t>magnetisches Speichermedium</a:t>
-            </a:r>
-            <a:endParaRPr i="1" lang="de-DE" sz="2600" spc="-1" strike="noStrike">
-              <a:solidFill>
-                <a:srgbClr val="333333"/>
-              </a:solidFill>
-              <a:uFill>
-                <a:solidFill>
-                  <a:srgbClr val="ffffff"/>
-                </a:solidFill>
-              </a:uFill>
-              <a:latin typeface="Fira Sans"/>
-            </a:endParaRPr>
-          </a:p>
-          <a:p>
-            <a:pPr marL="432000" indent="-324000">
-              <a:buClr>
-                <a:srgbClr val="000000"/>
-              </a:buClr>
-              <a:buSzPct val="45000"/>
-              <a:buFont typeface="Wingdings" charset="2"/>
-              <a:buChar char=""/>
-            </a:pPr>
-            <a:r>
-              <a:rPr i="1" lang="de-DE" sz="2600" spc="-1" strike="noStrike">
-                <a:solidFill>
-                  <a:srgbClr val="333333"/>
-                </a:solidFill>
-                <a:uFill>
-                  <a:solidFill>
-                    <a:srgbClr val="ffffff"/>
-                  </a:solidFill>
-                </a:uFill>
-                <a:latin typeface="Fira Sans"/>
-              </a:rPr>
-              <a:t>Platte wird magnetisiert um Informationen zu speichern</a:t>
-            </a:r>
-            <a:endParaRPr i="1" lang="de-DE" sz="2600" spc="-1" strike="noStrike">
-              <a:solidFill>
-                <a:srgbClr val="333333"/>
-              </a:solidFill>
-              <a:uFill>
-                <a:solidFill>
-                  <a:srgbClr val="ffffff"/>
-                </a:solidFill>
-              </a:uFill>
-              <a:latin typeface="Fira Sans"/>
-            </a:endParaRPr>
-          </a:p>
-          <a:p>
-            <a:pPr marL="432000" indent="-324000">
-              <a:buClr>
-                <a:srgbClr val="000000"/>
-              </a:buClr>
-              <a:buSzPct val="45000"/>
-              <a:buFont typeface="Wingdings" charset="2"/>
-              <a:buChar char=""/>
-            </a:pPr>
-            <a:r>
-              <a:rPr i="1" lang="de-DE" sz="2600" spc="-1" strike="noStrike">
-                <a:solidFill>
-                  <a:srgbClr val="333333"/>
-                </a:solidFill>
-                <a:uFill>
-                  <a:solidFill>
-                    <a:srgbClr val="ffffff"/>
-                  </a:solidFill>
-                </a:uFill>
-                <a:latin typeface="Fira Sans"/>
-              </a:rPr>
-              <a:t>Lesen der Informationen erfolgt durch Abtasten der Magnetisierung (Remenanz)</a:t>
+              <a:t>m</a:t>
             </a:r>
             <a:endParaRPr i="1" lang="de-DE" sz="2600" spc="-1" strike="noStrike">
               <a:solidFill>
@@ -3459,19 +3223,21 @@
       </p:grpSpPr>
       <p:sp>
         <p:nvSpPr>
-          <p:cNvPr id="68" name="TextShape 1"/>
+          <p:cNvPr id="69" name="TextShape 1"/>
           <p:cNvSpPr txBox="1"/>
           <p:nvPr/>
         </p:nvSpPr>
         <p:spPr>
           <a:xfrm>
             <a:off x="504000" y="301320"/>
-            <a:ext cx="9071640" cy="1262160"/>
-          </a:xfrm>
-          <a:prstGeom prst="rect">
-            <a:avLst/>
-          </a:prstGeom>
-          <a:noFill/>
+            <a:ext cx="9072000" cy="1080000"/>
+          </a:xfrm>
+          <a:prstGeom prst="rect">
+            <a:avLst/>
+          </a:prstGeom>
+          <a:solidFill>
+            <a:srgbClr val="eeeeee"/>
+          </a:solidFill>
           <a:ln>
             <a:noFill/>
           </a:ln>
@@ -3510,7 +3276,7 @@
       </p:sp>
       <p:sp>
         <p:nvSpPr>
-          <p:cNvPr id="69" name="TextShape 2"/>
+          <p:cNvPr id="70" name="TextShape 2"/>
           <p:cNvSpPr txBox="1"/>
           <p:nvPr/>
         </p:nvSpPr>
@@ -3550,77 +3316,7 @@
                 </a:uFill>
                 <a:latin typeface="Fira Sans"/>
               </a:rPr>
-              <a:t>magnetisches Speichermedium</a:t>
-            </a:r>
-            <a:endParaRPr i="1" lang="de-DE" sz="2600" spc="-1" strike="noStrike">
-              <a:solidFill>
-                <a:srgbClr val="333333"/>
-              </a:solidFill>
-              <a:uFill>
-                <a:solidFill>
-                  <a:srgbClr val="ffffff"/>
-                </a:solidFill>
-              </a:uFill>
-              <a:latin typeface="Fira Sans"/>
-            </a:endParaRPr>
-          </a:p>
-          <a:p>
-            <a:pPr marL="432000" indent="-324000">
-              <a:buClr>
-                <a:srgbClr val="000000"/>
-              </a:buClr>
-              <a:buSzPct val="45000"/>
-              <a:buFont typeface="Wingdings" charset="2"/>
-              <a:buChar char=""/>
-            </a:pPr>
-            <a:r>
-              <a:rPr i="1" lang="de-DE" sz="2600" spc="-1" strike="noStrike">
-                <a:solidFill>
-                  <a:srgbClr val="333333"/>
-                </a:solidFill>
-                <a:uFill>
-                  <a:solidFill>
-                    <a:srgbClr val="ffffff"/>
-                  </a:solidFill>
-                </a:uFill>
-                <a:latin typeface="Fira Sans"/>
-              </a:rPr>
-              <a:t>Platte wird magnetisiert um Informationen zu speichern</a:t>
-            </a:r>
-            <a:endParaRPr i="1" lang="de-DE" sz="2600" spc="-1" strike="noStrike">
-              <a:solidFill>
-                <a:srgbClr val="333333"/>
-              </a:solidFill>
-              <a:uFill>
-                <a:solidFill>
-                  <a:srgbClr val="ffffff"/>
-                </a:solidFill>
-              </a:uFill>
-              <a:latin typeface="Fira Sans"/>
-            </a:endParaRPr>
-          </a:p>
-          <a:p>
-            <a:pPr marL="432000" indent="-324000">
-              <a:buClr>
-                <a:srgbClr val="000000"/>
-              </a:buClr>
-              <a:buSzPct val="45000"/>
-              <a:buFont typeface="Wingdings" charset="2"/>
-              <a:buChar char=""/>
-            </a:pPr>
-            <a:r>
-              <a:rPr i="1" lang="de-DE" sz="2600" spc="-1" strike="noStrike">
-                <a:solidFill>
-                  <a:srgbClr val="333333"/>
-                </a:solidFill>
-                <a:uFill>
-                  <a:solidFill>
-                    <a:srgbClr val="ffffff"/>
-                  </a:solidFill>
-                </a:uFill>
-                <a:latin typeface="Fira Sans"/>
-              </a:rPr>
-              <a:t>Lesen der Informationen erfolgt durch Abtasten der Magnetisierung (Remenanz)</a:t>
+              <a:t>m</a:t>
             </a:r>
             <a:endParaRPr i="1" lang="de-DE" sz="2600" spc="-1" strike="noStrike">
               <a:solidFill>
@@ -3687,19 +3383,21 @@
       </p:grpSpPr>
       <p:sp>
         <p:nvSpPr>
-          <p:cNvPr id="70" name="TextShape 1"/>
+          <p:cNvPr id="71" name="TextShape 1"/>
           <p:cNvSpPr txBox="1"/>
           <p:nvPr/>
         </p:nvSpPr>
         <p:spPr>
           <a:xfrm>
             <a:off x="504000" y="301320"/>
-            <a:ext cx="9071640" cy="1262160"/>
-          </a:xfrm>
-          <a:prstGeom prst="rect">
-            <a:avLst/>
-          </a:prstGeom>
-          <a:noFill/>
+            <a:ext cx="9072000" cy="1080000"/>
+          </a:xfrm>
+          <a:prstGeom prst="rect">
+            <a:avLst/>
+          </a:prstGeom>
+          <a:solidFill>
+            <a:srgbClr val="eeeeee"/>
+          </a:solidFill>
           <a:ln>
             <a:noFill/>
           </a:ln>
@@ -3738,7 +3436,7 @@
       </p:sp>
       <p:sp>
         <p:nvSpPr>
-          <p:cNvPr id="71" name="TextShape 2"/>
+          <p:cNvPr id="72" name="TextShape 2"/>
           <p:cNvSpPr txBox="1"/>
           <p:nvPr/>
         </p:nvSpPr>
@@ -3778,77 +3476,7 @@
                 </a:uFill>
                 <a:latin typeface="Fira Sans"/>
               </a:rPr>
-              <a:t>magnetisches Speichermedium</a:t>
-            </a:r>
-            <a:endParaRPr i="1" lang="de-DE" sz="2600" spc="-1" strike="noStrike">
-              <a:solidFill>
-                <a:srgbClr val="333333"/>
-              </a:solidFill>
-              <a:uFill>
-                <a:solidFill>
-                  <a:srgbClr val="ffffff"/>
-                </a:solidFill>
-              </a:uFill>
-              <a:latin typeface="Fira Sans"/>
-            </a:endParaRPr>
-          </a:p>
-          <a:p>
-            <a:pPr marL="432000" indent="-324000">
-              <a:buClr>
-                <a:srgbClr val="000000"/>
-              </a:buClr>
-              <a:buSzPct val="45000"/>
-              <a:buFont typeface="Wingdings" charset="2"/>
-              <a:buChar char=""/>
-            </a:pPr>
-            <a:r>
-              <a:rPr i="1" lang="de-DE" sz="2600" spc="-1" strike="noStrike">
-                <a:solidFill>
-                  <a:srgbClr val="333333"/>
-                </a:solidFill>
-                <a:uFill>
-                  <a:solidFill>
-                    <a:srgbClr val="ffffff"/>
-                  </a:solidFill>
-                </a:uFill>
-                <a:latin typeface="Fira Sans"/>
-              </a:rPr>
-              <a:t>Platte wird magnetisiert um Informationen zu speichern</a:t>
-            </a:r>
-            <a:endParaRPr i="1" lang="de-DE" sz="2600" spc="-1" strike="noStrike">
-              <a:solidFill>
-                <a:srgbClr val="333333"/>
-              </a:solidFill>
-              <a:uFill>
-                <a:solidFill>
-                  <a:srgbClr val="ffffff"/>
-                </a:solidFill>
-              </a:uFill>
-              <a:latin typeface="Fira Sans"/>
-            </a:endParaRPr>
-          </a:p>
-          <a:p>
-            <a:pPr marL="432000" indent="-324000">
-              <a:buClr>
-                <a:srgbClr val="000000"/>
-              </a:buClr>
-              <a:buSzPct val="45000"/>
-              <a:buFont typeface="Wingdings" charset="2"/>
-              <a:buChar char=""/>
-            </a:pPr>
-            <a:r>
-              <a:rPr i="1" lang="de-DE" sz="2600" spc="-1" strike="noStrike">
-                <a:solidFill>
-                  <a:srgbClr val="333333"/>
-                </a:solidFill>
-                <a:uFill>
-                  <a:solidFill>
-                    <a:srgbClr val="ffffff"/>
-                  </a:solidFill>
-                </a:uFill>
-                <a:latin typeface="Fira Sans"/>
-              </a:rPr>
-              <a:t>Lesen der Informationen erfolgt durch Abtasten der Magnetisierung (Remenanz)</a:t>
+              <a:t>m</a:t>
             </a:r>
             <a:endParaRPr i="1" lang="de-DE" sz="2600" spc="-1" strike="noStrike">
               <a:solidFill>
@@ -3915,19 +3543,21 @@
       </p:grpSpPr>
       <p:sp>
         <p:nvSpPr>
-          <p:cNvPr id="72" name="TextShape 1"/>
+          <p:cNvPr id="73" name="TextShape 1"/>
           <p:cNvSpPr txBox="1"/>
           <p:nvPr/>
         </p:nvSpPr>
         <p:spPr>
           <a:xfrm>
             <a:off x="504000" y="301320"/>
-            <a:ext cx="9071640" cy="1262160"/>
-          </a:xfrm>
-          <a:prstGeom prst="rect">
-            <a:avLst/>
-          </a:prstGeom>
-          <a:noFill/>
+            <a:ext cx="9072000" cy="1080000"/>
+          </a:xfrm>
+          <a:prstGeom prst="rect">
+            <a:avLst/>
+          </a:prstGeom>
+          <a:solidFill>
+            <a:srgbClr val="eeeeee"/>
+          </a:solidFill>
           <a:ln>
             <a:noFill/>
           </a:ln>
@@ -3948,7 +3578,7 @@
                 </a:uFill>
                 <a:latin typeface="Fira Sans"/>
               </a:rPr>
-              <a:t>FEHLERERKENNUNG</a:t>
+              <a:t>VOR-/NACHTEILE BEZÜGLICH HDD</a:t>
             </a:r>
             <a:endParaRPr i="1" lang="de-DE" sz="3600" spc="-1" strike="noStrike">
               <a:solidFill>
@@ -3966,7 +3596,7 @@
       </p:sp>
       <p:sp>
         <p:nvSpPr>
-          <p:cNvPr id="73" name="TextShape 2"/>
+          <p:cNvPr id="74" name="TextShape 2"/>
           <p:cNvSpPr txBox="1"/>
           <p:nvPr/>
         </p:nvSpPr>
@@ -4006,77 +3636,7 @@
                 </a:uFill>
                 <a:latin typeface="Fira Sans"/>
               </a:rPr>
-              <a:t>magnetisches Speichermedium</a:t>
-            </a:r>
-            <a:endParaRPr i="1" lang="de-DE" sz="2600" spc="-1" strike="noStrike">
-              <a:solidFill>
-                <a:srgbClr val="333333"/>
-              </a:solidFill>
-              <a:uFill>
-                <a:solidFill>
-                  <a:srgbClr val="ffffff"/>
-                </a:solidFill>
-              </a:uFill>
-              <a:latin typeface="Fira Sans"/>
-            </a:endParaRPr>
-          </a:p>
-          <a:p>
-            <a:pPr marL="432000" indent="-324000">
-              <a:buClr>
-                <a:srgbClr val="000000"/>
-              </a:buClr>
-              <a:buSzPct val="45000"/>
-              <a:buFont typeface="Wingdings" charset="2"/>
-              <a:buChar char=""/>
-            </a:pPr>
-            <a:r>
-              <a:rPr i="1" lang="de-DE" sz="2600" spc="-1" strike="noStrike">
-                <a:solidFill>
-                  <a:srgbClr val="333333"/>
-                </a:solidFill>
-                <a:uFill>
-                  <a:solidFill>
-                    <a:srgbClr val="ffffff"/>
-                  </a:solidFill>
-                </a:uFill>
-                <a:latin typeface="Fira Sans"/>
-              </a:rPr>
-              <a:t>Platte wird magnetisiert um Informationen zu speichern</a:t>
-            </a:r>
-            <a:endParaRPr i="1" lang="de-DE" sz="2600" spc="-1" strike="noStrike">
-              <a:solidFill>
-                <a:srgbClr val="333333"/>
-              </a:solidFill>
-              <a:uFill>
-                <a:solidFill>
-                  <a:srgbClr val="ffffff"/>
-                </a:solidFill>
-              </a:uFill>
-              <a:latin typeface="Fira Sans"/>
-            </a:endParaRPr>
-          </a:p>
-          <a:p>
-            <a:pPr marL="432000" indent="-324000">
-              <a:buClr>
-                <a:srgbClr val="000000"/>
-              </a:buClr>
-              <a:buSzPct val="45000"/>
-              <a:buFont typeface="Wingdings" charset="2"/>
-              <a:buChar char=""/>
-            </a:pPr>
-            <a:r>
-              <a:rPr i="1" lang="de-DE" sz="2600" spc="-1" strike="noStrike">
-                <a:solidFill>
-                  <a:srgbClr val="333333"/>
-                </a:solidFill>
-                <a:uFill>
-                  <a:solidFill>
-                    <a:srgbClr val="ffffff"/>
-                  </a:solidFill>
-                </a:uFill>
-                <a:latin typeface="Fira Sans"/>
-              </a:rPr>
-              <a:t>Lesen der Informationen erfolgt durch Abtasten der Magnetisierung (Remenanz)</a:t>
+              <a:t>m</a:t>
             </a:r>
             <a:endParaRPr i="1" lang="de-DE" sz="2600" spc="-1" strike="noStrike">
               <a:solidFill>
@@ -4143,19 +3703,21 @@
       </p:grpSpPr>
       <p:sp>
         <p:nvSpPr>
-          <p:cNvPr id="74" name="TextShape 1"/>
+          <p:cNvPr id="75" name="TextShape 1"/>
           <p:cNvSpPr txBox="1"/>
           <p:nvPr/>
         </p:nvSpPr>
         <p:spPr>
           <a:xfrm>
             <a:off x="504000" y="301320"/>
-            <a:ext cx="9071640" cy="1262160"/>
-          </a:xfrm>
-          <a:prstGeom prst="rect">
-            <a:avLst/>
-          </a:prstGeom>
-          <a:noFill/>
+            <a:ext cx="9072000" cy="1080000"/>
+          </a:xfrm>
+          <a:prstGeom prst="rect">
+            <a:avLst/>
+          </a:prstGeom>
+          <a:solidFill>
+            <a:srgbClr val="eeeeee"/>
+          </a:solidFill>
           <a:ln>
             <a:noFill/>
           </a:ln>
@@ -4176,7 +3738,7 @@
                 </a:uFill>
                 <a:latin typeface="Fira Sans"/>
               </a:rPr>
-              <a:t>VOR-/NACHTEILE BEZÜGLICH HDD</a:t>
+              <a:t>EINSATZGEBIETE</a:t>
             </a:r>
             <a:endParaRPr i="1" lang="de-DE" sz="3600" spc="-1" strike="noStrike">
               <a:solidFill>
@@ -4194,7 +3756,7 @@
       </p:sp>
       <p:sp>
         <p:nvSpPr>
-          <p:cNvPr id="75" name="TextShape 2"/>
+          <p:cNvPr id="76" name="TextShape 2"/>
           <p:cNvSpPr txBox="1"/>
           <p:nvPr/>
         </p:nvSpPr>
@@ -4234,77 +3796,7 @@
                 </a:uFill>
                 <a:latin typeface="Fira Sans"/>
               </a:rPr>
-              <a:t>magnetisches Speichermedium</a:t>
-            </a:r>
-            <a:endParaRPr i="1" lang="de-DE" sz="2600" spc="-1" strike="noStrike">
-              <a:solidFill>
-                <a:srgbClr val="333333"/>
-              </a:solidFill>
-              <a:uFill>
-                <a:solidFill>
-                  <a:srgbClr val="ffffff"/>
-                </a:solidFill>
-              </a:uFill>
-              <a:latin typeface="Fira Sans"/>
-            </a:endParaRPr>
-          </a:p>
-          <a:p>
-            <a:pPr marL="432000" indent="-324000">
-              <a:buClr>
-                <a:srgbClr val="000000"/>
-              </a:buClr>
-              <a:buSzPct val="45000"/>
-              <a:buFont typeface="Wingdings" charset="2"/>
-              <a:buChar char=""/>
-            </a:pPr>
-            <a:r>
-              <a:rPr i="1" lang="de-DE" sz="2600" spc="-1" strike="noStrike">
-                <a:solidFill>
-                  <a:srgbClr val="333333"/>
-                </a:solidFill>
-                <a:uFill>
-                  <a:solidFill>
-                    <a:srgbClr val="ffffff"/>
-                  </a:solidFill>
-                </a:uFill>
-                <a:latin typeface="Fira Sans"/>
-              </a:rPr>
-              <a:t>Platte wird magnetisiert um Informationen zu speichern</a:t>
-            </a:r>
-            <a:endParaRPr i="1" lang="de-DE" sz="2600" spc="-1" strike="noStrike">
-              <a:solidFill>
-                <a:srgbClr val="333333"/>
-              </a:solidFill>
-              <a:uFill>
-                <a:solidFill>
-                  <a:srgbClr val="ffffff"/>
-                </a:solidFill>
-              </a:uFill>
-              <a:latin typeface="Fira Sans"/>
-            </a:endParaRPr>
-          </a:p>
-          <a:p>
-            <a:pPr marL="432000" indent="-324000">
-              <a:buClr>
-                <a:srgbClr val="000000"/>
-              </a:buClr>
-              <a:buSzPct val="45000"/>
-              <a:buFont typeface="Wingdings" charset="2"/>
-              <a:buChar char=""/>
-            </a:pPr>
-            <a:r>
-              <a:rPr i="1" lang="de-DE" sz="2600" spc="-1" strike="noStrike">
-                <a:solidFill>
-                  <a:srgbClr val="333333"/>
-                </a:solidFill>
-                <a:uFill>
-                  <a:solidFill>
-                    <a:srgbClr val="ffffff"/>
-                  </a:solidFill>
-                </a:uFill>
-                <a:latin typeface="Fira Sans"/>
-              </a:rPr>
-              <a:t>Lesen der Informationen erfolgt durch Abtasten der Magnetisierung (Remenanz)</a:t>
+              <a:t>m</a:t>
             </a:r>
             <a:endParaRPr i="1" lang="de-DE" sz="2600" spc="-1" strike="noStrike">
               <a:solidFill>
@@ -4377,8 +3869,61 @@
         </p:nvSpPr>
         <p:spPr>
           <a:xfrm>
-            <a:off x="504000" y="854280"/>
-            <a:ext cx="9071640" cy="5851800"/>
+            <a:off x="504000" y="301320"/>
+            <a:ext cx="9072000" cy="1080000"/>
+          </a:xfrm>
+          <a:prstGeom prst="rect">
+            <a:avLst/>
+          </a:prstGeom>
+          <a:solidFill>
+            <a:srgbClr val="eeeeee"/>
+          </a:solidFill>
+          <a:ln>
+            <a:noFill/>
+          </a:ln>
+        </p:spPr>
+        <p:txBody>
+          <a:bodyPr lIns="0" rIns="0" tIns="0" bIns="0" anchor="ctr"/>
+          <a:p>
+            <a:pPr algn="ctr"/>
+            <a:r>
+              <a:rPr i="1" lang="de-DE" sz="3600" spc="-1" strike="noStrike">
+                <a:solidFill>
+                  <a:srgbClr val="000000"/>
+                </a:solidFill>
+                <a:uFill>
+                  <a:solidFill>
+                    <a:srgbClr val="ffffff"/>
+                  </a:solidFill>
+                </a:uFill>
+                <a:latin typeface="Fira Sans"/>
+              </a:rPr>
+              <a:t>SCHNITTSTELLEN</a:t>
+            </a:r>
+            <a:endParaRPr i="1" lang="de-DE" sz="3600" spc="-1" strike="noStrike">
+              <a:solidFill>
+                <a:srgbClr val="000000"/>
+              </a:solidFill>
+              <a:uFill>
+                <a:solidFill>
+                  <a:srgbClr val="ffffff"/>
+                </a:solidFill>
+              </a:uFill>
+              <a:latin typeface="Fira Sans"/>
+            </a:endParaRPr>
+          </a:p>
+        </p:txBody>
+      </p:sp>
+      <p:sp>
+        <p:nvSpPr>
+          <p:cNvPr id="42" name="TextShape 2"/>
+          <p:cNvSpPr txBox="1"/>
+          <p:nvPr/>
+        </p:nvSpPr>
+        <p:spPr>
+          <a:xfrm>
+            <a:off x="504000" y="1769040"/>
+            <a:ext cx="9071640" cy="4384440"/>
           </a:xfrm>
           <a:prstGeom prst="rect">
             <a:avLst/>
@@ -4389,11 +3934,18 @@
           </a:ln>
         </p:spPr>
         <p:txBody>
-          <a:bodyPr lIns="0" rIns="0" tIns="0" bIns="0" anchor="ctr"/>
-          <a:p>
-            <a:pPr algn="ctr"/>
-            <a:r>
-              <a:rPr i="1" lang="de-DE" sz="3600" spc="-1" strike="noStrike">
+          <a:bodyPr lIns="0" rIns="0" tIns="0" bIns="0"/>
+          <a:p>
+            <a:pPr marL="432000" indent="-324000">
+              <a:buClr>
+                <a:srgbClr val="333333"/>
+              </a:buClr>
+              <a:buSzPct val="45000"/>
+              <a:buFont typeface="Wingdings" charset="2"/>
+              <a:buChar char=""/>
+            </a:pPr>
+            <a:r>
+              <a:rPr i="1" lang="de-DE" sz="2600" spc="-1" strike="noStrike">
                 <a:solidFill>
                   <a:srgbClr val="333333"/>
                 </a:solidFill>
@@ -4404,9 +3956,9 @@
                 </a:uFill>
                 <a:latin typeface="Fira Sans"/>
               </a:rPr>
-              <a:t>DIE NAMENTLICHE FESTPLATTE</a:t>
-            </a:r>
-            <a:endParaRPr i="1" lang="de-DE" sz="3600" spc="-1" strike="noStrike">
+              <a:t>SATA</a:t>
+            </a:r>
+            <a:endParaRPr i="1" lang="de-DE" sz="2600" spc="-1" strike="noStrike">
               <a:solidFill>
                 <a:srgbClr val="333333"/>
               </a:solidFill>
@@ -4419,9 +3971,16 @@
             </a:endParaRPr>
           </a:p>
           <a:p>
-            <a:pPr algn="ctr"/>
-            <a:r>
-              <a:rPr i="1" lang="de-DE" sz="3600" spc="-1" strike="noStrike">
+            <a:pPr marL="432000" indent="-324000">
+              <a:buClr>
+                <a:srgbClr val="333333"/>
+              </a:buClr>
+              <a:buSzPct val="45000"/>
+              <a:buFont typeface="Wingdings" charset="2"/>
+              <a:buChar char=""/>
+            </a:pPr>
+            <a:r>
+              <a:rPr i="1" lang="de-DE" sz="2600" spc="-1" strike="noStrike">
                 <a:solidFill>
                   <a:srgbClr val="333333"/>
                 </a:solidFill>
@@ -4432,9 +3991,9 @@
                 </a:uFill>
                 <a:latin typeface="Fira Sans"/>
               </a:rPr>
-              <a:t>(HDD)</a:t>
-            </a:r>
-            <a:endParaRPr i="1" lang="de-DE" sz="3600" spc="-1" strike="noStrike">
+              <a:t>Small Computer System Interface (SCSI)</a:t>
+            </a:r>
+            <a:endParaRPr i="1" lang="de-DE" sz="2600" spc="-1" strike="noStrike">
               <a:solidFill>
                 <a:srgbClr val="333333"/>
               </a:solidFill>
@@ -4444,6 +4003,218 @@
                 </a:solidFill>
               </a:uFill>
               <a:latin typeface="Fira Sans"/>
+            </a:endParaRPr>
+          </a:p>
+          <a:p>
+            <a:pPr marL="432000" indent="-324000">
+              <a:buClr>
+                <a:srgbClr val="333333"/>
+              </a:buClr>
+              <a:buSzPct val="45000"/>
+              <a:buFont typeface="Wingdings" charset="2"/>
+              <a:buChar char=""/>
+            </a:pPr>
+            <a:r>
+              <a:rPr i="1" lang="de-DE" sz="2600" spc="-1" strike="noStrike">
+                <a:solidFill>
+                  <a:srgbClr val="333333"/>
+                </a:solidFill>
+                <a:uFill>
+                  <a:solidFill>
+                    <a:srgbClr val="ffffff"/>
+                  </a:solidFill>
+                </a:uFill>
+                <a:latin typeface="Fira Sans"/>
+              </a:rPr>
+              <a:t>Serial Attached SCSI (SAS)</a:t>
+            </a:r>
+            <a:endParaRPr i="1" lang="de-DE" sz="2600" spc="-1" strike="noStrike">
+              <a:solidFill>
+                <a:srgbClr val="333333"/>
+              </a:solidFill>
+              <a:uFill>
+                <a:solidFill>
+                  <a:srgbClr val="ffffff"/>
+                </a:solidFill>
+              </a:uFill>
+              <a:latin typeface="Fira Sans"/>
+            </a:endParaRPr>
+          </a:p>
+          <a:p>
+            <a:pPr marL="432000" indent="-324000">
+              <a:buClr>
+                <a:srgbClr val="333333"/>
+              </a:buClr>
+              <a:buSzPct val="45000"/>
+              <a:buFont typeface="Wingdings" charset="2"/>
+              <a:buChar char=""/>
+            </a:pPr>
+            <a:r>
+              <a:rPr i="1" lang="de-DE" sz="2600" spc="-1" strike="noStrike">
+                <a:solidFill>
+                  <a:srgbClr val="333333"/>
+                </a:solidFill>
+                <a:uFill>
+                  <a:solidFill>
+                    <a:srgbClr val="ffffff"/>
+                  </a:solidFill>
+                </a:uFill>
+                <a:latin typeface="Fira Sans"/>
+              </a:rPr>
+              <a:t>Parallel SCSI (SPI)</a:t>
+            </a:r>
+            <a:endParaRPr i="1" lang="de-DE" sz="2600" spc="-1" strike="noStrike">
+              <a:solidFill>
+                <a:srgbClr val="333333"/>
+              </a:solidFill>
+              <a:uFill>
+                <a:solidFill>
+                  <a:srgbClr val="ffffff"/>
+                </a:solidFill>
+              </a:uFill>
+              <a:latin typeface="Fira Sans"/>
+            </a:endParaRPr>
+          </a:p>
+          <a:p>
+            <a:pPr marL="432000" indent="-324000">
+              <a:buClr>
+                <a:srgbClr val="333333"/>
+              </a:buClr>
+              <a:buSzPct val="45000"/>
+              <a:buFont typeface="Wingdings" charset="2"/>
+              <a:buChar char=""/>
+            </a:pPr>
+            <a:r>
+              <a:rPr i="1" lang="de-DE" sz="2600" spc="-1" strike="noStrike">
+                <a:solidFill>
+                  <a:srgbClr val="333333"/>
+                </a:solidFill>
+                <a:uFill>
+                  <a:solidFill>
+                    <a:srgbClr val="ffffff"/>
+                  </a:solidFill>
+                </a:uFill>
+                <a:latin typeface="Fira Sans"/>
+              </a:rPr>
+              <a:t>Fibre-Channel-Interface</a:t>
+            </a:r>
+            <a:endParaRPr i="1" lang="de-DE" sz="2600" spc="-1" strike="noStrike">
+              <a:solidFill>
+                <a:srgbClr val="333333"/>
+              </a:solidFill>
+              <a:uFill>
+                <a:solidFill>
+                  <a:srgbClr val="ffffff"/>
+                </a:solidFill>
+              </a:uFill>
+              <a:latin typeface="Fira Sans"/>
+            </a:endParaRPr>
+          </a:p>
+        </p:txBody>
+      </p:sp>
+      <p:sp>
+        <p:nvSpPr>
+          <p:cNvPr id="43" name="TextShape 3"/>
+          <p:cNvSpPr txBox="1"/>
+          <p:nvPr/>
+        </p:nvSpPr>
+        <p:spPr>
+          <a:xfrm>
+            <a:off x="6480000" y="7056000"/>
+            <a:ext cx="3364200" cy="305640"/>
+          </a:xfrm>
+          <a:prstGeom prst="rect">
+            <a:avLst/>
+          </a:prstGeom>
+          <a:noFill/>
+          <a:ln>
+            <a:noFill/>
+          </a:ln>
+        </p:spPr>
+        <p:txBody>
+          <a:bodyPr lIns="90000" rIns="90000" tIns="45000" bIns="45000"/>
+          <a:p>
+            <a:pPr algn="r"/>
+            <a:r>
+              <a:rPr i="1" lang="de-DE" sz="1400" spc="-1" strike="noStrike">
+                <a:solidFill>
+                  <a:srgbClr val="666666"/>
+                </a:solidFill>
+                <a:uFill>
+                  <a:solidFill>
+                    <a:srgbClr val="ffffff"/>
+                  </a:solidFill>
+                </a:uFill>
+                <a:latin typeface="Fira Sans"/>
+              </a:rPr>
+              <a:t>1 – HDD</a:t>
+            </a:r>
+            <a:r>
+              <a:rPr i="1" lang="de-DE" sz="1400" spc="-1" strike="noStrike">
+                <a:solidFill>
+                  <a:srgbClr val="666666"/>
+                </a:solidFill>
+                <a:uFill>
+                  <a:solidFill>
+                    <a:srgbClr val="ffffff"/>
+                  </a:solidFill>
+                </a:uFill>
+                <a:latin typeface="Fira Sans"/>
+              </a:rPr>
+              <a:t>	</a:t>
+            </a:r>
+            <a:r>
+              <a:rPr i="1" lang="de-DE" sz="1400" spc="-1" strike="noStrike">
+                <a:solidFill>
+                  <a:srgbClr val="666666"/>
+                </a:solidFill>
+                <a:uFill>
+                  <a:solidFill>
+                    <a:srgbClr val="ffffff"/>
+                  </a:solidFill>
+                </a:uFill>
+                <a:latin typeface="Fira Sans"/>
+              </a:rPr>
+              <a:t>2 – SSD</a:t>
+            </a:r>
+            <a:r>
+              <a:rPr i="1" lang="de-DE" sz="1400" spc="-1" strike="noStrike">
+                <a:solidFill>
+                  <a:srgbClr val="666666"/>
+                </a:solidFill>
+                <a:uFill>
+                  <a:solidFill>
+                    <a:srgbClr val="ffffff"/>
+                  </a:solidFill>
+                </a:uFill>
+                <a:latin typeface="Fira Sans"/>
+              </a:rPr>
+              <a:t>	</a:t>
+            </a:r>
+            <a:r>
+              <a:rPr i="1" lang="de-DE" sz="1400" spc="-1" strike="noStrike">
+                <a:solidFill>
+                  <a:srgbClr val="666666"/>
+                </a:solidFill>
+                <a:uFill>
+                  <a:solidFill>
+                    <a:srgbClr val="ffffff"/>
+                  </a:solidFill>
+                </a:uFill>
+                <a:latin typeface="Fira Sans"/>
+              </a:rPr>
+              <a:t>3 – SS/HD</a:t>
+            </a:r>
+            <a:endParaRPr lang="de-DE" sz="1800" spc="-1" strike="noStrike">
+              <a:solidFill>
+                <a:srgbClr val="666666"/>
+              </a:solidFill>
+              <a:uFill>
+                <a:solidFill>
+                  <a:srgbClr val="ffffff"/>
+                </a:solidFill>
+              </a:uFill>
+              <a:latin typeface="Arial"/>
             </a:endParaRPr>
           </a:p>
         </p:txBody>
@@ -4499,19 +4270,21 @@
       </p:grpSpPr>
       <p:sp>
         <p:nvSpPr>
-          <p:cNvPr id="76" name="TextShape 1"/>
+          <p:cNvPr id="77" name="TextShape 1"/>
           <p:cNvSpPr txBox="1"/>
           <p:nvPr/>
         </p:nvSpPr>
         <p:spPr>
           <a:xfrm>
             <a:off x="504000" y="301320"/>
-            <a:ext cx="9071640" cy="1262160"/>
-          </a:xfrm>
-          <a:prstGeom prst="rect">
-            <a:avLst/>
-          </a:prstGeom>
-          <a:noFill/>
+            <a:ext cx="9072000" cy="1080000"/>
+          </a:xfrm>
+          <a:prstGeom prst="rect">
+            <a:avLst/>
+          </a:prstGeom>
+          <a:solidFill>
+            <a:srgbClr val="eeeeee"/>
+          </a:solidFill>
           <a:ln>
             <a:noFill/>
           </a:ln>
@@ -4532,7 +4305,7 @@
                 </a:uFill>
                 <a:latin typeface="Fira Sans"/>
               </a:rPr>
-              <a:t>EINSATZGEBIETE</a:t>
+              <a:t>FAZIT (SSD)</a:t>
             </a:r>
             <a:endParaRPr i="1" lang="de-DE" sz="3600" spc="-1" strike="noStrike">
               <a:solidFill>
@@ -4550,7 +4323,7 @@
       </p:sp>
       <p:sp>
         <p:nvSpPr>
-          <p:cNvPr id="77" name="TextShape 2"/>
+          <p:cNvPr id="78" name="TextShape 2"/>
           <p:cNvSpPr txBox="1"/>
           <p:nvPr/>
         </p:nvSpPr>
@@ -4590,77 +4363,7 @@
                 </a:uFill>
                 <a:latin typeface="Fira Sans"/>
               </a:rPr>
-              <a:t>magnetisches Speichermedium</a:t>
-            </a:r>
-            <a:endParaRPr i="1" lang="de-DE" sz="2600" spc="-1" strike="noStrike">
-              <a:solidFill>
-                <a:srgbClr val="333333"/>
-              </a:solidFill>
-              <a:uFill>
-                <a:solidFill>
-                  <a:srgbClr val="ffffff"/>
-                </a:solidFill>
-              </a:uFill>
-              <a:latin typeface="Fira Sans"/>
-            </a:endParaRPr>
-          </a:p>
-          <a:p>
-            <a:pPr marL="432000" indent="-324000">
-              <a:buClr>
-                <a:srgbClr val="000000"/>
-              </a:buClr>
-              <a:buSzPct val="45000"/>
-              <a:buFont typeface="Wingdings" charset="2"/>
-              <a:buChar char=""/>
-            </a:pPr>
-            <a:r>
-              <a:rPr i="1" lang="de-DE" sz="2600" spc="-1" strike="noStrike">
-                <a:solidFill>
-                  <a:srgbClr val="333333"/>
-                </a:solidFill>
-                <a:uFill>
-                  <a:solidFill>
-                    <a:srgbClr val="ffffff"/>
-                  </a:solidFill>
-                </a:uFill>
-                <a:latin typeface="Fira Sans"/>
-              </a:rPr>
-              <a:t>Platte wird magnetisiert um Informationen zu speichern</a:t>
-            </a:r>
-            <a:endParaRPr i="1" lang="de-DE" sz="2600" spc="-1" strike="noStrike">
-              <a:solidFill>
-                <a:srgbClr val="333333"/>
-              </a:solidFill>
-              <a:uFill>
-                <a:solidFill>
-                  <a:srgbClr val="ffffff"/>
-                </a:solidFill>
-              </a:uFill>
-              <a:latin typeface="Fira Sans"/>
-            </a:endParaRPr>
-          </a:p>
-          <a:p>
-            <a:pPr marL="432000" indent="-324000">
-              <a:buClr>
-                <a:srgbClr val="000000"/>
-              </a:buClr>
-              <a:buSzPct val="45000"/>
-              <a:buFont typeface="Wingdings" charset="2"/>
-              <a:buChar char=""/>
-            </a:pPr>
-            <a:r>
-              <a:rPr i="1" lang="de-DE" sz="2600" spc="-1" strike="noStrike">
-                <a:solidFill>
-                  <a:srgbClr val="333333"/>
-                </a:solidFill>
-                <a:uFill>
-                  <a:solidFill>
-                    <a:srgbClr val="ffffff"/>
-                  </a:solidFill>
-                </a:uFill>
-                <a:latin typeface="Fira Sans"/>
-              </a:rPr>
-              <a:t>Lesen der Informationen erfolgt durch Abtasten der Magnetisierung (Remenanz)</a:t>
+              <a:t>Yeahhhhhhhhhhhhh.</a:t>
             </a:r>
             <a:endParaRPr i="1" lang="de-DE" sz="2600" spc="-1" strike="noStrike">
               <a:solidFill>
@@ -4727,14 +4430,14 @@
       </p:grpSpPr>
       <p:sp>
         <p:nvSpPr>
-          <p:cNvPr id="78" name="TextShape 1"/>
+          <p:cNvPr id="79" name="TextShape 1"/>
           <p:cNvSpPr txBox="1"/>
           <p:nvPr/>
         </p:nvSpPr>
         <p:spPr>
           <a:xfrm>
-            <a:off x="504000" y="301320"/>
-            <a:ext cx="9071640" cy="1262160"/>
+            <a:off x="504000" y="854280"/>
+            <a:ext cx="9071640" cy="5851800"/>
           </a:xfrm>
           <a:prstGeom prst="rect">
             <a:avLst/>
@@ -4749,80 +4452,22 @@
           <a:p>
             <a:pPr algn="ctr"/>
             <a:r>
-              <a:rPr i="1" lang="de-DE" sz="3600" spc="-1" strike="noStrike">
-                <a:solidFill>
-                  <a:srgbClr val="333333"/>
-                </a:solidFill>
-                <a:uFill>
-                  <a:solidFill>
-                    <a:srgbClr val="ffffff"/>
-                  </a:solidFill>
-                </a:uFill>
-                <a:latin typeface="Fira Sans"/>
-              </a:rPr>
-              <a:t>FAZIT (SSD)</a:t>
-            </a:r>
-            <a:endParaRPr i="1" lang="de-DE" sz="3600" spc="-1" strike="noStrike">
-              <a:solidFill>
-                <a:srgbClr val="333333"/>
-              </a:solidFill>
-              <a:uFill>
-                <a:solidFill>
-                  <a:srgbClr val="ffffff"/>
-                </a:solidFill>
-              </a:uFill>
-              <a:latin typeface="Ubuntu"/>
-            </a:endParaRPr>
-          </a:p>
-        </p:txBody>
-      </p:sp>
-      <p:sp>
-        <p:nvSpPr>
-          <p:cNvPr id="79" name="TextShape 2"/>
-          <p:cNvSpPr txBox="1"/>
-          <p:nvPr/>
-        </p:nvSpPr>
-        <p:spPr>
-          <a:xfrm>
-            <a:off x="504000" y="1769040"/>
-            <a:ext cx="9071640" cy="4384440"/>
-          </a:xfrm>
-          <a:prstGeom prst="rect">
-            <a:avLst/>
-          </a:prstGeom>
-          <a:noFill/>
-          <a:ln>
-            <a:noFill/>
-          </a:ln>
-        </p:spPr>
-        <p:txBody>
-          <a:bodyPr lIns="0" rIns="0" tIns="0" bIns="0"/>
-          <a:p>
-            <a:pPr marL="432000" indent="-324000">
-              <a:buClr>
-                <a:srgbClr val="333333"/>
-              </a:buClr>
-              <a:buSzPct val="45000"/>
-              <a:buFont typeface="Wingdings" charset="2"/>
-              <a:buChar char=""/>
-            </a:pPr>
-            <a:r>
-              <a:rPr i="1" lang="de-DE" sz="2600" spc="-1" strike="noStrike">
-                <a:solidFill>
-                  <a:srgbClr val="333333"/>
-                </a:solidFill>
-                <a:uFill>
-                  <a:solidFill>
-                    <a:srgbClr val="ffffff"/>
-                  </a:solidFill>
-                </a:uFill>
-                <a:latin typeface="Fira Sans"/>
-              </a:rPr>
-              <a:t>magnetisches Speichermedium</a:t>
-            </a:r>
-            <a:endParaRPr i="1" lang="de-DE" sz="2600" spc="-1" strike="noStrike">
-              <a:solidFill>
-                <a:srgbClr val="333333"/>
+              <a:rPr b="1" i="1" lang="de-DE" sz="3600" spc="-1" strike="noStrike">
+                <a:solidFill>
+                  <a:srgbClr val="1c1c1c"/>
+                </a:solidFill>
+                <a:uFill>
+                  <a:solidFill>
+                    <a:srgbClr val="ffffff"/>
+                  </a:solidFill>
+                </a:uFill>
+                <a:latin typeface="Fira Sans"/>
+              </a:rPr>
+              <a:t>HYBRID DRIVE</a:t>
+            </a:r>
+            <a:endParaRPr b="1" i="1" lang="de-DE" sz="3600" spc="-1" strike="noStrike">
+              <a:solidFill>
+                <a:srgbClr val="1c1c1c"/>
               </a:solidFill>
               <a:uFill>
                 <a:solidFill>
@@ -4833,66 +4478,24 @@
             </a:endParaRPr>
           </a:p>
           <a:p>
-            <a:pPr marL="432000" indent="-324000">
-              <a:buClr>
-                <a:srgbClr val="000000"/>
-              </a:buClr>
-              <a:buSzPct val="45000"/>
-              <a:buFont typeface="Wingdings" charset="2"/>
-              <a:buChar char=""/>
-            </a:pPr>
-            <a:r>
-              <a:rPr i="1" lang="de-DE" sz="2600" spc="-1" strike="noStrike">
-                <a:solidFill>
-                  <a:srgbClr val="333333"/>
-                </a:solidFill>
-                <a:uFill>
-                  <a:solidFill>
-                    <a:srgbClr val="ffffff"/>
-                  </a:solidFill>
-                </a:uFill>
-                <a:latin typeface="Fira Sans"/>
-              </a:rPr>
-              <a:t>Platte wird magnetisiert um Informationen zu speichern</a:t>
-            </a:r>
-            <a:endParaRPr i="1" lang="de-DE" sz="2600" spc="-1" strike="noStrike">
-              <a:solidFill>
-                <a:srgbClr val="333333"/>
-              </a:solidFill>
-              <a:uFill>
-                <a:solidFill>
-                  <a:srgbClr val="ffffff"/>
-                </a:solidFill>
-              </a:uFill>
-              <a:latin typeface="Fira Sans"/>
-            </a:endParaRPr>
-          </a:p>
-          <a:p>
-            <a:pPr marL="432000" indent="-324000">
-              <a:buClr>
-                <a:srgbClr val="000000"/>
-              </a:buClr>
-              <a:buSzPct val="45000"/>
-              <a:buFont typeface="Wingdings" charset="2"/>
-              <a:buChar char=""/>
-            </a:pPr>
-            <a:r>
-              <a:rPr i="1" lang="de-DE" sz="2600" spc="-1" strike="noStrike">
-                <a:solidFill>
-                  <a:srgbClr val="333333"/>
-                </a:solidFill>
-                <a:uFill>
-                  <a:solidFill>
-                    <a:srgbClr val="ffffff"/>
-                  </a:solidFill>
-                </a:uFill>
-                <a:latin typeface="Fira Sans"/>
-              </a:rPr>
-              <a:t>Lesen der Informationen erfolgt durch Abtasten der Magnetisierung (Remenanz)</a:t>
-            </a:r>
-            <a:endParaRPr i="1" lang="de-DE" sz="2600" spc="-1" strike="noStrike">
-              <a:solidFill>
-                <a:srgbClr val="333333"/>
+            <a:pPr algn="ctr"/>
+            <a:r>
+              <a:rPr b="1" i="1" lang="de-DE" sz="3600" spc="-1" strike="noStrike">
+                <a:solidFill>
+                  <a:srgbClr val="1c1c1c"/>
+                </a:solidFill>
+                <a:uFill>
+                  <a:solidFill>
+                    <a:srgbClr val="ffffff"/>
+                  </a:solidFill>
+                </a:uFill>
+                <a:latin typeface="Fira Sans"/>
+              </a:rPr>
+              <a:t>(SS/HD)</a:t>
+            </a:r>
+            <a:endParaRPr b="1" i="1" lang="de-DE" sz="3600" spc="-1" strike="noStrike">
+              <a:solidFill>
+                <a:srgbClr val="1c1c1c"/>
               </a:solidFill>
               <a:uFill>
                 <a:solidFill>
@@ -4961,8 +4564,61 @@
         </p:nvSpPr>
         <p:spPr>
           <a:xfrm>
-            <a:off x="504000" y="854280"/>
-            <a:ext cx="9071640" cy="5851800"/>
+            <a:off x="504000" y="301320"/>
+            <a:ext cx="9072000" cy="1080000"/>
+          </a:xfrm>
+          <a:prstGeom prst="rect">
+            <a:avLst/>
+          </a:prstGeom>
+          <a:solidFill>
+            <a:srgbClr val="eeeeee"/>
+          </a:solidFill>
+          <a:ln>
+            <a:noFill/>
+          </a:ln>
+        </p:spPr>
+        <p:txBody>
+          <a:bodyPr lIns="0" rIns="0" tIns="0" bIns="0" anchor="ctr"/>
+          <a:p>
+            <a:pPr algn="ctr"/>
+            <a:r>
+              <a:rPr i="1" lang="de-DE" sz="3600" spc="-1" strike="noStrike">
+                <a:solidFill>
+                  <a:srgbClr val="333333"/>
+                </a:solidFill>
+                <a:uFill>
+                  <a:solidFill>
+                    <a:srgbClr val="ffffff"/>
+                  </a:solidFill>
+                </a:uFill>
+                <a:latin typeface="Fira Sans"/>
+              </a:rPr>
+              <a:t>ALLGEMEINES</a:t>
+            </a:r>
+            <a:endParaRPr i="1" lang="de-DE" sz="3600" spc="-1" strike="noStrike">
+              <a:solidFill>
+                <a:srgbClr val="333333"/>
+              </a:solidFill>
+              <a:uFill>
+                <a:solidFill>
+                  <a:srgbClr val="ffffff"/>
+                </a:solidFill>
+              </a:uFill>
+              <a:latin typeface="Ubuntu"/>
+            </a:endParaRPr>
+          </a:p>
+        </p:txBody>
+      </p:sp>
+      <p:sp>
+        <p:nvSpPr>
+          <p:cNvPr id="81" name="TextShape 2"/>
+          <p:cNvSpPr txBox="1"/>
+          <p:nvPr/>
+        </p:nvSpPr>
+        <p:spPr>
+          <a:xfrm>
+            <a:off x="504000" y="1769040"/>
+            <a:ext cx="9071640" cy="4384440"/>
           </a:xfrm>
           <a:prstGeom prst="rect">
             <a:avLst/>
@@ -4973,54 +4629,33 @@
           </a:ln>
         </p:spPr>
         <p:txBody>
-          <a:bodyPr lIns="0" rIns="0" tIns="0" bIns="0" anchor="ctr"/>
-          <a:p>
-            <a:pPr algn="ctr"/>
-            <a:r>
-              <a:rPr i="1" lang="de-DE" sz="3600" spc="-1" strike="noStrike">
-                <a:solidFill>
-                  <a:srgbClr val="1c1c1c"/>
-                </a:solidFill>
-                <a:uFill>
-                  <a:solidFill>
-                    <a:srgbClr val="ffffff"/>
-                  </a:solidFill>
-                </a:uFill>
-                <a:latin typeface="Fira Sans"/>
-              </a:rPr>
-              <a:t>HYBRID DRIVE</a:t>
-            </a:r>
-            <a:endParaRPr i="1" lang="de-DE" sz="3600" spc="-1" strike="noStrike">
-              <a:solidFill>
-                <a:srgbClr val="1c1c1c"/>
-              </a:solidFill>
-              <a:uFill>
-                <a:solidFill>
-                  <a:srgbClr val="ffffff"/>
-                </a:solidFill>
-              </a:uFill>
-              <a:latin typeface="Fira Sans"/>
-            </a:endParaRPr>
-          </a:p>
-          <a:p>
-            <a:pPr algn="ctr"/>
-            <a:r>
-              <a:rPr i="1" lang="de-DE" sz="3600" spc="-1" strike="noStrike">
-                <a:solidFill>
-                  <a:srgbClr val="1c1c1c"/>
-                </a:solidFill>
-                <a:uFill>
-                  <a:solidFill>
-                    <a:srgbClr val="ffffff"/>
-                  </a:solidFill>
-                </a:uFill>
-                <a:latin typeface="Fira Sans"/>
-              </a:rPr>
-              <a:t>(SS/HD)</a:t>
-            </a:r>
-            <a:endParaRPr i="1" lang="de-DE" sz="3600" spc="-1" strike="noStrike">
-              <a:solidFill>
-                <a:srgbClr val="1c1c1c"/>
+          <a:bodyPr lIns="0" rIns="0" tIns="0" bIns="0"/>
+          <a:p>
+            <a:pPr marL="432000" indent="-324000">
+              <a:buClr>
+                <a:srgbClr val="333333"/>
+              </a:buClr>
+              <a:buSzPct val="45000"/>
+              <a:buFont typeface="Wingdings" charset="2"/>
+              <a:buChar char=""/>
+            </a:pPr>
+            <a:r>
+              <a:rPr i="1" lang="de-DE" sz="2600" spc="-1" strike="noStrike">
+                <a:solidFill>
+                  <a:srgbClr val="333333"/>
+                </a:solidFill>
+                <a:uFill>
+                  <a:solidFill>
+                    <a:srgbClr val="ffffff"/>
+                  </a:solidFill>
+                </a:uFill>
+                <a:latin typeface="Fira Sans"/>
+              </a:rPr>
+              <a:t>m</a:t>
+            </a:r>
+            <a:endParaRPr i="1" lang="de-DE" sz="2600" spc="-1" strike="noStrike">
+              <a:solidFill>
+                <a:srgbClr val="333333"/>
               </a:solidFill>
               <a:uFill>
                 <a:solidFill>
@@ -5083,19 +4718,21 @@
       </p:grpSpPr>
       <p:sp>
         <p:nvSpPr>
-          <p:cNvPr id="81" name="TextShape 1"/>
+          <p:cNvPr id="82" name="TextShape 1"/>
           <p:cNvSpPr txBox="1"/>
           <p:nvPr/>
         </p:nvSpPr>
         <p:spPr>
           <a:xfrm>
             <a:off x="504000" y="301320"/>
-            <a:ext cx="9071640" cy="1262160"/>
-          </a:xfrm>
-          <a:prstGeom prst="rect">
-            <a:avLst/>
-          </a:prstGeom>
-          <a:noFill/>
+            <a:ext cx="9072000" cy="1080000"/>
+          </a:xfrm>
+          <a:prstGeom prst="rect">
+            <a:avLst/>
+          </a:prstGeom>
+          <a:solidFill>
+            <a:srgbClr val="eeeeee"/>
+          </a:solidFill>
           <a:ln>
             <a:noFill/>
           </a:ln>
@@ -5116,7 +4753,7 @@
                 </a:uFill>
                 <a:latin typeface="Fira Sans"/>
               </a:rPr>
-              <a:t>ALLGEMEINES</a:t>
+              <a:t>DUAL-DRIVE HYBRID SYSTEM</a:t>
             </a:r>
             <a:endParaRPr i="1" lang="de-DE" sz="3600" spc="-1" strike="noStrike">
               <a:solidFill>
@@ -5134,7 +4771,7 @@
       </p:sp>
       <p:sp>
         <p:nvSpPr>
-          <p:cNvPr id="82" name="TextShape 2"/>
+          <p:cNvPr id="83" name="TextShape 2"/>
           <p:cNvSpPr txBox="1"/>
           <p:nvPr/>
         </p:nvSpPr>
@@ -5174,77 +4811,7 @@
                 </a:uFill>
                 <a:latin typeface="Fira Sans"/>
               </a:rPr>
-              <a:t>magnetisches Speichermedium</a:t>
-            </a:r>
-            <a:endParaRPr i="1" lang="de-DE" sz="2600" spc="-1" strike="noStrike">
-              <a:solidFill>
-                <a:srgbClr val="333333"/>
-              </a:solidFill>
-              <a:uFill>
-                <a:solidFill>
-                  <a:srgbClr val="ffffff"/>
-                </a:solidFill>
-              </a:uFill>
-              <a:latin typeface="Fira Sans"/>
-            </a:endParaRPr>
-          </a:p>
-          <a:p>
-            <a:pPr marL="432000" indent="-324000">
-              <a:buClr>
-                <a:srgbClr val="000000"/>
-              </a:buClr>
-              <a:buSzPct val="45000"/>
-              <a:buFont typeface="Wingdings" charset="2"/>
-              <a:buChar char=""/>
-            </a:pPr>
-            <a:r>
-              <a:rPr i="1" lang="de-DE" sz="2600" spc="-1" strike="noStrike">
-                <a:solidFill>
-                  <a:srgbClr val="333333"/>
-                </a:solidFill>
-                <a:uFill>
-                  <a:solidFill>
-                    <a:srgbClr val="ffffff"/>
-                  </a:solidFill>
-                </a:uFill>
-                <a:latin typeface="Fira Sans"/>
-              </a:rPr>
-              <a:t>Platte wird magnetisiert um Informationen zu speichern</a:t>
-            </a:r>
-            <a:endParaRPr i="1" lang="de-DE" sz="2600" spc="-1" strike="noStrike">
-              <a:solidFill>
-                <a:srgbClr val="333333"/>
-              </a:solidFill>
-              <a:uFill>
-                <a:solidFill>
-                  <a:srgbClr val="ffffff"/>
-                </a:solidFill>
-              </a:uFill>
-              <a:latin typeface="Fira Sans"/>
-            </a:endParaRPr>
-          </a:p>
-          <a:p>
-            <a:pPr marL="432000" indent="-324000">
-              <a:buClr>
-                <a:srgbClr val="000000"/>
-              </a:buClr>
-              <a:buSzPct val="45000"/>
-              <a:buFont typeface="Wingdings" charset="2"/>
-              <a:buChar char=""/>
-            </a:pPr>
-            <a:r>
-              <a:rPr i="1" lang="de-DE" sz="2600" spc="-1" strike="noStrike">
-                <a:solidFill>
-                  <a:srgbClr val="333333"/>
-                </a:solidFill>
-                <a:uFill>
-                  <a:solidFill>
-                    <a:srgbClr val="ffffff"/>
-                  </a:solidFill>
-                </a:uFill>
-                <a:latin typeface="Fira Sans"/>
-              </a:rPr>
-              <a:t>Lesen der Informationen erfolgt durch Abtasten der Magnetisierung (Remenanz)</a:t>
+              <a:t>m</a:t>
             </a:r>
             <a:endParaRPr i="1" lang="de-DE" sz="2600" spc="-1" strike="noStrike">
               <a:solidFill>
@@ -5311,19 +4878,21 @@
       </p:grpSpPr>
       <p:sp>
         <p:nvSpPr>
-          <p:cNvPr id="83" name="TextShape 1"/>
+          <p:cNvPr id="84" name="TextShape 1"/>
           <p:cNvSpPr txBox="1"/>
           <p:nvPr/>
         </p:nvSpPr>
         <p:spPr>
           <a:xfrm>
             <a:off x="504000" y="301320"/>
-            <a:ext cx="9071640" cy="1262160"/>
-          </a:xfrm>
-          <a:prstGeom prst="rect">
-            <a:avLst/>
-          </a:prstGeom>
-          <a:noFill/>
+            <a:ext cx="9072000" cy="1080000"/>
+          </a:xfrm>
+          <a:prstGeom prst="rect">
+            <a:avLst/>
+          </a:prstGeom>
+          <a:solidFill>
+            <a:srgbClr val="eeeeee"/>
+          </a:solidFill>
           <a:ln>
             <a:noFill/>
           </a:ln>
@@ -5344,7 +4913,7 @@
                 </a:uFill>
                 <a:latin typeface="Fira Sans"/>
               </a:rPr>
-              <a:t>DUAL-DRIVE HYBRID SYSTEM</a:t>
+              <a:t>SOLID-STATE HYBRID SYSTEM</a:t>
             </a:r>
             <a:endParaRPr i="1" lang="de-DE" sz="3600" spc="-1" strike="noStrike">
               <a:solidFill>
@@ -5362,7 +4931,7 @@
       </p:sp>
       <p:sp>
         <p:nvSpPr>
-          <p:cNvPr id="84" name="TextShape 2"/>
+          <p:cNvPr id="85" name="TextShape 2"/>
           <p:cNvSpPr txBox="1"/>
           <p:nvPr/>
         </p:nvSpPr>
@@ -5402,77 +4971,7 @@
                 </a:uFill>
                 <a:latin typeface="Fira Sans"/>
               </a:rPr>
-              <a:t>magnetisches Speichermedium</a:t>
-            </a:r>
-            <a:endParaRPr i="1" lang="de-DE" sz="2600" spc="-1" strike="noStrike">
-              <a:solidFill>
-                <a:srgbClr val="333333"/>
-              </a:solidFill>
-              <a:uFill>
-                <a:solidFill>
-                  <a:srgbClr val="ffffff"/>
-                </a:solidFill>
-              </a:uFill>
-              <a:latin typeface="Fira Sans"/>
-            </a:endParaRPr>
-          </a:p>
-          <a:p>
-            <a:pPr marL="432000" indent="-324000">
-              <a:buClr>
-                <a:srgbClr val="000000"/>
-              </a:buClr>
-              <a:buSzPct val="45000"/>
-              <a:buFont typeface="Wingdings" charset="2"/>
-              <a:buChar char=""/>
-            </a:pPr>
-            <a:r>
-              <a:rPr i="1" lang="de-DE" sz="2600" spc="-1" strike="noStrike">
-                <a:solidFill>
-                  <a:srgbClr val="333333"/>
-                </a:solidFill>
-                <a:uFill>
-                  <a:solidFill>
-                    <a:srgbClr val="ffffff"/>
-                  </a:solidFill>
-                </a:uFill>
-                <a:latin typeface="Fira Sans"/>
-              </a:rPr>
-              <a:t>Platte wird magnetisiert um Informationen zu speichern</a:t>
-            </a:r>
-            <a:endParaRPr i="1" lang="de-DE" sz="2600" spc="-1" strike="noStrike">
-              <a:solidFill>
-                <a:srgbClr val="333333"/>
-              </a:solidFill>
-              <a:uFill>
-                <a:solidFill>
-                  <a:srgbClr val="ffffff"/>
-                </a:solidFill>
-              </a:uFill>
-              <a:latin typeface="Fira Sans"/>
-            </a:endParaRPr>
-          </a:p>
-          <a:p>
-            <a:pPr marL="432000" indent="-324000">
-              <a:buClr>
-                <a:srgbClr val="000000"/>
-              </a:buClr>
-              <a:buSzPct val="45000"/>
-              <a:buFont typeface="Wingdings" charset="2"/>
-              <a:buChar char=""/>
-            </a:pPr>
-            <a:r>
-              <a:rPr i="1" lang="de-DE" sz="2600" spc="-1" strike="noStrike">
-                <a:solidFill>
-                  <a:srgbClr val="333333"/>
-                </a:solidFill>
-                <a:uFill>
-                  <a:solidFill>
-                    <a:srgbClr val="ffffff"/>
-                  </a:solidFill>
-                </a:uFill>
-                <a:latin typeface="Fira Sans"/>
-              </a:rPr>
-              <a:t>Lesen der Informationen erfolgt durch Abtasten der Magnetisierung (Remenanz)</a:t>
+              <a:t>m</a:t>
             </a:r>
             <a:endParaRPr i="1" lang="de-DE" sz="2600" spc="-1" strike="noStrike">
               <a:solidFill>
@@ -5539,19 +5038,21 @@
       </p:grpSpPr>
       <p:sp>
         <p:nvSpPr>
-          <p:cNvPr id="85" name="TextShape 1"/>
+          <p:cNvPr id="86" name="TextShape 1"/>
           <p:cNvSpPr txBox="1"/>
           <p:nvPr/>
         </p:nvSpPr>
         <p:spPr>
           <a:xfrm>
             <a:off x="504000" y="301320"/>
-            <a:ext cx="9071640" cy="1262160"/>
-          </a:xfrm>
-          <a:prstGeom prst="rect">
-            <a:avLst/>
-          </a:prstGeom>
-          <a:noFill/>
+            <a:ext cx="9072000" cy="1080000"/>
+          </a:xfrm>
+          <a:prstGeom prst="rect">
+            <a:avLst/>
+          </a:prstGeom>
+          <a:solidFill>
+            <a:srgbClr val="eeeeee"/>
+          </a:solidFill>
           <a:ln>
             <a:noFill/>
           </a:ln>
@@ -5572,7 +5073,7 @@
                 </a:uFill>
                 <a:latin typeface="Fira Sans"/>
               </a:rPr>
-              <a:t>SOLID-STATE HYBRID SYSTEM</a:t>
+              <a:t>VOR-/NACHTEILE BEZÜGLICH HDD/SSD</a:t>
             </a:r>
             <a:endParaRPr i="1" lang="de-DE" sz="3600" spc="-1" strike="noStrike">
               <a:solidFill>
@@ -5590,7 +5091,7 @@
       </p:sp>
       <p:sp>
         <p:nvSpPr>
-          <p:cNvPr id="86" name="TextShape 2"/>
+          <p:cNvPr id="87" name="TextShape 2"/>
           <p:cNvSpPr txBox="1"/>
           <p:nvPr/>
         </p:nvSpPr>
@@ -5630,77 +5131,7 @@
                 </a:uFill>
                 <a:latin typeface="Fira Sans"/>
               </a:rPr>
-              <a:t>magnetisches Speichermedium</a:t>
-            </a:r>
-            <a:endParaRPr i="1" lang="de-DE" sz="2600" spc="-1" strike="noStrike">
-              <a:solidFill>
-                <a:srgbClr val="333333"/>
-              </a:solidFill>
-              <a:uFill>
-                <a:solidFill>
-                  <a:srgbClr val="ffffff"/>
-                </a:solidFill>
-              </a:uFill>
-              <a:latin typeface="Fira Sans"/>
-            </a:endParaRPr>
-          </a:p>
-          <a:p>
-            <a:pPr marL="432000" indent="-324000">
-              <a:buClr>
-                <a:srgbClr val="000000"/>
-              </a:buClr>
-              <a:buSzPct val="45000"/>
-              <a:buFont typeface="Wingdings" charset="2"/>
-              <a:buChar char=""/>
-            </a:pPr>
-            <a:r>
-              <a:rPr i="1" lang="de-DE" sz="2600" spc="-1" strike="noStrike">
-                <a:solidFill>
-                  <a:srgbClr val="333333"/>
-                </a:solidFill>
-                <a:uFill>
-                  <a:solidFill>
-                    <a:srgbClr val="ffffff"/>
-                  </a:solidFill>
-                </a:uFill>
-                <a:latin typeface="Fira Sans"/>
-              </a:rPr>
-              <a:t>Platte wird magnetisiert um Informationen zu speichern</a:t>
-            </a:r>
-            <a:endParaRPr i="1" lang="de-DE" sz="2600" spc="-1" strike="noStrike">
-              <a:solidFill>
-                <a:srgbClr val="333333"/>
-              </a:solidFill>
-              <a:uFill>
-                <a:solidFill>
-                  <a:srgbClr val="ffffff"/>
-                </a:solidFill>
-              </a:uFill>
-              <a:latin typeface="Fira Sans"/>
-            </a:endParaRPr>
-          </a:p>
-          <a:p>
-            <a:pPr marL="432000" indent="-324000">
-              <a:buClr>
-                <a:srgbClr val="000000"/>
-              </a:buClr>
-              <a:buSzPct val="45000"/>
-              <a:buFont typeface="Wingdings" charset="2"/>
-              <a:buChar char=""/>
-            </a:pPr>
-            <a:r>
-              <a:rPr i="1" lang="de-DE" sz="2600" spc="-1" strike="noStrike">
-                <a:solidFill>
-                  <a:srgbClr val="333333"/>
-                </a:solidFill>
-                <a:uFill>
-                  <a:solidFill>
-                    <a:srgbClr val="ffffff"/>
-                  </a:solidFill>
-                </a:uFill>
-                <a:latin typeface="Fira Sans"/>
-              </a:rPr>
-              <a:t>Lesen der Informationen erfolgt durch Abtasten der Magnetisierung (Remenanz)</a:t>
+              <a:t>m</a:t>
             </a:r>
             <a:endParaRPr i="1" lang="de-DE" sz="2600" spc="-1" strike="noStrike">
               <a:solidFill>
@@ -5767,19 +5198,21 @@
       </p:grpSpPr>
       <p:sp>
         <p:nvSpPr>
-          <p:cNvPr id="87" name="TextShape 1"/>
+          <p:cNvPr id="88" name="TextShape 1"/>
           <p:cNvSpPr txBox="1"/>
           <p:nvPr/>
         </p:nvSpPr>
         <p:spPr>
           <a:xfrm>
             <a:off x="504000" y="301320"/>
-            <a:ext cx="9071640" cy="1262160"/>
-          </a:xfrm>
-          <a:prstGeom prst="rect">
-            <a:avLst/>
-          </a:prstGeom>
-          <a:noFill/>
+            <a:ext cx="9072000" cy="1080000"/>
+          </a:xfrm>
+          <a:prstGeom prst="rect">
+            <a:avLst/>
+          </a:prstGeom>
+          <a:solidFill>
+            <a:srgbClr val="eeeeee"/>
+          </a:solidFill>
           <a:ln>
             <a:noFill/>
           </a:ln>
@@ -5800,7 +5233,7 @@
                 </a:uFill>
                 <a:latin typeface="Fira Sans"/>
               </a:rPr>
-              <a:t>VOR-/NACHTEILE BEZÜGLICH HDD/SSD</a:t>
+              <a:t>EINSATZGEBIETE</a:t>
             </a:r>
             <a:endParaRPr i="1" lang="de-DE" sz="3600" spc="-1" strike="noStrike">
               <a:solidFill>
@@ -5818,7 +5251,7 @@
       </p:sp>
       <p:sp>
         <p:nvSpPr>
-          <p:cNvPr id="88" name="TextShape 2"/>
+          <p:cNvPr id="89" name="TextShape 2"/>
           <p:cNvSpPr txBox="1"/>
           <p:nvPr/>
         </p:nvSpPr>
@@ -5858,77 +5291,7 @@
                 </a:uFill>
                 <a:latin typeface="Fira Sans"/>
               </a:rPr>
-              <a:t>magnetisches Speichermedium</a:t>
-            </a:r>
-            <a:endParaRPr i="1" lang="de-DE" sz="2600" spc="-1" strike="noStrike">
-              <a:solidFill>
-                <a:srgbClr val="333333"/>
-              </a:solidFill>
-              <a:uFill>
-                <a:solidFill>
-                  <a:srgbClr val="ffffff"/>
-                </a:solidFill>
-              </a:uFill>
-              <a:latin typeface="Fira Sans"/>
-            </a:endParaRPr>
-          </a:p>
-          <a:p>
-            <a:pPr marL="432000" indent="-324000">
-              <a:buClr>
-                <a:srgbClr val="000000"/>
-              </a:buClr>
-              <a:buSzPct val="45000"/>
-              <a:buFont typeface="Wingdings" charset="2"/>
-              <a:buChar char=""/>
-            </a:pPr>
-            <a:r>
-              <a:rPr i="1" lang="de-DE" sz="2600" spc="-1" strike="noStrike">
-                <a:solidFill>
-                  <a:srgbClr val="333333"/>
-                </a:solidFill>
-                <a:uFill>
-                  <a:solidFill>
-                    <a:srgbClr val="ffffff"/>
-                  </a:solidFill>
-                </a:uFill>
-                <a:latin typeface="Fira Sans"/>
-              </a:rPr>
-              <a:t>Platte wird magnetisiert um Informationen zu speichern</a:t>
-            </a:r>
-            <a:endParaRPr i="1" lang="de-DE" sz="2600" spc="-1" strike="noStrike">
-              <a:solidFill>
-                <a:srgbClr val="333333"/>
-              </a:solidFill>
-              <a:uFill>
-                <a:solidFill>
-                  <a:srgbClr val="ffffff"/>
-                </a:solidFill>
-              </a:uFill>
-              <a:latin typeface="Fira Sans"/>
-            </a:endParaRPr>
-          </a:p>
-          <a:p>
-            <a:pPr marL="432000" indent="-324000">
-              <a:buClr>
-                <a:srgbClr val="000000"/>
-              </a:buClr>
-              <a:buSzPct val="45000"/>
-              <a:buFont typeface="Wingdings" charset="2"/>
-              <a:buChar char=""/>
-            </a:pPr>
-            <a:r>
-              <a:rPr i="1" lang="de-DE" sz="2600" spc="-1" strike="noStrike">
-                <a:solidFill>
-                  <a:srgbClr val="333333"/>
-                </a:solidFill>
-                <a:uFill>
-                  <a:solidFill>
-                    <a:srgbClr val="ffffff"/>
-                  </a:solidFill>
-                </a:uFill>
-                <a:latin typeface="Fira Sans"/>
-              </a:rPr>
-              <a:t>Lesen der Informationen erfolgt durch Abtasten der Magnetisierung (Remenanz)</a:t>
+              <a:t>m</a:t>
             </a:r>
             <a:endParaRPr i="1" lang="de-DE" sz="2600" spc="-1" strike="noStrike">
               <a:solidFill>
@@ -5995,19 +5358,21 @@
       </p:grpSpPr>
       <p:sp>
         <p:nvSpPr>
-          <p:cNvPr id="89" name="TextShape 1"/>
+          <p:cNvPr id="90" name="TextShape 1"/>
           <p:cNvSpPr txBox="1"/>
           <p:nvPr/>
         </p:nvSpPr>
         <p:spPr>
           <a:xfrm>
             <a:off x="504000" y="301320"/>
-            <a:ext cx="9071640" cy="1262160"/>
-          </a:xfrm>
-          <a:prstGeom prst="rect">
-            <a:avLst/>
-          </a:prstGeom>
-          <a:noFill/>
+            <a:ext cx="9072000" cy="1080000"/>
+          </a:xfrm>
+          <a:prstGeom prst="rect">
+            <a:avLst/>
+          </a:prstGeom>
+          <a:solidFill>
+            <a:srgbClr val="eeeeee"/>
+          </a:solidFill>
           <a:ln>
             <a:noFill/>
           </a:ln>
@@ -6028,7 +5393,7 @@
                 </a:uFill>
                 <a:latin typeface="Fira Sans"/>
               </a:rPr>
-              <a:t>EINSATZGEBIETE</a:t>
+              <a:t>FAZIT (SS/HD)</a:t>
             </a:r>
             <a:endParaRPr i="1" lang="de-DE" sz="3600" spc="-1" strike="noStrike">
               <a:solidFill>
@@ -6046,7 +5411,7 @@
       </p:sp>
       <p:sp>
         <p:nvSpPr>
-          <p:cNvPr id="90" name="TextShape 2"/>
+          <p:cNvPr id="91" name="TextShape 2"/>
           <p:cNvSpPr txBox="1"/>
           <p:nvPr/>
         </p:nvSpPr>
@@ -6086,77 +5451,7 @@
                 </a:uFill>
                 <a:latin typeface="Fira Sans"/>
               </a:rPr>
-              <a:t>magnetisches Speichermedium</a:t>
-            </a:r>
-            <a:endParaRPr i="1" lang="de-DE" sz="2600" spc="-1" strike="noStrike">
-              <a:solidFill>
-                <a:srgbClr val="333333"/>
-              </a:solidFill>
-              <a:uFill>
-                <a:solidFill>
-                  <a:srgbClr val="ffffff"/>
-                </a:solidFill>
-              </a:uFill>
-              <a:latin typeface="Fira Sans"/>
-            </a:endParaRPr>
-          </a:p>
-          <a:p>
-            <a:pPr marL="432000" indent="-324000">
-              <a:buClr>
-                <a:srgbClr val="000000"/>
-              </a:buClr>
-              <a:buSzPct val="45000"/>
-              <a:buFont typeface="Wingdings" charset="2"/>
-              <a:buChar char=""/>
-            </a:pPr>
-            <a:r>
-              <a:rPr i="1" lang="de-DE" sz="2600" spc="-1" strike="noStrike">
-                <a:solidFill>
-                  <a:srgbClr val="333333"/>
-                </a:solidFill>
-                <a:uFill>
-                  <a:solidFill>
-                    <a:srgbClr val="ffffff"/>
-                  </a:solidFill>
-                </a:uFill>
-                <a:latin typeface="Fira Sans"/>
-              </a:rPr>
-              <a:t>Platte wird magnetisiert um Informationen zu speichern</a:t>
-            </a:r>
-            <a:endParaRPr i="1" lang="de-DE" sz="2600" spc="-1" strike="noStrike">
-              <a:solidFill>
-                <a:srgbClr val="333333"/>
-              </a:solidFill>
-              <a:uFill>
-                <a:solidFill>
-                  <a:srgbClr val="ffffff"/>
-                </a:solidFill>
-              </a:uFill>
-              <a:latin typeface="Fira Sans"/>
-            </a:endParaRPr>
-          </a:p>
-          <a:p>
-            <a:pPr marL="432000" indent="-324000">
-              <a:buClr>
-                <a:srgbClr val="000000"/>
-              </a:buClr>
-              <a:buSzPct val="45000"/>
-              <a:buFont typeface="Wingdings" charset="2"/>
-              <a:buChar char=""/>
-            </a:pPr>
-            <a:r>
-              <a:rPr i="1" lang="de-DE" sz="2600" spc="-1" strike="noStrike">
-                <a:solidFill>
-                  <a:srgbClr val="333333"/>
-                </a:solidFill>
-                <a:uFill>
-                  <a:solidFill>
-                    <a:srgbClr val="ffffff"/>
-                  </a:solidFill>
-                </a:uFill>
-                <a:latin typeface="Fira Sans"/>
-              </a:rPr>
-              <a:t>Lesen der Informationen erfolgt durch Abtasten der Magnetisierung (Remenanz)</a:t>
+              <a:t>Yeahhhhhhhhh.</a:t>
             </a:r>
             <a:endParaRPr i="1" lang="de-DE" sz="2600" spc="-1" strike="noStrike">
               <a:solidFill>
@@ -6223,14 +5518,14 @@
       </p:grpSpPr>
       <p:sp>
         <p:nvSpPr>
-          <p:cNvPr id="91" name="TextShape 1"/>
+          <p:cNvPr id="92" name="TextShape 1"/>
           <p:cNvSpPr txBox="1"/>
           <p:nvPr/>
         </p:nvSpPr>
         <p:spPr>
           <a:xfrm>
-            <a:off x="504000" y="301320"/>
-            <a:ext cx="9071640" cy="1262160"/>
+            <a:off x="504000" y="854280"/>
+            <a:ext cx="9071640" cy="5851800"/>
           </a:xfrm>
           <a:prstGeom prst="rect">
             <a:avLst/>
@@ -6247,41 +5542,41 @@
             <a:r>
               <a:rPr i="1" lang="de-DE" sz="3600" spc="-1" strike="noStrike">
                 <a:solidFill>
-                  <a:srgbClr val="333333"/>
-                </a:solidFill>
-                <a:uFill>
-                  <a:solidFill>
-                    <a:srgbClr val="ffffff"/>
-                  </a:solidFill>
-                </a:uFill>
-                <a:latin typeface="Fira Sans"/>
-              </a:rPr>
-              <a:t>FAZIT (SS/HD)</a:t>
+                  <a:srgbClr val="1c1c1c"/>
+                </a:solidFill>
+                <a:uFill>
+                  <a:solidFill>
+                    <a:srgbClr val="ffffff"/>
+                  </a:solidFill>
+                </a:uFill>
+                <a:latin typeface="Fira Sans"/>
+              </a:rPr>
+              <a:t>VIELEN DANK.</a:t>
             </a:r>
             <a:endParaRPr i="1" lang="de-DE" sz="3600" spc="-1" strike="noStrike">
               <a:solidFill>
-                <a:srgbClr val="333333"/>
-              </a:solidFill>
-              <a:uFill>
-                <a:solidFill>
-                  <a:srgbClr val="ffffff"/>
-                </a:solidFill>
-              </a:uFill>
-              <a:latin typeface="Ubuntu"/>
-            </a:endParaRPr>
-          </a:p>
-        </p:txBody>
-      </p:sp>
-      <p:sp>
-        <p:nvSpPr>
-          <p:cNvPr id="92" name="TextShape 2"/>
+                <a:srgbClr val="1c1c1c"/>
+              </a:solidFill>
+              <a:uFill>
+                <a:solidFill>
+                  <a:srgbClr val="ffffff"/>
+                </a:solidFill>
+              </a:uFill>
+              <a:latin typeface="Fira Sans"/>
+            </a:endParaRPr>
+          </a:p>
+        </p:txBody>
+      </p:sp>
+      <p:sp>
+        <p:nvSpPr>
+          <p:cNvPr id="93" name="TextShape 2"/>
           <p:cNvSpPr txBox="1"/>
           <p:nvPr/>
         </p:nvSpPr>
         <p:spPr>
           <a:xfrm>
-            <a:off x="504000" y="1769040"/>
-            <a:ext cx="9071640" cy="4384440"/>
+            <a:off x="8496000" y="7056000"/>
+            <a:ext cx="1348200" cy="305640"/>
           </a:xfrm>
           <a:prstGeom prst="rect">
             <a:avLst/>
@@ -6292,110 +5587,32 @@
           </a:ln>
         </p:spPr>
         <p:txBody>
-          <a:bodyPr lIns="0" rIns="0" tIns="0" bIns="0"/>
-          <a:p>
-            <a:pPr marL="432000" indent="-324000">
-              <a:buClr>
-                <a:srgbClr val="333333"/>
-              </a:buClr>
-              <a:buSzPct val="45000"/>
-              <a:buFont typeface="Wingdings" charset="2"/>
-              <a:buChar char=""/>
-            </a:pPr>
-            <a:r>
-              <a:rPr i="1" lang="de-DE" sz="2600" spc="-1" strike="noStrike">
-                <a:solidFill>
-                  <a:srgbClr val="333333"/>
-                </a:solidFill>
-                <a:uFill>
-                  <a:solidFill>
-                    <a:srgbClr val="ffffff"/>
-                  </a:solidFill>
-                </a:uFill>
-                <a:latin typeface="Fira Sans"/>
-              </a:rPr>
-              <a:t>magnetisches Speichermedium</a:t>
-            </a:r>
-            <a:endParaRPr i="1" lang="de-DE" sz="2600" spc="-1" strike="noStrike">
-              <a:solidFill>
-                <a:srgbClr val="333333"/>
-              </a:solidFill>
-              <a:uFill>
-                <a:solidFill>
-                  <a:srgbClr val="ffffff"/>
-                </a:solidFill>
-              </a:uFill>
-              <a:latin typeface="Fira Sans"/>
-            </a:endParaRPr>
-          </a:p>
-          <a:p>
-            <a:pPr marL="432000" indent="-324000">
-              <a:buClr>
-                <a:srgbClr val="000000"/>
-              </a:buClr>
-              <a:buSzPct val="45000"/>
-              <a:buFont typeface="Wingdings" charset="2"/>
-              <a:buChar char=""/>
-            </a:pPr>
-            <a:r>
-              <a:rPr i="1" lang="de-DE" sz="2600" spc="-1" strike="noStrike">
-                <a:solidFill>
-                  <a:srgbClr val="333333"/>
-                </a:solidFill>
-                <a:uFill>
-                  <a:solidFill>
-                    <a:srgbClr val="ffffff"/>
-                  </a:solidFill>
-                </a:uFill>
-                <a:latin typeface="Fira Sans"/>
-              </a:rPr>
-              <a:t>Platte wird magnetisiert um Informationen zu speichern</a:t>
-            </a:r>
-            <a:endParaRPr i="1" lang="de-DE" sz="2600" spc="-1" strike="noStrike">
-              <a:solidFill>
-                <a:srgbClr val="333333"/>
-              </a:solidFill>
-              <a:uFill>
-                <a:solidFill>
-                  <a:srgbClr val="ffffff"/>
-                </a:solidFill>
-              </a:uFill>
-              <a:latin typeface="Fira Sans"/>
-            </a:endParaRPr>
-          </a:p>
-          <a:p>
-            <a:pPr marL="432000" indent="-324000">
-              <a:buClr>
-                <a:srgbClr val="000000"/>
-              </a:buClr>
-              <a:buSzPct val="45000"/>
-              <a:buFont typeface="Wingdings" charset="2"/>
-              <a:buChar char=""/>
-            </a:pPr>
-            <a:r>
-              <a:rPr i="1" lang="de-DE" sz="2600" spc="-1" strike="noStrike">
-                <a:solidFill>
-                  <a:srgbClr val="333333"/>
-                </a:solidFill>
-                <a:uFill>
-                  <a:solidFill>
-                    <a:srgbClr val="ffffff"/>
-                  </a:solidFill>
-                </a:uFill>
-                <a:latin typeface="Fira Sans"/>
-              </a:rPr>
-              <a:t>Lesen der Informationen erfolgt durch Abtasten der Magnetisierung (Remenanz)</a:t>
-            </a:r>
-            <a:endParaRPr i="1" lang="de-DE" sz="2600" spc="-1" strike="noStrike">
-              <a:solidFill>
-                <a:srgbClr val="333333"/>
-              </a:solidFill>
-              <a:uFill>
-                <a:solidFill>
-                  <a:srgbClr val="ffffff"/>
-                </a:solidFill>
-              </a:uFill>
-              <a:latin typeface="Fira Sans"/>
+          <a:bodyPr lIns="90000" rIns="90000" tIns="45000" bIns="45000"/>
+          <a:p>
+            <a:r>
+              <a:rPr i="1" lang="de-DE" sz="1400" spc="-1" strike="noStrike">
+                <a:solidFill>
+                  <a:srgbClr val="666666"/>
+                </a:solidFill>
+                <a:uFill>
+                  <a:solidFill>
+                    <a:srgbClr val="ffffff"/>
+                  </a:solidFill>
+                </a:uFill>
+                <a:latin typeface="Fira Sans"/>
+              </a:rPr>
+              <a:t>Charlotte Zeeb</a:t>
+            </a:r>
+            <a:endParaRPr lang="de-DE" sz="1800" spc="-1" strike="noStrike">
+              <a:solidFill>
+                <a:srgbClr val="666666"/>
+              </a:solidFill>
+              <a:uFill>
+                <a:solidFill>
+                  <a:srgbClr val="ffffff"/>
+                </a:solidFill>
+              </a:uFill>
+              <a:latin typeface="Arial"/>
             </a:endParaRPr>
           </a:p>
         </p:txBody>
@@ -6409,106 +5626,6 @@
           <p:childTnLst>
             <p:seq>
               <p:cTn id="56" nodeType="mainSeq"/>
-              <p:prevCondLst>
-                <p:cond delay="0" evt="onPrev">
-                  <p:tgtEl>
-                    <p:sldTgt/>
-                  </p:tgtEl>
-                </p:cond>
-              </p:prevCondLst>
-              <p:nextCondLst>
-                <p:cond delay="0" evt="onNext">
-                  <p:tgtEl>
-                    <p:sldTgt/>
-                  </p:tgtEl>
-                </p:cond>
-              </p:nextCondLst>
-            </p:seq>
-          </p:childTnLst>
-        </p:cTn>
-      </p:par>
-    </p:tnLst>
-  </p:timing>
-</p:sld>
-</file>
-
-<file path=ppt/slides/slide29.xml><?xml version="1.0" encoding="utf-8"?>
-<p:sld xmlns:a="http://schemas.openxmlformats.org/drawingml/2006/main" xmlns:p="http://schemas.openxmlformats.org/presentationml/2006/main" xmlns:r="http://schemas.openxmlformats.org/officeDocument/2006/relationships">
-  <p:cSld>
-    <p:spTree>
-      <p:nvGrpSpPr>
-        <p:cNvPr id="1" name=""/>
-        <p:cNvGrpSpPr/>
-        <p:nvPr/>
-      </p:nvGrpSpPr>
-      <p:grpSpPr>
-        <a:xfrm>
-          <a:off x="0" y="0"/>
-          <a:ext cx="0" cy="0"/>
-          <a:chOff x="0" y="0"/>
-          <a:chExt cx="0" cy="0"/>
-        </a:xfrm>
-      </p:grpSpPr>
-      <p:sp>
-        <p:nvSpPr>
-          <p:cNvPr id="93" name="TextShape 1"/>
-          <p:cNvSpPr txBox="1"/>
-          <p:nvPr/>
-        </p:nvSpPr>
-        <p:spPr>
-          <a:xfrm>
-            <a:off x="504000" y="854280"/>
-            <a:ext cx="9071640" cy="5851800"/>
-          </a:xfrm>
-          <a:prstGeom prst="rect">
-            <a:avLst/>
-          </a:prstGeom>
-          <a:noFill/>
-          <a:ln>
-            <a:noFill/>
-          </a:ln>
-        </p:spPr>
-        <p:txBody>
-          <a:bodyPr lIns="0" rIns="0" tIns="0" bIns="0" anchor="ctr"/>
-          <a:p>
-            <a:pPr algn="ctr"/>
-            <a:r>
-              <a:rPr i="1" lang="de-DE" sz="3600" spc="-1" strike="noStrike">
-                <a:solidFill>
-                  <a:srgbClr val="1c1c1c"/>
-                </a:solidFill>
-                <a:uFill>
-                  <a:solidFill>
-                    <a:srgbClr val="ffffff"/>
-                  </a:solidFill>
-                </a:uFill>
-                <a:latin typeface="Fira Sans"/>
-              </a:rPr>
-              <a:t>VIELEN DANK.</a:t>
-            </a:r>
-            <a:endParaRPr i="1" lang="de-DE" sz="3600" spc="-1" strike="noStrike">
-              <a:solidFill>
-                <a:srgbClr val="1c1c1c"/>
-              </a:solidFill>
-              <a:uFill>
-                <a:solidFill>
-                  <a:srgbClr val="ffffff"/>
-                </a:solidFill>
-              </a:uFill>
-              <a:latin typeface="Fira Sans"/>
-            </a:endParaRPr>
-          </a:p>
-        </p:txBody>
-      </p:sp>
-    </p:spTree>
-  </p:cSld>
-  <p:timing>
-    <p:tnLst>
-      <p:par>
-        <p:cTn id="57" dur="indefinite" restart="never" nodeType="tmRoot">
-          <p:childTnLst>
-            <p:seq>
-              <p:cTn id="58" nodeType="mainSeq"/>
               <p:prevCondLst>
                 <p:cond delay="0" evt="onPrev">
                   <p:tgtEl>
@@ -6551,19 +5668,21 @@
       </p:grpSpPr>
       <p:sp>
         <p:nvSpPr>
-          <p:cNvPr id="42" name="TextShape 1"/>
+          <p:cNvPr id="44" name="TextShape 1"/>
           <p:cNvSpPr txBox="1"/>
           <p:nvPr/>
         </p:nvSpPr>
         <p:spPr>
           <a:xfrm>
             <a:off x="504000" y="301320"/>
-            <a:ext cx="9071640" cy="1262160"/>
-          </a:xfrm>
-          <a:prstGeom prst="rect">
-            <a:avLst/>
-          </a:prstGeom>
-          <a:noFill/>
+            <a:ext cx="9072000" cy="1080000"/>
+          </a:xfrm>
+          <a:prstGeom prst="rect">
+            <a:avLst/>
+          </a:prstGeom>
+          <a:solidFill>
+            <a:srgbClr val="eeeeee"/>
+          </a:solidFill>
           <a:ln>
             <a:noFill/>
           </a:ln>
@@ -6584,7 +5703,7 @@
                 </a:uFill>
                 <a:latin typeface="Fira Sans"/>
               </a:rPr>
-              <a:t>ALLGEMEINES</a:t>
+              <a:t>FEHLERERKENNUNG (S.M.A.R.T.)</a:t>
             </a:r>
             <a:endParaRPr i="1" lang="de-DE" sz="3600" spc="-1" strike="noStrike">
               <a:solidFill>
@@ -6602,7 +5721,7 @@
       </p:sp>
       <p:sp>
         <p:nvSpPr>
-          <p:cNvPr id="43" name="TextShape 2"/>
+          <p:cNvPr id="45" name="TextShape 2"/>
           <p:cNvSpPr txBox="1"/>
           <p:nvPr/>
         </p:nvSpPr>
@@ -6642,7 +5761,7 @@
                 </a:uFill>
                 <a:latin typeface="Fira Sans"/>
               </a:rPr>
-              <a:t>magnetisches Speichermedium</a:t>
+              <a:t>Self-Monitoring, Analysis and Reporting Technology</a:t>
             </a:r>
             <a:endParaRPr i="1" lang="de-DE" sz="2600" spc="-1" strike="noStrike">
               <a:solidFill>
@@ -6659,7 +5778,7 @@
           <a:p>
             <a:pPr marL="432000" indent="-324000">
               <a:buClr>
-                <a:srgbClr val="000000"/>
+                <a:srgbClr val="333333"/>
               </a:buClr>
               <a:buSzPct val="45000"/>
               <a:buFont typeface="Wingdings" charset="2"/>
@@ -6677,7 +5796,7 @@
                 </a:uFill>
                 <a:latin typeface="Fira Sans"/>
               </a:rPr>
-              <a:t>Platte wird magnetisiert um Informationen zu speichern</a:t>
+              <a:t>BIOS- bzw. Firmware-gesteuert</a:t>
             </a:r>
             <a:endParaRPr i="1" lang="de-DE" sz="2600" spc="-1" strike="noStrike">
               <a:solidFill>
@@ -6694,7 +5813,7 @@
           <a:p>
             <a:pPr marL="432000" indent="-324000">
               <a:buClr>
-                <a:srgbClr val="000000"/>
+                <a:srgbClr val="333333"/>
               </a:buClr>
               <a:buSzPct val="45000"/>
               <a:buFont typeface="Wingdings" charset="2"/>
@@ -6712,7 +5831,42 @@
                 </a:uFill>
                 <a:latin typeface="Fira Sans"/>
               </a:rPr>
-              <a:t>Lesen der Informationen erfolgt durch Abtasten der Magnetisierung (Remenanz)</a:t>
+              <a:t>Durch Sensoren und Chipfunktionen erfasst</a:t>
+            </a:r>
+            <a:endParaRPr i="1" lang="de-DE" sz="2600" spc="-1" strike="noStrike">
+              <a:solidFill>
+                <a:srgbClr val="333333"/>
+              </a:solidFill>
+              <a:uFill>
+                <a:solidFill>
+                  <a:srgbClr val="ffffff"/>
+                </a:solidFill>
+              </a:uFill>
+              <a:latin typeface="Fira Sans"/>
+            </a:endParaRPr>
+          </a:p>
+          <a:p>
+            <a:pPr marL="432000" indent="-324000">
+              <a:buClr>
+                <a:srgbClr val="333333"/>
+              </a:buClr>
+              <a:buSzPct val="45000"/>
+              <a:buFont typeface="Wingdings" charset="2"/>
+              <a:buChar char=""/>
+            </a:pPr>
+            <a:r>
+              <a:rPr i="1" lang="de-DE" sz="2600" spc="-1" strike="noStrike">
+                <a:solidFill>
+                  <a:srgbClr val="333333"/>
+                </a:solidFill>
+                <a:uFill>
+                  <a:solidFill>
+                    <a:srgbClr val="ffffff"/>
+                  </a:solidFill>
+                </a:uFill>
+                <a:latin typeface="Fira Sans"/>
+              </a:rPr>
+              <a:t>Überwachend und prognostizierend</a:t>
             </a:r>
             <a:endParaRPr i="1" lang="de-DE" sz="2600" spc="-1" strike="noStrike">
               <a:solidFill>
@@ -6779,14 +5933,14 @@
       </p:grpSpPr>
       <p:sp>
         <p:nvSpPr>
-          <p:cNvPr id="44" name="TextShape 1"/>
+          <p:cNvPr id="46" name="TextShape 1"/>
           <p:cNvSpPr txBox="1"/>
           <p:nvPr/>
         </p:nvSpPr>
         <p:spPr>
           <a:xfrm>
-            <a:off x="504000" y="301320"/>
-            <a:ext cx="9071640" cy="1262160"/>
+            <a:off x="504000" y="854280"/>
+            <a:ext cx="9071640" cy="5851800"/>
           </a:xfrm>
           <a:prstGeom prst="rect">
             <a:avLst/>
@@ -6801,7 +5955,7 @@
           <a:p>
             <a:pPr algn="ctr"/>
             <a:r>
-              <a:rPr i="1" lang="de-DE" sz="3600" spc="-1" strike="noStrike">
+              <a:rPr b="1" i="1" lang="de-DE" sz="3600" spc="-1" strike="noStrike">
                 <a:solidFill>
                   <a:srgbClr val="333333"/>
                 </a:solidFill>
@@ -6812,54 +5966,24 @@
                 </a:uFill>
                 <a:latin typeface="Fira Sans"/>
               </a:rPr>
-              <a:t>AUFBAU</a:t>
-            </a:r>
-            <a:endParaRPr i="1" lang="de-DE" sz="3600" spc="-1" strike="noStrike">
-              <a:solidFill>
-                <a:srgbClr val="333333"/>
-              </a:solidFill>
-              <a:uFill>
-                <a:solidFill>
-                  <a:srgbClr val="ffffff"/>
-                </a:solidFill>
-              </a:uFill>
-              <a:latin typeface="Ubuntu"/>
-            </a:endParaRPr>
-          </a:p>
-        </p:txBody>
-      </p:sp>
-      <p:sp>
-        <p:nvSpPr>
-          <p:cNvPr id="45" name="TextShape 2"/>
-          <p:cNvSpPr txBox="1"/>
-          <p:nvPr/>
-        </p:nvSpPr>
-        <p:spPr>
-          <a:xfrm>
-            <a:off x="504000" y="1769040"/>
-            <a:ext cx="9071640" cy="4384440"/>
-          </a:xfrm>
-          <a:prstGeom prst="rect">
-            <a:avLst/>
-          </a:prstGeom>
-          <a:noFill/>
-          <a:ln>
-            <a:noFill/>
-          </a:ln>
-        </p:spPr>
-        <p:txBody>
-          <a:bodyPr lIns="0" rIns="0" tIns="0" bIns="0"/>
-          <a:p>
-            <a:pPr marL="432000" indent="-324000">
-              <a:buClr>
-                <a:srgbClr val="333333"/>
-              </a:buClr>
-              <a:buSzPct val="45000"/>
-              <a:buFont typeface="Wingdings" charset="2"/>
-              <a:buChar char=""/>
-            </a:pPr>
-            <a:r>
-              <a:rPr i="1" lang="de-DE" sz="2600" spc="-1" strike="noStrike">
+              <a:t>DIE NAMENTLICHE FESTPLATTE</a:t>
+            </a:r>
+            <a:endParaRPr b="1" i="1" lang="de-DE" sz="3600" spc="-1" strike="noStrike">
+              <a:solidFill>
+                <a:srgbClr val="333333"/>
+              </a:solidFill>
+              <a:uFill>
+                <a:solidFill>
+                  <a:srgbClr val="ffffff"/>
+                </a:solidFill>
+              </a:uFill>
+              <a:latin typeface="Fira Sans"/>
+            </a:endParaRPr>
+          </a:p>
+          <a:p>
+            <a:pPr algn="ctr"/>
+            <a:r>
+              <a:rPr b="1" i="1" lang="de-DE" sz="3600" spc="-1" strike="noStrike">
                 <a:solidFill>
                   <a:srgbClr val="333333"/>
                 </a:solidFill>
@@ -6870,9 +5994,9 @@
                 </a:uFill>
                 <a:latin typeface="Fira Sans"/>
               </a:rPr>
-              <a:t>Platte</a:t>
-            </a:r>
-            <a:endParaRPr i="1" lang="de-DE" sz="2600" spc="-1" strike="noStrike">
+              <a:t>(HDD)</a:t>
+            </a:r>
+            <a:endParaRPr b="1" i="1" lang="de-DE" sz="3600" spc="-1" strike="noStrike">
               <a:solidFill>
                 <a:srgbClr val="333333"/>
               </a:solidFill>
@@ -6884,171 +6008,8 @@
               <a:latin typeface="Fira Sans"/>
             </a:endParaRPr>
           </a:p>
-          <a:p>
-            <a:pPr marL="432000" indent="-324000">
-              <a:buClr>
-                <a:srgbClr val="333333"/>
-              </a:buClr>
-              <a:buSzPct val="45000"/>
-              <a:buFont typeface="Wingdings" charset="2"/>
-              <a:buChar char=""/>
-            </a:pPr>
-            <a:r>
-              <a:rPr i="1" lang="de-DE" sz="2600" spc="-1" strike="noStrike">
-                <a:solidFill>
-                  <a:srgbClr val="333333"/>
-                </a:solidFill>
-                <a:uFill>
-                  <a:solidFill>
-                    <a:srgbClr val="ffffff"/>
-                  </a:solidFill>
-                </a:uFill>
-                <a:latin typeface="Fira Sans"/>
-              </a:rPr>
-              <a:t>Spindel</a:t>
-            </a:r>
-            <a:endParaRPr i="1" lang="de-DE" sz="2600" spc="-1" strike="noStrike">
-              <a:solidFill>
-                <a:srgbClr val="333333"/>
-              </a:solidFill>
-              <a:uFill>
-                <a:solidFill>
-                  <a:srgbClr val="ffffff"/>
-                </a:solidFill>
-              </a:uFill>
-              <a:latin typeface="Fira Sans"/>
-            </a:endParaRPr>
-          </a:p>
-          <a:p>
-            <a:pPr marL="432000" indent="-324000">
-              <a:buClr>
-                <a:srgbClr val="333333"/>
-              </a:buClr>
-              <a:buSzPct val="45000"/>
-              <a:buFont typeface="Wingdings" charset="2"/>
-              <a:buChar char=""/>
-            </a:pPr>
-            <a:r>
-              <a:rPr i="1" lang="de-DE" sz="2600" spc="-1" strike="noStrike">
-                <a:solidFill>
-                  <a:srgbClr val="333333"/>
-                </a:solidFill>
-                <a:uFill>
-                  <a:solidFill>
-                    <a:srgbClr val="ffffff"/>
-                  </a:solidFill>
-                </a:uFill>
-                <a:latin typeface="Fira Sans"/>
-              </a:rPr>
-              <a:t>Schreib-/Lesekopf</a:t>
-            </a:r>
-            <a:endParaRPr i="1" lang="de-DE" sz="2600" spc="-1" strike="noStrike">
-              <a:solidFill>
-                <a:srgbClr val="333333"/>
-              </a:solidFill>
-              <a:uFill>
-                <a:solidFill>
-                  <a:srgbClr val="ffffff"/>
-                </a:solidFill>
-              </a:uFill>
-              <a:latin typeface="Fira Sans"/>
-            </a:endParaRPr>
-          </a:p>
-          <a:p>
-            <a:pPr marL="432000" indent="-324000">
-              <a:buClr>
-                <a:srgbClr val="333333"/>
-              </a:buClr>
-              <a:buSzPct val="45000"/>
-              <a:buFont typeface="Wingdings" charset="2"/>
-              <a:buChar char=""/>
-            </a:pPr>
-            <a:r>
-              <a:rPr i="1" lang="de-DE" sz="2600" spc="-1" strike="noStrike">
-                <a:solidFill>
-                  <a:srgbClr val="333333"/>
-                </a:solidFill>
-                <a:uFill>
-                  <a:solidFill>
-                    <a:srgbClr val="ffffff"/>
-                  </a:solidFill>
-                </a:uFill>
-                <a:latin typeface="Fira Sans"/>
-              </a:rPr>
-              <a:t>Actuatorarm</a:t>
-            </a:r>
-            <a:endParaRPr i="1" lang="de-DE" sz="2600" spc="-1" strike="noStrike">
-              <a:solidFill>
-                <a:srgbClr val="333333"/>
-              </a:solidFill>
-              <a:uFill>
-                <a:solidFill>
-                  <a:srgbClr val="ffffff"/>
-                </a:solidFill>
-              </a:uFill>
-              <a:latin typeface="Fira Sans"/>
-            </a:endParaRPr>
-          </a:p>
-          <a:p>
-            <a:pPr marL="432000" indent="-324000">
-              <a:buClr>
-                <a:srgbClr val="333333"/>
-              </a:buClr>
-              <a:buSzPct val="45000"/>
-              <a:buFont typeface="Wingdings" charset="2"/>
-              <a:buChar char=""/>
-            </a:pPr>
-            <a:r>
-              <a:rPr i="1" lang="de-DE" sz="2600" spc="-1" strike="noStrike">
-                <a:solidFill>
-                  <a:srgbClr val="333333"/>
-                </a:solidFill>
-                <a:uFill>
-                  <a:solidFill>
-                    <a:srgbClr val="ffffff"/>
-                  </a:solidFill>
-                </a:uFill>
-                <a:latin typeface="Fira Sans"/>
-              </a:rPr>
-              <a:t>Actuator</a:t>
-            </a:r>
-            <a:endParaRPr i="1" lang="de-DE" sz="2600" spc="-1" strike="noStrike">
-              <a:solidFill>
-                <a:srgbClr val="333333"/>
-              </a:solidFill>
-              <a:uFill>
-                <a:solidFill>
-                  <a:srgbClr val="ffffff"/>
-                </a:solidFill>
-              </a:uFill>
-              <a:latin typeface="Fira Sans"/>
-            </a:endParaRPr>
-          </a:p>
-        </p:txBody>
-      </p:sp>
-      <p:pic>
-        <p:nvPicPr>
-          <p:cNvPr id="46" name="" descr=""/>
-          <p:cNvPicPr/>
-          <p:nvPr/>
-        </p:nvPicPr>
-        <p:blipFill>
-          <a:blip r:embed="rId1"/>
-          <a:stretch/>
-        </p:blipFill>
-        <p:spPr>
-          <a:xfrm>
-            <a:off x="4473360" y="1491480"/>
-            <a:ext cx="5318640" cy="6068520"/>
-          </a:xfrm>
-          <a:prstGeom prst="rect">
-            <a:avLst/>
-          </a:prstGeom>
-          <a:ln>
-            <a:noFill/>
-          </a:ln>
-        </p:spPr>
-      </p:pic>
+        </p:txBody>
+      </p:sp>
     </p:spTree>
   </p:cSld>
   <p:timing>
@@ -7107,12 +6068,14 @@
         <p:spPr>
           <a:xfrm>
             <a:off x="504000" y="301320"/>
-            <a:ext cx="9071640" cy="1262160"/>
-          </a:xfrm>
-          <a:prstGeom prst="rect">
-            <a:avLst/>
-          </a:prstGeom>
-          <a:noFill/>
+            <a:ext cx="9072000" cy="1080000"/>
+          </a:xfrm>
+          <a:prstGeom prst="rect">
+            <a:avLst/>
+          </a:prstGeom>
+          <a:solidFill>
+            <a:srgbClr val="eeeeee"/>
+          </a:solidFill>
           <a:ln>
             <a:noFill/>
           </a:ln>
@@ -7133,7 +6096,7 @@
                 </a:uFill>
                 <a:latin typeface="Fira Sans"/>
               </a:rPr>
-              <a:t>BAU-/SPEICHERGRÖSSEN</a:t>
+              <a:t>ALLGEMEINES</a:t>
             </a:r>
             <a:endParaRPr i="1" lang="de-DE" sz="3600" spc="-1" strike="noStrike">
               <a:solidFill>
@@ -7157,7 +6120,7 @@
         </p:nvSpPr>
         <p:spPr>
           <a:xfrm>
-            <a:off x="504360" y="1769040"/>
+            <a:off x="504000" y="1769040"/>
             <a:ext cx="9071640" cy="4384440"/>
           </a:xfrm>
           <a:prstGeom prst="rect">
@@ -7191,7 +6154,7 @@
                 </a:uFill>
                 <a:latin typeface="Fira Sans"/>
               </a:rPr>
-              <a:t>Formfaktor == Durchmesser der Platte</a:t>
+              <a:t>Magnetisches Speichermedium</a:t>
             </a:r>
             <a:endParaRPr i="1" lang="de-DE" sz="2600" spc="-1" strike="noStrike">
               <a:solidFill>
@@ -7208,7 +6171,7 @@
           <a:p>
             <a:pPr marL="432000" indent="-324000">
               <a:buClr>
-                <a:srgbClr val="333333"/>
+                <a:srgbClr val="000000"/>
               </a:buClr>
               <a:buSzPct val="45000"/>
               <a:buFont typeface="Wingdings" charset="2"/>
@@ -7226,7 +6189,7 @@
                 </a:uFill>
                 <a:latin typeface="Fira Sans"/>
               </a:rPr>
-              <a:t>3,5“ = bis zu 10 TB (1149 GB/Platte)</a:t>
+              <a:t>Platte wird magnetisiert um Informationen zu speichern</a:t>
             </a:r>
             <a:endParaRPr i="1" lang="de-DE" sz="2600" spc="-1" strike="noStrike">
               <a:solidFill>
@@ -7243,7 +6206,7 @@
           <a:p>
             <a:pPr marL="432000" indent="-324000">
               <a:buClr>
-                <a:srgbClr val="333333"/>
+                <a:srgbClr val="000000"/>
               </a:buClr>
               <a:buSzPct val="45000"/>
               <a:buFont typeface="Wingdings" charset="2"/>
@@ -7261,7 +6224,7 @@
                 </a:uFill>
                 <a:latin typeface="Fira Sans"/>
               </a:rPr>
-              <a:t>2,5“ = bis zu 4 TB (800 GB/Platte)</a:t>
+              <a:t>Lesen der Informationen erfolgt durch Abtasten der Magnetisierung (Remenanz)</a:t>
             </a:r>
             <a:endParaRPr i="1" lang="de-DE" sz="2600" spc="-1" strike="noStrike">
               <a:solidFill>
@@ -7335,12 +6298,14 @@
         <p:spPr>
           <a:xfrm>
             <a:off x="504000" y="301320"/>
-            <a:ext cx="9071640" cy="1262160"/>
-          </a:xfrm>
-          <a:prstGeom prst="rect">
-            <a:avLst/>
-          </a:prstGeom>
-          <a:noFill/>
+            <a:ext cx="9072000" cy="1080000"/>
+          </a:xfrm>
+          <a:prstGeom prst="rect">
+            <a:avLst/>
+          </a:prstGeom>
+          <a:solidFill>
+            <a:srgbClr val="eeeeee"/>
+          </a:solidFill>
           <a:ln>
             <a:noFill/>
           </a:ln>
@@ -7361,7 +6326,7 @@
                 </a:uFill>
                 <a:latin typeface="Fira Sans"/>
               </a:rPr>
-              <a:t>SCHNITTSTELLEN</a:t>
+              <a:t>AUFBAU</a:t>
             </a:r>
             <a:endParaRPr i="1" lang="de-DE" sz="3600" spc="-1" strike="noStrike">
               <a:solidFill>
@@ -7419,7 +6384,7 @@
                 </a:uFill>
                 <a:latin typeface="Fira Sans"/>
               </a:rPr>
-              <a:t>ATA (IDE)</a:t>
+              <a:t>Platte</a:t>
             </a:r>
             <a:endParaRPr i="1" lang="de-DE" sz="2600" spc="-1" strike="noStrike">
               <a:solidFill>
@@ -7454,7 +6419,7 @@
                 </a:uFill>
                 <a:latin typeface="Fira Sans"/>
               </a:rPr>
-              <a:t>SATA</a:t>
+              <a:t>Spindel</a:t>
             </a:r>
             <a:endParaRPr i="1" lang="de-DE" sz="2600" spc="-1" strike="noStrike">
               <a:solidFill>
@@ -7489,7 +6454,7 @@
                 </a:uFill>
                 <a:latin typeface="Fira Sans"/>
               </a:rPr>
-              <a:t>ESDI</a:t>
+              <a:t>Schreib-/Lesekopf</a:t>
             </a:r>
             <a:endParaRPr i="1" lang="de-DE" sz="2600" spc="-1" strike="noStrike">
               <a:solidFill>
@@ -7524,7 +6489,7 @@
                 </a:uFill>
                 <a:latin typeface="Fira Sans"/>
               </a:rPr>
-              <a:t>Parallel SCSI</a:t>
+              <a:t>Actuator und Arm</a:t>
             </a:r>
             <a:endParaRPr i="1" lang="de-DE" sz="2600" spc="-1" strike="noStrike">
               <a:solidFill>
@@ -7541,7 +6506,7 @@
           <a:p>
             <a:pPr marL="432000" indent="-324000">
               <a:buClr>
-                <a:srgbClr val="333333"/>
+                <a:srgbClr val="000000"/>
               </a:buClr>
               <a:buSzPct val="45000"/>
               <a:buFont typeface="Wingdings" charset="2"/>
@@ -7559,7 +6524,7 @@
                 </a:uFill>
                 <a:latin typeface="Fira Sans"/>
               </a:rPr>
-              <a:t>Serial Attached SCSI (SAS)</a:t>
+              <a:t>Blöcke (512/4096 Byte),</a:t>
             </a:r>
             <a:endParaRPr i="1" lang="de-DE" sz="2600" spc="-1" strike="noStrike">
               <a:solidFill>
@@ -7576,7 +6541,7 @@
           <a:p>
             <a:pPr marL="432000" indent="-324000">
               <a:buClr>
-                <a:srgbClr val="333333"/>
+                <a:srgbClr val="000000"/>
               </a:buClr>
               <a:buSzPct val="45000"/>
               <a:buFont typeface="Wingdings" charset="2"/>
@@ -7594,7 +6559,7 @@
                 </a:uFill>
                 <a:latin typeface="Fira Sans"/>
               </a:rPr>
-              <a:t>Fibre-Channel-Interface</a:t>
+              <a:t>Tracks, Sektoren,</a:t>
             </a:r>
             <a:endParaRPr i="1" lang="de-DE" sz="2600" spc="-1" strike="noStrike">
               <a:solidFill>
@@ -7608,8 +6573,66 @@
               <a:latin typeface="Fira Sans"/>
             </a:endParaRPr>
           </a:p>
-        </p:txBody>
-      </p:sp>
+          <a:p>
+            <a:pPr marL="432000" indent="-324000">
+              <a:buClr>
+                <a:srgbClr val="000000"/>
+              </a:buClr>
+              <a:buSzPct val="45000"/>
+              <a:buFont typeface="Wingdings" charset="2"/>
+              <a:buChar char=""/>
+            </a:pPr>
+            <a:r>
+              <a:rPr i="1" lang="de-DE" sz="2600" spc="-1" strike="noStrike">
+                <a:solidFill>
+                  <a:srgbClr val="333333"/>
+                </a:solidFill>
+                <a:uFill>
+                  <a:solidFill>
+                    <a:srgbClr val="ffffff"/>
+                  </a:solidFill>
+                </a:uFill>
+                <a:latin typeface="Fira Sans"/>
+              </a:rPr>
+              <a:t>Seiten, Zylinder</a:t>
+            </a:r>
+            <a:endParaRPr i="1" lang="de-DE" sz="2600" spc="-1" strike="noStrike">
+              <a:solidFill>
+                <a:srgbClr val="333333"/>
+              </a:solidFill>
+              <a:uFill>
+                <a:solidFill>
+                  <a:srgbClr val="ffffff"/>
+                </a:solidFill>
+              </a:uFill>
+              <a:latin typeface="Fira Sans"/>
+            </a:endParaRPr>
+          </a:p>
+        </p:txBody>
+      </p:sp>
+      <p:pic>
+        <p:nvPicPr>
+          <p:cNvPr id="51" name="" descr=""/>
+          <p:cNvPicPr/>
+          <p:nvPr/>
+        </p:nvPicPr>
+        <p:blipFill>
+          <a:blip r:embed="rId1"/>
+          <a:stretch/>
+        </p:blipFill>
+        <p:spPr>
+          <a:xfrm>
+            <a:off x="4473360" y="1491480"/>
+            <a:ext cx="5318640" cy="6068520"/>
+          </a:xfrm>
+          <a:prstGeom prst="rect">
+            <a:avLst/>
+          </a:prstGeom>
+          <a:ln>
+            <a:noFill/>
+          </a:ln>
+        </p:spPr>
+      </p:pic>
     </p:spTree>
   </p:cSld>
   <p:timing>
@@ -7661,19 +6684,21 @@
       </p:grpSpPr>
       <p:sp>
         <p:nvSpPr>
-          <p:cNvPr id="51" name="TextShape 1"/>
+          <p:cNvPr id="52" name="TextShape 1"/>
           <p:cNvSpPr txBox="1"/>
           <p:nvPr/>
         </p:nvSpPr>
         <p:spPr>
           <a:xfrm>
             <a:off x="504000" y="301320"/>
-            <a:ext cx="9071640" cy="1262160"/>
-          </a:xfrm>
-          <a:prstGeom prst="rect">
-            <a:avLst/>
-          </a:prstGeom>
-          <a:noFill/>
+            <a:ext cx="9072000" cy="1080000"/>
+          </a:xfrm>
+          <a:prstGeom prst="rect">
+            <a:avLst/>
+          </a:prstGeom>
+          <a:solidFill>
+            <a:srgbClr val="eeeeee"/>
+          </a:solidFill>
           <a:ln>
             <a:noFill/>
           </a:ln>
@@ -7694,7 +6719,7 @@
                 </a:uFill>
                 <a:latin typeface="Fira Sans"/>
               </a:rPr>
-              <a:t>SCHREIBGESCHWINDIGKEIT</a:t>
+              <a:t>BAU-/SPEICHERGRÖSSEN</a:t>
             </a:r>
             <a:endParaRPr i="1" lang="de-DE" sz="3600" spc="-1" strike="noStrike">
               <a:solidFill>
@@ -7712,13 +6737,13 @@
       </p:sp>
       <p:sp>
         <p:nvSpPr>
-          <p:cNvPr id="52" name="TextShape 2"/>
+          <p:cNvPr id="53" name="TextShape 2"/>
           <p:cNvSpPr txBox="1"/>
           <p:nvPr/>
         </p:nvSpPr>
         <p:spPr>
           <a:xfrm>
-            <a:off x="504000" y="1769040"/>
+            <a:off x="504360" y="1769040"/>
             <a:ext cx="9071640" cy="4384440"/>
           </a:xfrm>
           <a:prstGeom prst="rect">
@@ -7752,7 +6777,7 @@
                 </a:uFill>
                 <a:latin typeface="Fira Sans"/>
               </a:rPr>
-              <a:t>Kontinuierliche Übertragungsrate (Menge/s)</a:t>
+              <a:t>Formfaktor == Durchmesser der Platte</a:t>
             </a:r>
             <a:endParaRPr i="1" lang="de-DE" sz="2600" spc="-1" strike="noStrike">
               <a:solidFill>
@@ -7787,7 +6812,7 @@
                 </a:uFill>
                 <a:latin typeface="Fira Sans"/>
               </a:rPr>
-              <a:t>Mittlere Zugriffszeit bestehend aus</a:t>
+              <a:t>3,5“ = bis zu 10 TB (1149 GB/Platte)</a:t>
             </a:r>
             <a:endParaRPr i="1" lang="de-DE" sz="2600" spc="-1" strike="noStrike">
               <a:solidFill>
@@ -7802,13 +6827,13 @@
             </a:endParaRPr>
           </a:p>
           <a:p>
-            <a:pPr lvl="1" marL="864000" indent="-324000">
+            <a:pPr marL="432000" indent="-324000">
               <a:buClr>
                 <a:srgbClr val="333333"/>
               </a:buClr>
-              <a:buSzPct val="75000"/>
-              <a:buFont typeface="DejaVu Sans Mono"/>
-              <a:buChar char="·"/>
+              <a:buSzPct val="45000"/>
+              <a:buFont typeface="Wingdings" charset="2"/>
+              <a:buChar char=""/>
             </a:pPr>
             <a:r>
               <a:rPr i="1" lang="de-DE" sz="2600" spc="-1" strike="noStrike">
@@ -7822,88 +6847,18 @@
                 </a:uFill>
                 <a:latin typeface="Fira Sans"/>
               </a:rPr>
-              <a:t>Spurwechselzeit</a:t>
-            </a:r>
-            <a:endParaRPr lang="de-DE" sz="2800" spc="-1" strike="noStrike">
-              <a:solidFill>
-                <a:srgbClr val="000000"/>
-              </a:solidFill>
-              <a:uFill>
-                <a:solidFill>
-                  <a:srgbClr val="ffffff"/>
-                </a:solidFill>
-              </a:uFill>
-              <a:latin typeface="Arial"/>
-            </a:endParaRPr>
-          </a:p>
-          <a:p>
-            <a:pPr lvl="1" marL="864000" indent="-324000">
-              <a:buClr>
-                <a:srgbClr val="333333"/>
-              </a:buClr>
-              <a:buSzPct val="75000"/>
-              <a:buFont typeface="DejaVu Sans Mono"/>
-              <a:buChar char="·"/>
-            </a:pPr>
-            <a:r>
-              <a:rPr i="1" lang="de-DE" sz="2600" spc="-1" strike="noStrike">
-                <a:solidFill>
-                  <a:srgbClr val="333333"/>
-                </a:solidFill>
-                <a:uFill>
-                  <a:solidFill>
-                    <a:srgbClr val="ffffff"/>
-                  </a:solidFill>
-                </a:uFill>
-                <a:latin typeface="Fira Sans"/>
-              </a:rPr>
-              <a:t>Latenzzeit</a:t>
-            </a:r>
-            <a:endParaRPr lang="de-DE" sz="2800" spc="-1" strike="noStrike">
-              <a:solidFill>
-                <a:srgbClr val="000000"/>
-              </a:solidFill>
-              <a:uFill>
-                <a:solidFill>
-                  <a:srgbClr val="ffffff"/>
-                </a:solidFill>
-              </a:uFill>
-              <a:latin typeface="Arial"/>
-            </a:endParaRPr>
-          </a:p>
-          <a:p>
-            <a:pPr lvl="1" marL="864000" indent="-324000">
-              <a:buClr>
-                <a:srgbClr val="333333"/>
-              </a:buClr>
-              <a:buSzPct val="75000"/>
-              <a:buFont typeface="DejaVu Sans Mono"/>
-              <a:buChar char="·"/>
-            </a:pPr>
-            <a:r>
-              <a:rPr i="1" lang="de-DE" sz="2600" spc="-1" strike="noStrike">
-                <a:solidFill>
-                  <a:srgbClr val="333333"/>
-                </a:solidFill>
-                <a:uFill>
-                  <a:solidFill>
-                    <a:srgbClr val="ffffff"/>
-                  </a:solidFill>
-                </a:uFill>
-                <a:latin typeface="Fira Sans"/>
-              </a:rPr>
-              <a:t>Kommando-Latenz</a:t>
-            </a:r>
-            <a:endParaRPr lang="de-DE" sz="2800" spc="-1" strike="noStrike">
-              <a:solidFill>
-                <a:srgbClr val="000000"/>
-              </a:solidFill>
-              <a:uFill>
-                <a:solidFill>
-                  <a:srgbClr val="ffffff"/>
-                </a:solidFill>
-              </a:uFill>
-              <a:latin typeface="Arial"/>
+              <a:t>2,5“ = bis zu 4 TB (800 GB/Platte)</a:t>
+            </a:r>
+            <a:endParaRPr i="1" lang="de-DE" sz="2600" spc="-1" strike="noStrike">
+              <a:solidFill>
+                <a:srgbClr val="333333"/>
+              </a:solidFill>
+              <a:uFill>
+                <a:solidFill>
+                  <a:srgbClr val="ffffff"/>
+                </a:solidFill>
+              </a:uFill>
+              <a:latin typeface="Fira Sans"/>
             </a:endParaRPr>
           </a:p>
         </p:txBody>
@@ -7959,19 +6914,21 @@
       </p:grpSpPr>
       <p:sp>
         <p:nvSpPr>
-          <p:cNvPr id="53" name="TextShape 1"/>
+          <p:cNvPr id="54" name="TextShape 1"/>
           <p:cNvSpPr txBox="1"/>
           <p:nvPr/>
         </p:nvSpPr>
         <p:spPr>
           <a:xfrm>
             <a:off x="504000" y="301320"/>
-            <a:ext cx="9071640" cy="1262160"/>
-          </a:xfrm>
-          <a:prstGeom prst="rect">
-            <a:avLst/>
-          </a:prstGeom>
-          <a:noFill/>
+            <a:ext cx="9072000" cy="1080000"/>
+          </a:xfrm>
+          <a:prstGeom prst="rect">
+            <a:avLst/>
+          </a:prstGeom>
+          <a:solidFill>
+            <a:srgbClr val="eeeeee"/>
+          </a:solidFill>
           <a:ln>
             <a:noFill/>
           </a:ln>
@@ -7992,7 +6949,7 @@
                 </a:uFill>
                 <a:latin typeface="Fira Sans"/>
               </a:rPr>
-              <a:t>Rudundant Array of Independent Disks (RAID)</a:t>
+              <a:t>SCHREIBGESCHWINDIGKEIT</a:t>
             </a:r>
             <a:endParaRPr i="1" lang="de-DE" sz="3600" spc="-1" strike="noStrike">
               <a:solidFill>
@@ -8010,7 +6967,7 @@
       </p:sp>
       <p:sp>
         <p:nvSpPr>
-          <p:cNvPr id="54" name="TextShape 2"/>
+          <p:cNvPr id="55" name="TextShape 2"/>
           <p:cNvSpPr txBox="1"/>
           <p:nvPr/>
         </p:nvSpPr>
@@ -8050,7 +7007,7 @@
                 </a:uFill>
                 <a:latin typeface="Fira Sans"/>
               </a:rPr>
-              <a:t>HW RAID </a:t>
+              <a:t>Kontinuierliche Übertragungsrate (Menge/s)</a:t>
             </a:r>
             <a:endParaRPr i="1" lang="de-DE" sz="2600" spc="-1" strike="noStrike">
               <a:solidFill>
@@ -8067,7 +7024,7 @@
           <a:p>
             <a:pPr marL="432000" indent="-324000">
               <a:buClr>
-                <a:srgbClr val="000000"/>
+                <a:srgbClr val="333333"/>
               </a:buClr>
               <a:buSzPct val="45000"/>
               <a:buFont typeface="Wingdings" charset="2"/>
@@ -8085,7 +7042,7 @@
                 </a:uFill>
                 <a:latin typeface="Fira Sans"/>
               </a:rPr>
-              <a:t>SW RAID</a:t>
+              <a:t>Mittlere Zugriffszeit bestehend aus</a:t>
             </a:r>
             <a:endParaRPr i="1" lang="de-DE" sz="2600" spc="-1" strike="noStrike">
               <a:solidFill>
@@ -8100,13 +7057,48 @@
             </a:endParaRPr>
           </a:p>
           <a:p>
-            <a:pPr marL="432000" indent="-324000">
+            <a:pPr lvl="1" marL="864000" indent="-324000">
               <a:buClr>
+                <a:srgbClr val="333333"/>
+              </a:buClr>
+              <a:buSzPct val="75000"/>
+              <a:buFont typeface="DejaVu Sans Mono"/>
+              <a:buChar char="·"/>
+            </a:pPr>
+            <a:r>
+              <a:rPr i="1" lang="de-DE" sz="2600" spc="-1" strike="noStrike">
+                <a:solidFill>
+                  <a:srgbClr val="333333"/>
+                </a:solidFill>
+                <a:uFill>
+                  <a:solidFill>
+                    <a:srgbClr val="ffffff"/>
+                  </a:solidFill>
+                </a:uFill>
+                <a:latin typeface="Fira Sans"/>
+              </a:rPr>
+              <a:t>Spurwechselzeit</a:t>
+            </a:r>
+            <a:endParaRPr lang="de-DE" sz="2800" spc="-1" strike="noStrike">
+              <a:solidFill>
                 <a:srgbClr val="000000"/>
+              </a:solidFill>
+              <a:uFill>
+                <a:solidFill>
+                  <a:srgbClr val="ffffff"/>
+                </a:solidFill>
+              </a:uFill>
+              <a:latin typeface="Arial"/>
+            </a:endParaRPr>
+          </a:p>
+          <a:p>
+            <a:pPr lvl="1" marL="864000" indent="-324000">
+              <a:buClr>
+                <a:srgbClr val="333333"/>
               </a:buClr>
-              <a:buSzPct val="45000"/>
-              <a:buFont typeface="Wingdings" charset="2"/>
-              <a:buChar char=""/>
+              <a:buSzPct val="75000"/>
+              <a:buFont typeface="DejaVu Sans Mono"/>
+              <a:buChar char="·"/>
             </a:pPr>
             <a:r>
               <a:rPr i="1" lang="de-DE" sz="2600" spc="-1" strike="noStrike">
@@ -8120,88 +7112,53 @@
                 </a:uFill>
                 <a:latin typeface="Fira Sans"/>
               </a:rPr>
-              <a:t>RAID 0</a:t>
-            </a:r>
-            <a:endParaRPr i="1" lang="de-DE" sz="2600" spc="-1" strike="noStrike">
-              <a:solidFill>
-                <a:srgbClr val="333333"/>
-              </a:solidFill>
-              <a:uFill>
-                <a:solidFill>
-                  <a:srgbClr val="ffffff"/>
-                </a:solidFill>
-              </a:uFill>
-              <a:latin typeface="Fira Sans"/>
-            </a:endParaRPr>
-          </a:p>
-          <a:p>
-            <a:pPr marL="432000" indent="-324000">
+              <a:t>Latenzzeit</a:t>
+            </a:r>
+            <a:endParaRPr lang="de-DE" sz="2800" spc="-1" strike="noStrike">
+              <a:solidFill>
+                <a:srgbClr val="000000"/>
+              </a:solidFill>
+              <a:uFill>
+                <a:solidFill>
+                  <a:srgbClr val="ffffff"/>
+                </a:solidFill>
+              </a:uFill>
+              <a:latin typeface="Arial"/>
+            </a:endParaRPr>
+          </a:p>
+          <a:p>
+            <a:pPr lvl="1" marL="864000" indent="-324000">
               <a:buClr>
+                <a:srgbClr val="333333"/>
+              </a:buClr>
+              <a:buSzPct val="75000"/>
+              <a:buFont typeface="DejaVu Sans Mono"/>
+              <a:buChar char="·"/>
+            </a:pPr>
+            <a:r>
+              <a:rPr i="1" lang="de-DE" sz="2600" spc="-1" strike="noStrike">
+                <a:solidFill>
+                  <a:srgbClr val="333333"/>
+                </a:solidFill>
+                <a:uFill>
+                  <a:solidFill>
+                    <a:srgbClr val="ffffff"/>
+                  </a:solidFill>
+                </a:uFill>
+                <a:latin typeface="Fira Sans"/>
+              </a:rPr>
+              <a:t>Kommando-Latenz</a:t>
+            </a:r>
+            <a:endParaRPr lang="de-DE" sz="2800" spc="-1" strike="noStrike">
+              <a:solidFill>
                 <a:srgbClr val="000000"/>
-              </a:buClr>
-              <a:buSzPct val="45000"/>
-              <a:buFont typeface="Wingdings" charset="2"/>
-              <a:buChar char=""/>
-            </a:pPr>
-            <a:r>
-              <a:rPr i="1" lang="de-DE" sz="2600" spc="-1" strike="noStrike">
-                <a:solidFill>
-                  <a:srgbClr val="333333"/>
-                </a:solidFill>
-                <a:uFill>
-                  <a:solidFill>
-                    <a:srgbClr val="ffffff"/>
-                  </a:solidFill>
-                </a:uFill>
-                <a:latin typeface="Fira Sans"/>
-              </a:rPr>
-              <a:t>RAID 1</a:t>
-            </a:r>
-            <a:endParaRPr i="1" lang="de-DE" sz="2600" spc="-1" strike="noStrike">
-              <a:solidFill>
-                <a:srgbClr val="333333"/>
-              </a:solidFill>
-              <a:uFill>
-                <a:solidFill>
-                  <a:srgbClr val="ffffff"/>
-                </a:solidFill>
-              </a:uFill>
-              <a:latin typeface="Fira Sans"/>
-            </a:endParaRPr>
-          </a:p>
-          <a:p>
-            <a:pPr marL="432000" indent="-324000">
-              <a:buClr>
-                <a:srgbClr val="000000"/>
-              </a:buClr>
-              <a:buSzPct val="45000"/>
-              <a:buFont typeface="Wingdings" charset="2"/>
-              <a:buChar char=""/>
-            </a:pPr>
-            <a:r>
-              <a:rPr i="1" lang="de-DE" sz="2600" spc="-1" strike="noStrike">
-                <a:solidFill>
-                  <a:srgbClr val="333333"/>
-                </a:solidFill>
-                <a:uFill>
-                  <a:solidFill>
-                    <a:srgbClr val="ffffff"/>
-                  </a:solidFill>
-                </a:uFill>
-                <a:latin typeface="Fira Sans"/>
-              </a:rPr>
-              <a:t>RAID 5</a:t>
-            </a:r>
-            <a:endParaRPr i="1" lang="de-DE" sz="2600" spc="-1" strike="noStrike">
-              <a:solidFill>
-                <a:srgbClr val="333333"/>
-              </a:solidFill>
-              <a:uFill>
-                <a:solidFill>
-                  <a:srgbClr val="ffffff"/>
-                </a:solidFill>
-              </a:uFill>
-              <a:latin typeface="Fira Sans"/>
+              </a:solidFill>
+              <a:uFill>
+                <a:solidFill>
+                  <a:srgbClr val="ffffff"/>
+                </a:solidFill>
+              </a:uFill>
+              <a:latin typeface="Arial"/>
             </a:endParaRPr>
           </a:p>
         </p:txBody>
@@ -8257,19 +7214,21 @@
       </p:grpSpPr>
       <p:sp>
         <p:nvSpPr>
-          <p:cNvPr id="55" name="TextShape 1"/>
+          <p:cNvPr id="56" name="TextShape 1"/>
           <p:cNvSpPr txBox="1"/>
           <p:nvPr/>
         </p:nvSpPr>
         <p:spPr>
           <a:xfrm>
             <a:off x="504000" y="301320"/>
-            <a:ext cx="9071640" cy="1262160"/>
-          </a:xfrm>
-          <a:prstGeom prst="rect">
-            <a:avLst/>
-          </a:prstGeom>
-          <a:noFill/>
+            <a:ext cx="9072000" cy="1080000"/>
+          </a:xfrm>
+          <a:prstGeom prst="rect">
+            <a:avLst/>
+          </a:prstGeom>
+          <a:solidFill>
+            <a:srgbClr val="eeeeee"/>
+          </a:solidFill>
           <a:ln>
             <a:noFill/>
           </a:ln>
@@ -8290,7 +7249,7 @@
                 </a:uFill>
                 <a:latin typeface="Fira Sans"/>
               </a:rPr>
-              <a:t>FEHLERERKENNUNG (S.M.A.R.T.)</a:t>
+              <a:t>Rudundant Array of Independent Disks (RAID)</a:t>
             </a:r>
             <a:endParaRPr i="1" lang="de-DE" sz="3600" spc="-1" strike="noStrike">
               <a:solidFill>
@@ -8308,7 +7267,7 @@
       </p:sp>
       <p:sp>
         <p:nvSpPr>
-          <p:cNvPr id="56" name="TextShape 2"/>
+          <p:cNvPr id="57" name="TextShape 2"/>
           <p:cNvSpPr txBox="1"/>
           <p:nvPr/>
         </p:nvSpPr>
@@ -8348,7 +7307,7 @@
                 </a:uFill>
                 <a:latin typeface="Fira Sans"/>
               </a:rPr>
-              <a:t>magnetisches Speichermedium</a:t>
+              <a:t>HW RAID </a:t>
             </a:r>
             <a:endParaRPr i="1" lang="de-DE" sz="2600" spc="-1" strike="noStrike">
               <a:solidFill>
@@ -8383,7 +7342,7 @@
                 </a:uFill>
                 <a:latin typeface="Fira Sans"/>
               </a:rPr>
-              <a:t>Platte wird magnetisiert um Informationen zu speichern</a:t>
+              <a:t>SW RAID</a:t>
             </a:r>
             <a:endParaRPr i="1" lang="de-DE" sz="2600" spc="-1" strike="noStrike">
               <a:solidFill>
@@ -8418,7 +7377,77 @@
                 </a:uFill>
                 <a:latin typeface="Fira Sans"/>
               </a:rPr>
-              <a:t>Lesen der Informationen erfolgt durch Abtasten der Magnetisierung (Remenanz)</a:t>
+              <a:t>RAID 0</a:t>
+            </a:r>
+            <a:endParaRPr i="1" lang="de-DE" sz="2600" spc="-1" strike="noStrike">
+              <a:solidFill>
+                <a:srgbClr val="333333"/>
+              </a:solidFill>
+              <a:uFill>
+                <a:solidFill>
+                  <a:srgbClr val="ffffff"/>
+                </a:solidFill>
+              </a:uFill>
+              <a:latin typeface="Fira Sans"/>
+            </a:endParaRPr>
+          </a:p>
+          <a:p>
+            <a:pPr marL="432000" indent="-324000">
+              <a:buClr>
+                <a:srgbClr val="000000"/>
+              </a:buClr>
+              <a:buSzPct val="45000"/>
+              <a:buFont typeface="Wingdings" charset="2"/>
+              <a:buChar char=""/>
+            </a:pPr>
+            <a:r>
+              <a:rPr i="1" lang="de-DE" sz="2600" spc="-1" strike="noStrike">
+                <a:solidFill>
+                  <a:srgbClr val="333333"/>
+                </a:solidFill>
+                <a:uFill>
+                  <a:solidFill>
+                    <a:srgbClr val="ffffff"/>
+                  </a:solidFill>
+                </a:uFill>
+                <a:latin typeface="Fira Sans"/>
+              </a:rPr>
+              <a:t>RAID 1</a:t>
+            </a:r>
+            <a:endParaRPr i="1" lang="de-DE" sz="2600" spc="-1" strike="noStrike">
+              <a:solidFill>
+                <a:srgbClr val="333333"/>
+              </a:solidFill>
+              <a:uFill>
+                <a:solidFill>
+                  <a:srgbClr val="ffffff"/>
+                </a:solidFill>
+              </a:uFill>
+              <a:latin typeface="Fira Sans"/>
+            </a:endParaRPr>
+          </a:p>
+          <a:p>
+            <a:pPr marL="432000" indent="-324000">
+              <a:buClr>
+                <a:srgbClr val="000000"/>
+              </a:buClr>
+              <a:buSzPct val="45000"/>
+              <a:buFont typeface="Wingdings" charset="2"/>
+              <a:buChar char=""/>
+            </a:pPr>
+            <a:r>
+              <a:rPr i="1" lang="de-DE" sz="2600" spc="-1" strike="noStrike">
+                <a:solidFill>
+                  <a:srgbClr val="333333"/>
+                </a:solidFill>
+                <a:uFill>
+                  <a:solidFill>
+                    <a:srgbClr val="ffffff"/>
+                  </a:solidFill>
+                </a:uFill>
+                <a:latin typeface="Fira Sans"/>
+              </a:rPr>
+              <a:t>RAID 5</a:t>
             </a:r>
             <a:endParaRPr i="1" lang="de-DE" sz="2600" spc="-1" strike="noStrike">
               <a:solidFill>
